--- a/slides/Tag-2_1-Git-Workflow-im-Team.pptx
+++ b/slides/Tag-2_1-Git-Workflow-im-Team.pptx
@@ -14,8 +14,8 @@
   </p:handoutMasterIdLst>
   <p:sldIdLst>
     <p:sldId id="604" r:id="rId4"/>
-    <p:sldId id="289" r:id="rId5"/>
-    <p:sldId id="608" r:id="rId6"/>
+    <p:sldId id="592" r:id="rId5"/>
+    <p:sldId id="609" r:id="rId6"/>
     <p:sldId id="596" r:id="rId7"/>
     <p:sldId id="287" r:id="rId8"/>
     <p:sldId id="326" r:id="rId9"/>
@@ -1955,7 +1955,7 @@
               <a:pPr algn="ctr">
                 <a:defRPr/>
               </a:pPr>
-              <a:t>18.06.2024</a:t>
+              <a:t>19.06.2024</a:t>
             </a:fld>
             <a:endParaRPr lang="de-DE" sz="1000" dirty="0">
               <a:solidFill>
@@ -4078,7 +4078,7 @@
               <a:pPr algn="ctr">
                 <a:defRPr/>
               </a:pPr>
-              <a:t>18.06.2024</a:t>
+              <a:t>19.06.2024</a:t>
             </a:fld>
             <a:endParaRPr lang="de-DE" sz="1000">
               <a:solidFill>
@@ -24341,7 +24341,7 @@
             </a:pPr>
             <a:r>
               <a:rPr lang="de-DE" altLang="de-DE" sz="1800" b="1" dirty="0"/>
-              <a:t>Tag 3 – </a:t>
+              <a:t>Tag 3 – Docker, </a:t>
             </a:r>
             <a:r>
               <a:rPr lang="de-DE" altLang="de-DE" sz="1800" b="1" dirty="0" err="1"/>
@@ -24349,7 +24349,7 @@
             </a:r>
             <a:r>
               <a:rPr lang="de-DE" altLang="de-DE" sz="1800" b="1" dirty="0"/>
-              <a:t>, Docker, </a:t>
+              <a:t>, </a:t>
             </a:r>
             <a:r>
               <a:rPr lang="de-DE" altLang="de-DE" sz="1800" b="1" dirty="0" err="1"/>
@@ -24366,12 +24366,8 @@
               <a:buChar char="•"/>
             </a:pPr>
             <a:r>
-              <a:rPr lang="de-DE" altLang="de-DE" sz="1400" dirty="0" err="1"/>
-              <a:t>GitOps</a:t>
-            </a:r>
-            <a:r>
               <a:rPr lang="de-DE" altLang="de-DE" sz="1400" dirty="0"/>
-              <a:t> Grundlagen</a:t>
+              <a:t>Entwicklung mit Docker</a:t>
             </a:r>
           </a:p>
           <a:p>
@@ -24381,7 +24377,7 @@
             </a:pPr>
             <a:r>
               <a:rPr lang="de-DE" altLang="de-DE" sz="1400" dirty="0"/>
-              <a:t>Entwicklung mit Docker</a:t>
+              <a:t>Container/Docker-Registry</a:t>
             </a:r>
           </a:p>
           <a:p>
@@ -24391,7 +24387,15 @@
             </a:pPr>
             <a:r>
               <a:rPr lang="de-DE" altLang="de-DE" sz="1400" dirty="0"/>
-              <a:t>Container/Docker-Registry</a:t>
+              <a:t>Erstellen von Release- und </a:t>
+            </a:r>
+            <a:r>
+              <a:rPr lang="de-DE" altLang="de-DE" sz="1400" dirty="0" err="1"/>
+              <a:t>Tagged</a:t>
+            </a:r>
+            <a:r>
+              <a:rPr lang="de-DE" altLang="de-DE" sz="1400" dirty="0"/>
+              <a:t>-Images</a:t>
             </a:r>
           </a:p>
           <a:p>
@@ -24400,16 +24404,12 @@
               <a:buChar char="•"/>
             </a:pPr>
             <a:r>
+              <a:rPr lang="de-DE" altLang="de-DE" sz="1400" dirty="0" err="1"/>
+              <a:t>GitOps</a:t>
+            </a:r>
+            <a:r>
               <a:rPr lang="de-DE" altLang="de-DE" sz="1400" dirty="0"/>
-              <a:t>Erstellen von Release- und </a:t>
-            </a:r>
-            <a:r>
-              <a:rPr lang="de-DE" altLang="de-DE" sz="1400" dirty="0" err="1"/>
-              <a:t>Tagged</a:t>
-            </a:r>
-            <a:r>
-              <a:rPr lang="de-DE" altLang="de-DE" sz="1400" dirty="0"/>
-              <a:t>-Images</a:t>
+              <a:t> Grundlagen</a:t>
             </a:r>
           </a:p>
           <a:p>
@@ -24483,6 +24483,11 @@
         </p:txBody>
       </p:sp>
     </p:spTree>
+    <p:extLst>
+      <p:ext uri="{BB962C8B-B14F-4D97-AF65-F5344CB8AC3E}">
+        <p14:creationId xmlns:p14="http://schemas.microsoft.com/office/powerpoint/2010/main" val="3781715788"/>
+      </p:ext>
+    </p:extLst>
   </p:cSld>
   <p:clrMapOvr>
     <a:masterClrMapping/>
@@ -37578,7 +37583,7 @@
             </a:pPr>
             <a:r>
               <a:rPr lang="de-DE" altLang="de-DE" sz="1800" b="1" dirty="0"/>
-              <a:t>Tag 3 – </a:t>
+              <a:t>Tag 3 – Docker, </a:t>
             </a:r>
             <a:r>
               <a:rPr lang="de-DE" altLang="de-DE" sz="1800" b="1" dirty="0" err="1"/>
@@ -37586,7 +37591,7 @@
             </a:r>
             <a:r>
               <a:rPr lang="de-DE" altLang="de-DE" sz="1800" b="1" dirty="0"/>
-              <a:t>, Docker, </a:t>
+              <a:t>, </a:t>
             </a:r>
             <a:r>
               <a:rPr lang="de-DE" altLang="de-DE" sz="1800" b="1" dirty="0" err="1"/>
@@ -37603,12 +37608,8 @@
               <a:buChar char="•"/>
             </a:pPr>
             <a:r>
-              <a:rPr lang="de-DE" altLang="de-DE" sz="1400" dirty="0" err="1"/>
-              <a:t>GitOps</a:t>
-            </a:r>
-            <a:r>
               <a:rPr lang="de-DE" altLang="de-DE" sz="1400" dirty="0"/>
-              <a:t> Grundlagen</a:t>
+              <a:t>Entwicklung mit Docker</a:t>
             </a:r>
           </a:p>
           <a:p>
@@ -37618,7 +37619,7 @@
             </a:pPr>
             <a:r>
               <a:rPr lang="de-DE" altLang="de-DE" sz="1400" dirty="0"/>
-              <a:t>Entwicklung mit Docker</a:t>
+              <a:t>Container/Docker-Registry</a:t>
             </a:r>
           </a:p>
           <a:p>
@@ -37628,7 +37629,15 @@
             </a:pPr>
             <a:r>
               <a:rPr lang="de-DE" altLang="de-DE" sz="1400" dirty="0"/>
-              <a:t>Container/Docker-Registry</a:t>
+              <a:t>Erstellen von Release- und </a:t>
+            </a:r>
+            <a:r>
+              <a:rPr lang="de-DE" altLang="de-DE" sz="1400" dirty="0" err="1"/>
+              <a:t>Tagged</a:t>
+            </a:r>
+            <a:r>
+              <a:rPr lang="de-DE" altLang="de-DE" sz="1400" dirty="0"/>
+              <a:t>-Images</a:t>
             </a:r>
           </a:p>
           <a:p>
@@ -37637,16 +37646,12 @@
               <a:buChar char="•"/>
             </a:pPr>
             <a:r>
+              <a:rPr lang="de-DE" altLang="de-DE" sz="1400" dirty="0" err="1"/>
+              <a:t>GitOps</a:t>
+            </a:r>
+            <a:r>
               <a:rPr lang="de-DE" altLang="de-DE" sz="1400" dirty="0"/>
-              <a:t>Erstellen von Release- und </a:t>
-            </a:r>
-            <a:r>
-              <a:rPr lang="de-DE" altLang="de-DE" sz="1400" dirty="0" err="1"/>
-              <a:t>Tagged</a:t>
-            </a:r>
-            <a:r>
-              <a:rPr lang="de-DE" altLang="de-DE" sz="1400" dirty="0"/>
-              <a:t>-Images</a:t>
+              <a:t> Grundlagen</a:t>
             </a:r>
           </a:p>
           <a:p>
@@ -37720,6 +37725,11 @@
         </p:txBody>
       </p:sp>
     </p:spTree>
+    <p:extLst>
+      <p:ext uri="{BB962C8B-B14F-4D97-AF65-F5344CB8AC3E}">
+        <p14:creationId xmlns:p14="http://schemas.microsoft.com/office/powerpoint/2010/main" val="4184095898"/>
+      </p:ext>
+    </p:extLst>
   </p:cSld>
   <p:clrMapOvr>
     <a:masterClrMapping/>

--- a/slides/Tag-2_1-Git-Workflow-im-Team.pptx
+++ b/slides/Tag-2_1-Git-Workflow-im-Team.pptx
@@ -1955,7 +1955,7 @@
               <a:pPr algn="ctr">
                 <a:defRPr/>
               </a:pPr>
-              <a:t>19.06.2024</a:t>
+              <a:t>06.07.2024</a:t>
             </a:fld>
             <a:endParaRPr lang="de-DE" sz="1000" dirty="0">
               <a:solidFill>
@@ -4078,7 +4078,7 @@
               <a:pPr algn="ctr">
                 <a:defRPr/>
               </a:pPr>
-              <a:t>19.06.2024</a:t>
+              <a:t>06.07.2024</a:t>
             </a:fld>
             <a:endParaRPr lang="de-DE" sz="1000">
               <a:solidFill>
@@ -5492,8 +5492,12 @@
               <a:buNone/>
             </a:pPr>
             <a:r>
+              <a:rPr lang="de-DE" altLang="de-DE" sz="1600"/>
+              <a:t>09.07.2024</a:t>
+            </a:r>
+            <a:r>
               <a:rPr lang="de-DE" altLang="de-DE" sz="1600" dirty="0"/>
-              <a:t>18.06.2024, Daniel Krämer</a:t>
+              <a:t>, Daniel Krämer</a:t>
             </a:r>
           </a:p>
         </p:txBody>

--- a/slides/Tag-2_1-Git-Workflow-im-Team.pptx
+++ b/slides/Tag-2_1-Git-Workflow-im-Team.pptx
@@ -7,38 +7,36 @@
     <p:sldMasterId id="2147483897" r:id="rId3"/>
   </p:sldMasterIdLst>
   <p:notesMasterIdLst>
-    <p:notesMasterId r:id="rId30"/>
+    <p:notesMasterId r:id="rId28"/>
   </p:notesMasterIdLst>
   <p:handoutMasterIdLst>
-    <p:handoutMasterId r:id="rId31"/>
+    <p:handoutMasterId r:id="rId29"/>
   </p:handoutMasterIdLst>
   <p:sldIdLst>
-    <p:sldId id="604" r:id="rId4"/>
-    <p:sldId id="592" r:id="rId5"/>
-    <p:sldId id="609" r:id="rId6"/>
-    <p:sldId id="596" r:id="rId7"/>
-    <p:sldId id="287" r:id="rId8"/>
-    <p:sldId id="326" r:id="rId9"/>
-    <p:sldId id="420" r:id="rId10"/>
-    <p:sldId id="421" r:id="rId11"/>
-    <p:sldId id="422" r:id="rId12"/>
-    <p:sldId id="423" r:id="rId13"/>
-    <p:sldId id="424" r:id="rId14"/>
-    <p:sldId id="597" r:id="rId15"/>
-    <p:sldId id="426" r:id="rId16"/>
-    <p:sldId id="427" r:id="rId17"/>
-    <p:sldId id="428" r:id="rId18"/>
-    <p:sldId id="429" r:id="rId19"/>
-    <p:sldId id="431" r:id="rId20"/>
-    <p:sldId id="430" r:id="rId21"/>
-    <p:sldId id="432" r:id="rId22"/>
-    <p:sldId id="433" r:id="rId23"/>
-    <p:sldId id="434" r:id="rId24"/>
-    <p:sldId id="435" r:id="rId25"/>
-    <p:sldId id="436" r:id="rId26"/>
-    <p:sldId id="437" r:id="rId27"/>
-    <p:sldId id="598" r:id="rId28"/>
-    <p:sldId id="438" r:id="rId29"/>
+    <p:sldId id="609" r:id="rId4"/>
+    <p:sldId id="596" r:id="rId5"/>
+    <p:sldId id="287" r:id="rId6"/>
+    <p:sldId id="326" r:id="rId7"/>
+    <p:sldId id="420" r:id="rId8"/>
+    <p:sldId id="421" r:id="rId9"/>
+    <p:sldId id="422" r:id="rId10"/>
+    <p:sldId id="423" r:id="rId11"/>
+    <p:sldId id="424" r:id="rId12"/>
+    <p:sldId id="597" r:id="rId13"/>
+    <p:sldId id="426" r:id="rId14"/>
+    <p:sldId id="427" r:id="rId15"/>
+    <p:sldId id="428" r:id="rId16"/>
+    <p:sldId id="429" r:id="rId17"/>
+    <p:sldId id="431" r:id="rId18"/>
+    <p:sldId id="430" r:id="rId19"/>
+    <p:sldId id="432" r:id="rId20"/>
+    <p:sldId id="433" r:id="rId21"/>
+    <p:sldId id="434" r:id="rId22"/>
+    <p:sldId id="435" r:id="rId23"/>
+    <p:sldId id="436" r:id="rId24"/>
+    <p:sldId id="437" r:id="rId25"/>
+    <p:sldId id="598" r:id="rId26"/>
+    <p:sldId id="438" r:id="rId27"/>
   </p:sldIdLst>
   <p:sldSz cx="9144000" cy="6858000" type="screen4x3"/>
   <p:notesSz cx="6784975" cy="9921875"/>
@@ -1108,7 +1106,7 @@
                 <a:latin typeface="Arial" panose="020B0604020202020204" pitchFamily="34" charset="0"/>
               </a:rPr>
               <a:pPr/>
-              <a:t>5</a:t>
+              <a:t>3</a:t>
             </a:fld>
             <a:endParaRPr lang="de-DE" altLang="de-DE" sz="1000">
               <a:latin typeface="Arial" panose="020B0604020202020204" pitchFamily="34" charset="0"/>
@@ -1955,7 +1953,7 @@
               <a:pPr algn="ctr">
                 <a:defRPr/>
               </a:pPr>
-              <a:t>06.07.2024</a:t>
+              <a:t>06.09.24</a:t>
             </a:fld>
             <a:endParaRPr lang="de-DE" sz="1000" dirty="0">
               <a:solidFill>
@@ -2318,7 +2316,7 @@
                 </a:solidFill>
                 <a:latin typeface="Arial" charset="0"/>
               </a:rPr>
-              <a:t>Daniel Krämer</a:t>
+              <a:t>Jan Lühr</a:t>
             </a:r>
           </a:p>
         </p:txBody>
@@ -4078,7 +4076,7 @@
               <a:pPr algn="ctr">
                 <a:defRPr/>
               </a:pPr>
-              <a:t>06.07.2024</a:t>
+              <a:t>06.09.24</a:t>
             </a:fld>
             <a:endParaRPr lang="de-DE" sz="1000">
               <a:solidFill>
@@ -4441,7 +4439,7 @@
                 </a:solidFill>
                 <a:latin typeface="Arial" charset="0"/>
               </a:rPr>
-              <a:t>Daniel Krämer</a:t>
+              <a:t>Jan Lühr</a:t>
             </a:r>
           </a:p>
         </p:txBody>
@@ -5367,364 +5365,6 @@
       </p:grpSpPr>
       <p:sp>
         <p:nvSpPr>
-          <p:cNvPr id="4098" name="Rectangle 2">
-            <a:extLst>
-              <a:ext uri="{FF2B5EF4-FFF2-40B4-BE49-F238E27FC236}">
-                <a16:creationId xmlns:a16="http://schemas.microsoft.com/office/drawing/2014/main" id="{E4B2C6CD-AD60-3C79-94C5-A3C58293BC9E}"/>
-              </a:ext>
-            </a:extLst>
-          </p:cNvPr>
-          <p:cNvSpPr>
-            <a:spLocks noGrp="1" noChangeArrowheads="1"/>
-          </p:cNvSpPr>
-          <p:nvPr>
-            <p:ph type="ctrTitle" idx="4294967295"/>
-          </p:nvPr>
-        </p:nvSpPr>
-        <p:spPr bwMode="auto">
-          <a:xfrm>
-            <a:off x="468313" y="2562225"/>
-            <a:ext cx="4967287" cy="938213"/>
-          </a:xfrm>
-          <a:prstGeom prst="rect">
-            <a:avLst/>
-          </a:prstGeom>
-          <a:noFill/>
-          <a:extLst>
-            <a:ext uri="{909E8E84-426E-40DD-AFC4-6F175D3DCCD1}">
-              <a14:hiddenFill xmlns:a14="http://schemas.microsoft.com/office/drawing/2010/main">
-                <a:solidFill>
-                  <a:srgbClr val="FFFFFF"/>
-                </a:solidFill>
-              </a14:hiddenFill>
-            </a:ext>
-            <a:ext uri="{91240B29-F687-4F45-9708-019B960494DF}">
-              <a14:hiddenLine xmlns:a14="http://schemas.microsoft.com/office/drawing/2010/main" w="9525">
-                <a:solidFill>
-                  <a:srgbClr val="000000"/>
-                </a:solidFill>
-                <a:miter lim="800000"/>
-                <a:headEnd/>
-                <a:tailEnd/>
-              </a14:hiddenLine>
-            </a:ext>
-          </a:extLst>
-        </p:spPr>
-        <p:txBody>
-          <a:bodyPr/>
-          <a:lstStyle/>
-          <a:p>
-            <a:pPr algn="l" eaLnBrk="1" hangingPunct="1"/>
-            <a:r>
-              <a:rPr lang="de-DE" altLang="de-DE" sz="3200" dirty="0"/>
-              <a:t>Tag 2: </a:t>
-            </a:r>
-            <a:r>
-              <a:rPr lang="de-DE" altLang="de-DE" sz="3200" dirty="0" err="1"/>
-              <a:t>Git</a:t>
-            </a:r>
-            <a:r>
-              <a:rPr lang="de-DE" altLang="de-DE" sz="3200" dirty="0"/>
-              <a:t>-Workflows, CI/CD, </a:t>
-            </a:r>
-            <a:r>
-              <a:rPr lang="de-DE" altLang="de-DE" sz="3200" dirty="0" err="1"/>
-              <a:t>GitLab</a:t>
-            </a:r>
-            <a:r>
-              <a:rPr lang="de-DE" altLang="de-DE" sz="3200" dirty="0"/>
-              <a:t> CI</a:t>
-            </a:r>
-          </a:p>
-        </p:txBody>
-      </p:sp>
-      <p:sp>
-        <p:nvSpPr>
-          <p:cNvPr id="4099" name="Rectangle 3">
-            <a:extLst>
-              <a:ext uri="{FF2B5EF4-FFF2-40B4-BE49-F238E27FC236}">
-                <a16:creationId xmlns:a16="http://schemas.microsoft.com/office/drawing/2014/main" id="{89107976-89BA-B819-B0F4-5904DD4F4AAC}"/>
-              </a:ext>
-            </a:extLst>
-          </p:cNvPr>
-          <p:cNvSpPr>
-            <a:spLocks noGrp="1" noChangeArrowheads="1"/>
-          </p:cNvSpPr>
-          <p:nvPr>
-            <p:ph type="subTitle" idx="4294967295"/>
-          </p:nvPr>
-        </p:nvSpPr>
-        <p:spPr bwMode="auto">
-          <a:xfrm>
-            <a:off x="468312" y="4462463"/>
-            <a:ext cx="4190603" cy="622300"/>
-          </a:xfrm>
-          <a:prstGeom prst="rect">
-            <a:avLst/>
-          </a:prstGeom>
-          <a:noFill/>
-          <a:extLst>
-            <a:ext uri="{909E8E84-426E-40DD-AFC4-6F175D3DCCD1}">
-              <a14:hiddenFill xmlns:a14="http://schemas.microsoft.com/office/drawing/2010/main">
-                <a:solidFill>
-                  <a:srgbClr val="FFFFFF"/>
-                </a:solidFill>
-              </a14:hiddenFill>
-            </a:ext>
-            <a:ext uri="{91240B29-F687-4F45-9708-019B960494DF}">
-              <a14:hiddenLine xmlns:a14="http://schemas.microsoft.com/office/drawing/2010/main" w="9525">
-                <a:solidFill>
-                  <a:srgbClr val="000000"/>
-                </a:solidFill>
-                <a:miter lim="800000"/>
-                <a:headEnd/>
-                <a:tailEnd/>
-              </a14:hiddenLine>
-            </a:ext>
-          </a:extLst>
-        </p:spPr>
-        <p:txBody>
-          <a:bodyPr/>
-          <a:lstStyle/>
-          <a:p>
-            <a:pPr eaLnBrk="1" hangingPunct="1">
-              <a:buFontTx/>
-              <a:buNone/>
-            </a:pPr>
-            <a:r>
-              <a:rPr lang="de-DE" altLang="de-DE" sz="1600"/>
-              <a:t>09.07.2024</a:t>
-            </a:r>
-            <a:r>
-              <a:rPr lang="de-DE" altLang="de-DE" sz="1600" dirty="0"/>
-              <a:t>, Daniel Krämer</a:t>
-            </a:r>
-          </a:p>
-        </p:txBody>
-      </p:sp>
-      <p:sp>
-        <p:nvSpPr>
-          <p:cNvPr id="4100" name="Rectangle 4">
-            <a:extLst>
-              <a:ext uri="{FF2B5EF4-FFF2-40B4-BE49-F238E27FC236}">
-                <a16:creationId xmlns:a16="http://schemas.microsoft.com/office/drawing/2014/main" id="{4D866AF1-CD71-C1C5-56DD-B2E98E020155}"/>
-              </a:ext>
-            </a:extLst>
-          </p:cNvPr>
-          <p:cNvSpPr>
-            <a:spLocks noChangeArrowheads="1"/>
-          </p:cNvSpPr>
-          <p:nvPr/>
-        </p:nvSpPr>
-        <p:spPr bwMode="auto">
-          <a:xfrm>
-            <a:off x="468313" y="549275"/>
-            <a:ext cx="4032250" cy="938213"/>
-          </a:xfrm>
-          <a:prstGeom prst="rect">
-            <a:avLst/>
-          </a:prstGeom>
-          <a:noFill/>
-          <a:ln>
-            <a:noFill/>
-          </a:ln>
-          <a:extLst>
-            <a:ext uri="{909E8E84-426E-40DD-AFC4-6F175D3DCCD1}">
-              <a14:hiddenFill xmlns:a14="http://schemas.microsoft.com/office/drawing/2010/main">
-                <a:solidFill>
-                  <a:srgbClr val="FFFFFF"/>
-                </a:solidFill>
-              </a14:hiddenFill>
-            </a:ext>
-            <a:ext uri="{91240B29-F687-4F45-9708-019B960494DF}">
-              <a14:hiddenLine xmlns:a14="http://schemas.microsoft.com/office/drawing/2010/main" w="9525">
-                <a:solidFill>
-                  <a:srgbClr val="000000"/>
-                </a:solidFill>
-                <a:miter lim="800000"/>
-                <a:headEnd/>
-                <a:tailEnd/>
-              </a14:hiddenLine>
-            </a:ext>
-          </a:extLst>
-        </p:spPr>
-        <p:txBody>
-          <a:bodyPr/>
-          <a:lstStyle>
-            <a:lvl1pPr>
-              <a:defRPr sz="2400">
-                <a:solidFill>
-                  <a:schemeClr val="tx1"/>
-                </a:solidFill>
-                <a:latin typeface="Times New Roman" panose="02020603050405020304" pitchFamily="18" charset="0"/>
-              </a:defRPr>
-            </a:lvl1pPr>
-            <a:lvl2pPr marL="742950" indent="-285750">
-              <a:defRPr sz="2400">
-                <a:solidFill>
-                  <a:schemeClr val="tx1"/>
-                </a:solidFill>
-                <a:latin typeface="Times New Roman" panose="02020603050405020304" pitchFamily="18" charset="0"/>
-              </a:defRPr>
-            </a:lvl2pPr>
-            <a:lvl3pPr marL="1143000" indent="-228600">
-              <a:defRPr sz="2400">
-                <a:solidFill>
-                  <a:schemeClr val="tx1"/>
-                </a:solidFill>
-                <a:latin typeface="Times New Roman" panose="02020603050405020304" pitchFamily="18" charset="0"/>
-              </a:defRPr>
-            </a:lvl3pPr>
-            <a:lvl4pPr marL="1600200" indent="-228600">
-              <a:defRPr sz="2400">
-                <a:solidFill>
-                  <a:schemeClr val="tx1"/>
-                </a:solidFill>
-                <a:latin typeface="Times New Roman" panose="02020603050405020304" pitchFamily="18" charset="0"/>
-              </a:defRPr>
-            </a:lvl4pPr>
-            <a:lvl5pPr marL="2057400" indent="-228600">
-              <a:defRPr sz="2400">
-                <a:solidFill>
-                  <a:schemeClr val="tx1"/>
-                </a:solidFill>
-                <a:latin typeface="Times New Roman" panose="02020603050405020304" pitchFamily="18" charset="0"/>
-              </a:defRPr>
-            </a:lvl5pPr>
-            <a:lvl6pPr marL="2514600" indent="-228600" eaLnBrk="0" fontAlgn="base" hangingPunct="0">
-              <a:spcBef>
-                <a:spcPct val="0"/>
-              </a:spcBef>
-              <a:spcAft>
-                <a:spcPct val="0"/>
-              </a:spcAft>
-              <a:defRPr sz="2400">
-                <a:solidFill>
-                  <a:schemeClr val="tx1"/>
-                </a:solidFill>
-                <a:latin typeface="Times New Roman" panose="02020603050405020304" pitchFamily="18" charset="0"/>
-              </a:defRPr>
-            </a:lvl6pPr>
-            <a:lvl7pPr marL="2971800" indent="-228600" eaLnBrk="0" fontAlgn="base" hangingPunct="0">
-              <a:spcBef>
-                <a:spcPct val="0"/>
-              </a:spcBef>
-              <a:spcAft>
-                <a:spcPct val="0"/>
-              </a:spcAft>
-              <a:defRPr sz="2400">
-                <a:solidFill>
-                  <a:schemeClr val="tx1"/>
-                </a:solidFill>
-                <a:latin typeface="Times New Roman" panose="02020603050405020304" pitchFamily="18" charset="0"/>
-              </a:defRPr>
-            </a:lvl7pPr>
-            <a:lvl8pPr marL="3429000" indent="-228600" eaLnBrk="0" fontAlgn="base" hangingPunct="0">
-              <a:spcBef>
-                <a:spcPct val="0"/>
-              </a:spcBef>
-              <a:spcAft>
-                <a:spcPct val="0"/>
-              </a:spcAft>
-              <a:defRPr sz="2400">
-                <a:solidFill>
-                  <a:schemeClr val="tx1"/>
-                </a:solidFill>
-                <a:latin typeface="Times New Roman" panose="02020603050405020304" pitchFamily="18" charset="0"/>
-              </a:defRPr>
-            </a:lvl8pPr>
-            <a:lvl9pPr marL="3886200" indent="-228600" eaLnBrk="0" fontAlgn="base" hangingPunct="0">
-              <a:spcBef>
-                <a:spcPct val="0"/>
-              </a:spcBef>
-              <a:spcAft>
-                <a:spcPct val="0"/>
-              </a:spcAft>
-              <a:defRPr sz="2400">
-                <a:solidFill>
-                  <a:schemeClr val="tx1"/>
-                </a:solidFill>
-                <a:latin typeface="Times New Roman" panose="02020603050405020304" pitchFamily="18" charset="0"/>
-              </a:defRPr>
-            </a:lvl9pPr>
-          </a:lstStyle>
-          <a:p>
-            <a:pPr eaLnBrk="1" hangingPunct="1"/>
-            <a:endParaRPr lang="de-DE" altLang="de-DE" sz="4400" dirty="0">
-              <a:solidFill>
-                <a:schemeClr val="tx2"/>
-              </a:solidFill>
-              <a:latin typeface="Arial" panose="020B0604020202020204" pitchFamily="34" charset="0"/>
-            </a:endParaRPr>
-          </a:p>
-        </p:txBody>
-      </p:sp>
-      <p:pic>
-        <p:nvPicPr>
-          <p:cNvPr id="3" name="Grafik 2">
-            <a:extLst>
-              <a:ext uri="{FF2B5EF4-FFF2-40B4-BE49-F238E27FC236}">
-                <a16:creationId xmlns:a16="http://schemas.microsoft.com/office/drawing/2014/main" id="{F795EC6A-86ED-78D6-3916-EC81E8315965}"/>
-              </a:ext>
-            </a:extLst>
-          </p:cNvPr>
-          <p:cNvPicPr>
-            <a:picLocks noChangeAspect="1"/>
-          </p:cNvPicPr>
-          <p:nvPr/>
-        </p:nvPicPr>
-        <p:blipFill>
-          <a:blip r:embed="rId2">
-            <a:extLst>
-              <a:ext uri="{28A0092B-C50C-407E-A947-70E740481C1C}">
-                <a14:useLocalDpi xmlns:a14="http://schemas.microsoft.com/office/drawing/2010/main" val="0"/>
-              </a:ext>
-              <a:ext uri="{96DAC541-7B7A-43D3-8B79-37D633B846F1}">
-                <asvg:svgBlip xmlns:asvg="http://schemas.microsoft.com/office/drawing/2016/SVG/main" r:embed="rId3"/>
-              </a:ext>
-            </a:extLst>
-          </a:blip>
-          <a:stretch>
-            <a:fillRect/>
-          </a:stretch>
-        </p:blipFill>
-        <p:spPr>
-          <a:xfrm>
-            <a:off x="309959" y="263970"/>
-            <a:ext cx="4348957" cy="1508822"/>
-          </a:xfrm>
-          <a:prstGeom prst="rect">
-            <a:avLst/>
-          </a:prstGeom>
-        </p:spPr>
-      </p:pic>
-    </p:spTree>
-  </p:cSld>
-  <p:clrMapOvr>
-    <a:masterClrMapping/>
-  </p:clrMapOvr>
-</p:sld>
-</file>
-
-<file path=ppt/slides/slide10.xml><?xml version="1.0" encoding="utf-8"?>
-<p:sld xmlns:a="http://schemas.openxmlformats.org/drawingml/2006/main" xmlns:r="http://schemas.openxmlformats.org/officeDocument/2006/relationships" xmlns:p="http://schemas.openxmlformats.org/presentationml/2006/main">
-  <p:cSld>
-    <p:spTree>
-      <p:nvGrpSpPr>
-        <p:cNvPr id="1" name=""/>
-        <p:cNvGrpSpPr/>
-        <p:nvPr/>
-      </p:nvGrpSpPr>
-      <p:grpSpPr>
-        <a:xfrm>
-          <a:off x="0" y="0"/>
-          <a:ext cx="0" cy="0"/>
-          <a:chOff x="0" y="0"/>
-          <a:chExt cx="0" cy="0"/>
-        </a:xfrm>
-      </p:grpSpPr>
-      <p:sp>
-        <p:nvSpPr>
           <p:cNvPr id="6146" name="Inhaltsplatzhalter 18">
             <a:extLst>
               <a:ext uri="{FF2B5EF4-FFF2-40B4-BE49-F238E27FC236}">
@@ -5739,78 +5379,330 @@
             <p:ph idx="1"/>
           </p:nvPr>
         </p:nvSpPr>
-        <p:spPr>
-          <a:xfrm>
-            <a:off x="303214" y="981075"/>
-            <a:ext cx="8517258" cy="5400675"/>
-          </a:xfrm>
-        </p:spPr>
+        <p:spPr/>
         <p:txBody>
           <a:bodyPr/>
           <a:lstStyle/>
           <a:p>
-            <a:pPr marL="0" indent="0">
-              <a:buNone/>
+            <a:pPr>
+              <a:buFont typeface="Arial" panose="020B0604020202020204" pitchFamily="34" charset="0"/>
+              <a:buChar char="•"/>
             </a:pPr>
             <a:r>
-              <a:rPr lang="de-DE" altLang="de-DE" b="1" dirty="0"/>
-              <a:t>Zentralisierter </a:t>
-            </a:r>
-            <a:r>
-              <a:rPr lang="de-DE" altLang="de-DE" b="1" dirty="0" err="1"/>
+              <a:rPr lang="de-DE" altLang="de-DE" sz="1800" b="1" dirty="0"/>
+              <a:t>Tag 1 – Einführung in </a:t>
+            </a:r>
+            <a:r>
+              <a:rPr lang="de-DE" altLang="de-DE" sz="1800" b="1" dirty="0" err="1"/>
               <a:t>Git</a:t>
             </a:r>
             <a:r>
-              <a:rPr lang="de-DE" altLang="de-DE" b="1" dirty="0"/>
+              <a:rPr lang="de-DE" altLang="de-DE" sz="1800" b="1" dirty="0"/>
+              <a:t> und </a:t>
+            </a:r>
+            <a:r>
+              <a:rPr lang="de-DE" altLang="de-DE" sz="1800" b="1" dirty="0" err="1"/>
+              <a:t>GitLab</a:t>
+            </a:r>
+            <a:endParaRPr lang="de-DE" altLang="de-DE" sz="1800" b="1" dirty="0"/>
+          </a:p>
+          <a:p>
+            <a:pPr lvl="1">
+              <a:buFont typeface="Arial" panose="020B0604020202020204" pitchFamily="34" charset="0"/>
+              <a:buChar char="•"/>
+            </a:pPr>
+            <a:r>
+              <a:rPr lang="de-DE" altLang="de-DE" sz="1400" dirty="0"/>
+              <a:t>Einführung &amp; Kursüberblick</a:t>
+            </a:r>
+          </a:p>
+          <a:p>
+            <a:pPr lvl="1">
+              <a:buFont typeface="Arial" panose="020B0604020202020204" pitchFamily="34" charset="0"/>
+              <a:buChar char="•"/>
+            </a:pPr>
+            <a:r>
+              <a:rPr lang="de-DE" altLang="de-DE" sz="1400" dirty="0"/>
+              <a:t>Grundlagen von </a:t>
+            </a:r>
+            <a:r>
+              <a:rPr lang="de-DE" altLang="de-DE" sz="1400" dirty="0" err="1"/>
+              <a:t>Git</a:t>
+            </a:r>
+            <a:endParaRPr lang="de-DE" altLang="de-DE" sz="1400" dirty="0"/>
+          </a:p>
+          <a:p>
+            <a:pPr lvl="1">
+              <a:buFont typeface="Arial" panose="020B0604020202020204" pitchFamily="34" charset="0"/>
+              <a:buChar char="•"/>
+            </a:pPr>
+            <a:r>
+              <a:rPr lang="de-DE" altLang="de-DE" sz="1400" dirty="0" err="1"/>
+              <a:t>Git</a:t>
+            </a:r>
+            <a:r>
+              <a:rPr lang="de-DE" altLang="de-DE" sz="1400" dirty="0"/>
+              <a:t> </a:t>
+            </a:r>
+            <a:r>
+              <a:rPr lang="de-DE" altLang="de-DE" sz="1400" dirty="0" err="1"/>
+              <a:t>Rebase</a:t>
+            </a:r>
+            <a:r>
+              <a:rPr lang="de-DE" altLang="de-DE" sz="1400" dirty="0"/>
+              <a:t> und </a:t>
+            </a:r>
+            <a:r>
+              <a:rPr lang="de-DE" altLang="de-DE" sz="1400" dirty="0" err="1"/>
+              <a:t>Merge</a:t>
+            </a:r>
+            <a:r>
+              <a:rPr lang="de-DE" altLang="de-DE" sz="1400" dirty="0"/>
+              <a:t>-Strategien</a:t>
+            </a:r>
+          </a:p>
+          <a:p>
+            <a:pPr lvl="1">
+              <a:buFont typeface="Arial" panose="020B0604020202020204" pitchFamily="34" charset="0"/>
+              <a:buChar char="•"/>
+            </a:pPr>
+            <a:r>
+              <a:rPr lang="de-DE" altLang="de-DE" sz="1400" dirty="0" err="1"/>
+              <a:t>Git</a:t>
+            </a:r>
+            <a:r>
+              <a:rPr lang="de-DE" altLang="de-DE" sz="1400" dirty="0"/>
+              <a:t> Remote</a:t>
+            </a:r>
+          </a:p>
+          <a:p>
+            <a:pPr lvl="1">
+              <a:buFont typeface="Arial" panose="020B0604020202020204" pitchFamily="34" charset="0"/>
+              <a:buChar char="•"/>
+            </a:pPr>
+            <a:r>
+              <a:rPr lang="de-DE" altLang="de-DE" sz="1400" dirty="0"/>
+              <a:t>Grundlagen von </a:t>
+            </a:r>
+            <a:r>
+              <a:rPr lang="de-DE" altLang="de-DE" sz="1400" dirty="0" err="1"/>
+              <a:t>GitLab</a:t>
+            </a:r>
+            <a:endParaRPr lang="de-DE" altLang="de-DE" sz="1400" dirty="0"/>
+          </a:p>
+          <a:p>
+            <a:pPr>
+              <a:buFont typeface="Arial" panose="020B0604020202020204" pitchFamily="34" charset="0"/>
+              <a:buChar char="•"/>
+            </a:pPr>
+            <a:r>
+              <a:rPr lang="de-DE" altLang="de-DE" sz="1800" b="1" dirty="0"/>
+              <a:t>Tag 2 – </a:t>
+            </a:r>
+            <a:r>
+              <a:rPr lang="de-DE" altLang="de-DE" sz="1800" b="1" dirty="0" err="1"/>
+              <a:t>Git</a:t>
+            </a:r>
+            <a:r>
+              <a:rPr lang="de-DE" altLang="de-DE" sz="1800" b="1" dirty="0"/>
+              <a:t>-Workflows, CI/CD, </a:t>
+            </a:r>
+            <a:r>
+              <a:rPr lang="de-DE" altLang="de-DE" sz="1800" b="1" dirty="0" err="1"/>
+              <a:t>GitLab</a:t>
+            </a:r>
+            <a:r>
+              <a:rPr lang="de-DE" altLang="de-DE" sz="1800" b="1" dirty="0"/>
+              <a:t> CI </a:t>
+            </a:r>
+          </a:p>
+          <a:p>
+            <a:pPr lvl="1">
+              <a:buFont typeface="Arial" panose="020B0604020202020204" pitchFamily="34" charset="0"/>
+              <a:buChar char="•"/>
+            </a:pPr>
+            <a:r>
+              <a:rPr lang="de-DE" altLang="de-DE" sz="1400" u="sng" dirty="0" err="1"/>
+              <a:t>Git</a:t>
+            </a:r>
+            <a:r>
+              <a:rPr lang="de-DE" altLang="de-DE" sz="1400" u="sng" dirty="0"/>
+              <a:t>-Workflow im Team</a:t>
+            </a:r>
+          </a:p>
+          <a:p>
+            <a:pPr lvl="1">
+              <a:buFont typeface="Arial" panose="020B0604020202020204" pitchFamily="34" charset="0"/>
+              <a:buChar char="•"/>
+            </a:pPr>
+            <a:r>
+              <a:rPr lang="de-DE" altLang="de-DE" sz="1400" dirty="0" err="1"/>
+              <a:t>Gitflow</a:t>
+            </a:r>
+            <a:r>
+              <a:rPr lang="de-DE" altLang="de-DE" sz="1400" dirty="0"/>
               <a:t>-Workflow</a:t>
             </a:r>
           </a:p>
           <a:p>
-            <a:r>
-              <a:rPr lang="de-DE" altLang="de-DE" dirty="0"/>
-              <a:t>Erfordert regelmäßige Updates im lokalen Repository</a:t>
-            </a:r>
-          </a:p>
-          <a:p>
-            <a:pPr lvl="1"/>
-            <a:r>
-              <a:rPr lang="de-DE" altLang="de-DE" dirty="0"/>
-              <a:t>Erhöht Konfliktpotenzial, reduziert Integrationskomplexität</a:t>
-            </a:r>
-          </a:p>
-          <a:p>
-            <a:pPr lvl="1"/>
-            <a:r>
-              <a:rPr lang="de-DE" altLang="de-DE" dirty="0"/>
-              <a:t>Gegenbeispiel: Feature-</a:t>
-            </a:r>
-            <a:r>
-              <a:rPr lang="de-DE" altLang="de-DE" dirty="0" err="1"/>
-              <a:t>Branches</a:t>
-            </a:r>
-            <a:endParaRPr lang="de-DE" altLang="de-DE" dirty="0"/>
-          </a:p>
-          <a:p>
-            <a:pPr marL="358775" indent="-176213">
-              <a:buNone/>
+            <a:pPr lvl="1">
+              <a:buFont typeface="Arial" panose="020B0604020202020204" pitchFamily="34" charset="0"/>
+              <a:buChar char="•"/>
             </a:pPr>
             <a:r>
-              <a:rPr lang="de-DE" altLang="de-DE" dirty="0"/>
-              <a:t>	</a:t>
-            </a:r>
-            <a:r>
-              <a:rPr lang="de-DE" altLang="de-DE" dirty="0">
-                <a:sym typeface="Wingdings" panose="05000000000000000000" pitchFamily="2" charset="2"/>
-              </a:rPr>
-              <a:t> Verhindert Divergenz</a:t>
-            </a:r>
-            <a:endParaRPr lang="de-DE" altLang="de-DE" dirty="0"/>
-          </a:p>
-          <a:p>
-            <a:pPr marL="0" indent="0">
-              <a:buNone/>
+              <a:rPr lang="de-DE" altLang="de-DE" sz="1400" dirty="0"/>
+              <a:t>Tags, Releases &amp; deren Verwaltung</a:t>
+            </a:r>
+          </a:p>
+          <a:p>
+            <a:pPr lvl="1">
+              <a:buFont typeface="Arial" panose="020B0604020202020204" pitchFamily="34" charset="0"/>
+              <a:buChar char="•"/>
             </a:pPr>
-            <a:endParaRPr lang="de-DE" altLang="de-DE" dirty="0"/>
+            <a:r>
+              <a:rPr lang="de-DE" altLang="de-DE" sz="1400" dirty="0"/>
+              <a:t>Einführung in </a:t>
+            </a:r>
+            <a:r>
+              <a:rPr lang="de-DE" altLang="de-DE" sz="1400" dirty="0" err="1"/>
+              <a:t>GitLab</a:t>
+            </a:r>
+            <a:r>
+              <a:rPr lang="de-DE" altLang="de-DE" sz="1400" dirty="0"/>
+              <a:t> CI/CD &amp; </a:t>
+            </a:r>
+            <a:r>
+              <a:rPr lang="de-DE" altLang="de-DE" sz="1400" dirty="0" err="1"/>
+              <a:t>gitlab-ci.yml</a:t>
+            </a:r>
+            <a:endParaRPr lang="de-DE" altLang="de-DE" sz="1400" dirty="0"/>
+          </a:p>
+          <a:p>
+            <a:pPr lvl="1">
+              <a:buFont typeface="Arial" panose="020B0604020202020204" pitchFamily="34" charset="0"/>
+              <a:buChar char="•"/>
+            </a:pPr>
+            <a:r>
+              <a:rPr lang="de-DE" altLang="de-DE" sz="1400" dirty="0" err="1"/>
+              <a:t>GitLab</a:t>
+            </a:r>
+            <a:r>
+              <a:rPr lang="de-DE" altLang="de-DE" sz="1400" dirty="0"/>
+              <a:t> Runner</a:t>
+            </a:r>
+          </a:p>
+          <a:p>
+            <a:pPr>
+              <a:buFont typeface="Arial" panose="020B0604020202020204" pitchFamily="34" charset="0"/>
+              <a:buChar char="•"/>
+            </a:pPr>
+            <a:r>
+              <a:rPr lang="de-DE" altLang="de-DE" sz="1800" b="1" dirty="0"/>
+              <a:t>Tag 3 – Docker, </a:t>
+            </a:r>
+            <a:r>
+              <a:rPr lang="de-DE" altLang="de-DE" sz="1800" b="1" dirty="0" err="1"/>
+              <a:t>GitOps</a:t>
+            </a:r>
+            <a:r>
+              <a:rPr lang="de-DE" altLang="de-DE" sz="1800" b="1" dirty="0"/>
+              <a:t>, </a:t>
+            </a:r>
+            <a:r>
+              <a:rPr lang="de-DE" altLang="de-DE" sz="1800" b="1" dirty="0" err="1"/>
+              <a:t>Deployment</a:t>
+            </a:r>
+            <a:r>
+              <a:rPr lang="de-DE" altLang="de-DE" sz="1800" b="1" dirty="0"/>
+              <a:t>-Strategien</a:t>
+            </a:r>
+          </a:p>
+          <a:p>
+            <a:pPr lvl="1">
+              <a:buFont typeface="Arial" panose="020B0604020202020204" pitchFamily="34" charset="0"/>
+              <a:buChar char="•"/>
+            </a:pPr>
+            <a:r>
+              <a:rPr lang="de-DE" altLang="de-DE" sz="1400" dirty="0"/>
+              <a:t>Entwicklung mit Docker</a:t>
+            </a:r>
+          </a:p>
+          <a:p>
+            <a:pPr lvl="1">
+              <a:buFont typeface="Arial" panose="020B0604020202020204" pitchFamily="34" charset="0"/>
+              <a:buChar char="•"/>
+            </a:pPr>
+            <a:r>
+              <a:rPr lang="de-DE" altLang="de-DE" sz="1400" dirty="0"/>
+              <a:t>Container/Docker-Registry</a:t>
+            </a:r>
+          </a:p>
+          <a:p>
+            <a:pPr lvl="1">
+              <a:buFont typeface="Arial" panose="020B0604020202020204" pitchFamily="34" charset="0"/>
+              <a:buChar char="•"/>
+            </a:pPr>
+            <a:r>
+              <a:rPr lang="de-DE" altLang="de-DE" sz="1400" dirty="0"/>
+              <a:t>Erstellen von Release- und </a:t>
+            </a:r>
+            <a:r>
+              <a:rPr lang="de-DE" altLang="de-DE" sz="1400" dirty="0" err="1"/>
+              <a:t>Tagged</a:t>
+            </a:r>
+            <a:r>
+              <a:rPr lang="de-DE" altLang="de-DE" sz="1400" dirty="0"/>
+              <a:t>-Images</a:t>
+            </a:r>
+          </a:p>
+          <a:p>
+            <a:pPr lvl="1">
+              <a:buFont typeface="Arial" panose="020B0604020202020204" pitchFamily="34" charset="0"/>
+              <a:buChar char="•"/>
+            </a:pPr>
+            <a:r>
+              <a:rPr lang="de-DE" altLang="de-DE" sz="1400" dirty="0" err="1"/>
+              <a:t>GitOps</a:t>
+            </a:r>
+            <a:r>
+              <a:rPr lang="de-DE" altLang="de-DE" sz="1400" dirty="0"/>
+              <a:t> Grundlagen</a:t>
+            </a:r>
+          </a:p>
+          <a:p>
+            <a:pPr lvl="1">
+              <a:buFont typeface="Arial" panose="020B0604020202020204" pitchFamily="34" charset="0"/>
+              <a:buChar char="•"/>
+            </a:pPr>
+            <a:r>
+              <a:rPr lang="de-DE" altLang="de-DE" sz="1400" dirty="0"/>
+              <a:t>Möglichkeiten des </a:t>
+            </a:r>
+            <a:r>
+              <a:rPr lang="de-DE" altLang="de-DE" sz="1400" dirty="0" err="1"/>
+              <a:t>Deployments</a:t>
+            </a:r>
+            <a:r>
+              <a:rPr lang="de-DE" altLang="de-DE" sz="1400" dirty="0"/>
+              <a:t> &amp; Verwaltung von Konfiguration</a:t>
+            </a:r>
+          </a:p>
+          <a:p>
+            <a:pPr lvl="1">
+              <a:buFont typeface="Arial" panose="020B0604020202020204" pitchFamily="34" charset="0"/>
+              <a:buChar char="•"/>
+            </a:pPr>
+            <a:r>
+              <a:rPr lang="de-DE" altLang="de-DE" sz="1400" dirty="0"/>
+              <a:t>Abschlussübung &amp; Diskussion</a:t>
+            </a:r>
+          </a:p>
+          <a:p>
+            <a:pPr lvl="1">
+              <a:buFont typeface="Arial" panose="020B0604020202020204" pitchFamily="34" charset="0"/>
+              <a:buChar char="•"/>
+            </a:pPr>
+            <a:endParaRPr lang="de-DE" altLang="de-DE" sz="1400" dirty="0"/>
           </a:p>
         </p:txBody>
       </p:sp>
@@ -5841,1347 +5733,16 @@
           <a:lstStyle/>
           <a:p>
             <a:r>
-              <a:rPr lang="de-DE" altLang="de-DE" sz="3200" dirty="0" err="1"/>
-              <a:t>Git</a:t>
-            </a:r>
-            <a:r>
-              <a:rPr lang="de-DE" altLang="de-DE" sz="3200" dirty="0"/>
-              <a:t>-Workflow</a:t>
-            </a:r>
-          </a:p>
-        </p:txBody>
-      </p:sp>
-      <p:sp>
-        <p:nvSpPr>
-          <p:cNvPr id="2" name="Ellipse 1">
-            <a:extLst>
-              <a:ext uri="{FF2B5EF4-FFF2-40B4-BE49-F238E27FC236}">
-                <a16:creationId xmlns:a16="http://schemas.microsoft.com/office/drawing/2014/main" id="{76058A08-9E10-43D2-3E59-C7816D7E71EB}"/>
-              </a:ext>
-            </a:extLst>
-          </p:cNvPr>
-          <p:cNvSpPr/>
-          <p:nvPr/>
-        </p:nvSpPr>
-        <p:spPr bwMode="auto">
-          <a:xfrm>
-            <a:off x="4355976" y="4493954"/>
-            <a:ext cx="288032" cy="288032"/>
-          </a:xfrm>
-          <a:prstGeom prst="ellipse">
-            <a:avLst/>
-          </a:prstGeom>
-          <a:solidFill>
-            <a:schemeClr val="accent5">
-              <a:lumMod val="75000"/>
-            </a:schemeClr>
-          </a:solidFill>
-          <a:ln w="19050" cap="flat" cmpd="sng" algn="ctr">
-            <a:solidFill>
-              <a:schemeClr val="tx1"/>
-            </a:solidFill>
-            <a:prstDash val="solid"/>
-            <a:round/>
-            <a:headEnd type="none" w="sm" len="sm"/>
-            <a:tailEnd type="none" w="sm" len="sm"/>
-          </a:ln>
-          <a:effectLst/>
-        </p:spPr>
-        <p:txBody>
-          <a:bodyPr vert="horz" wrap="square" lIns="91440" tIns="45720" rIns="91440" bIns="45720" numCol="1" rtlCol="0" anchor="t" anchorCtr="0" compatLnSpc="1">
-            <a:prstTxWarp prst="textNoShape">
-              <a:avLst/>
-            </a:prstTxWarp>
-          </a:bodyPr>
-          <a:lstStyle/>
-          <a:p>
-            <a:pPr marL="0" marR="0" indent="0" algn="l" defTabSz="914400" rtl="0" eaLnBrk="0" fontAlgn="base" latinLnBrk="0" hangingPunct="0">
-              <a:lnSpc>
-                <a:spcPct val="100000"/>
-              </a:lnSpc>
-              <a:spcBef>
-                <a:spcPct val="0"/>
-              </a:spcBef>
-              <a:spcAft>
-                <a:spcPct val="0"/>
-              </a:spcAft>
-              <a:buClrTx/>
-              <a:buSzTx/>
-              <a:buFontTx/>
-              <a:buNone/>
-              <a:tabLst/>
-            </a:pPr>
-            <a:endParaRPr kumimoji="0" lang="de-DE" sz="2400" b="0" i="0" u="none" strike="noStrike" cap="none" normalizeH="0" baseline="0">
-              <a:ln>
-                <a:noFill/>
-              </a:ln>
-              <a:solidFill>
-                <a:schemeClr val="tx1"/>
-              </a:solidFill>
-              <a:effectLst/>
-              <a:latin typeface="Times New Roman" pitchFamily="18" charset="0"/>
-            </a:endParaRPr>
-          </a:p>
-        </p:txBody>
-      </p:sp>
-      <p:sp>
-        <p:nvSpPr>
-          <p:cNvPr id="3" name="Ellipse 2">
-            <a:extLst>
-              <a:ext uri="{FF2B5EF4-FFF2-40B4-BE49-F238E27FC236}">
-                <a16:creationId xmlns:a16="http://schemas.microsoft.com/office/drawing/2014/main" id="{E37D6EA4-6BDA-851B-1514-CB8F375614CE}"/>
-              </a:ext>
-            </a:extLst>
-          </p:cNvPr>
-          <p:cNvSpPr/>
-          <p:nvPr/>
-        </p:nvSpPr>
-        <p:spPr bwMode="auto">
-          <a:xfrm>
-            <a:off x="4860032" y="4493954"/>
-            <a:ext cx="288032" cy="288032"/>
-          </a:xfrm>
-          <a:prstGeom prst="ellipse">
-            <a:avLst/>
-          </a:prstGeom>
-          <a:solidFill>
-            <a:schemeClr val="accent5">
-              <a:lumMod val="75000"/>
-            </a:schemeClr>
-          </a:solidFill>
-          <a:ln w="19050" cap="flat" cmpd="sng" algn="ctr">
-            <a:solidFill>
-              <a:schemeClr val="tx1"/>
-            </a:solidFill>
-            <a:prstDash val="solid"/>
-            <a:round/>
-            <a:headEnd type="none" w="sm" len="sm"/>
-            <a:tailEnd type="none" w="sm" len="sm"/>
-          </a:ln>
-          <a:effectLst/>
-        </p:spPr>
-        <p:txBody>
-          <a:bodyPr vert="horz" wrap="square" lIns="91440" tIns="45720" rIns="91440" bIns="45720" numCol="1" rtlCol="0" anchor="t" anchorCtr="0" compatLnSpc="1">
-            <a:prstTxWarp prst="textNoShape">
-              <a:avLst/>
-            </a:prstTxWarp>
-          </a:bodyPr>
-          <a:lstStyle/>
-          <a:p>
-            <a:pPr marL="0" marR="0" indent="0" algn="l" defTabSz="914400" rtl="0" eaLnBrk="0" fontAlgn="base" latinLnBrk="0" hangingPunct="0">
-              <a:lnSpc>
-                <a:spcPct val="100000"/>
-              </a:lnSpc>
-              <a:spcBef>
-                <a:spcPct val="0"/>
-              </a:spcBef>
-              <a:spcAft>
-                <a:spcPct val="0"/>
-              </a:spcAft>
-              <a:buClrTx/>
-              <a:buSzTx/>
-              <a:buFontTx/>
-              <a:buNone/>
-              <a:tabLst/>
-            </a:pPr>
-            <a:endParaRPr kumimoji="0" lang="de-DE" sz="2400" b="0" i="0" u="none" strike="noStrike" cap="none" normalizeH="0" baseline="0">
-              <a:ln>
-                <a:noFill/>
-              </a:ln>
-              <a:solidFill>
-                <a:schemeClr val="tx1"/>
-              </a:solidFill>
-              <a:effectLst/>
-              <a:latin typeface="Times New Roman" pitchFamily="18" charset="0"/>
-            </a:endParaRPr>
-          </a:p>
-        </p:txBody>
-      </p:sp>
-      <p:cxnSp>
-        <p:nvCxnSpPr>
-          <p:cNvPr id="5" name="Gerader Verbinder 4">
-            <a:extLst>
-              <a:ext uri="{FF2B5EF4-FFF2-40B4-BE49-F238E27FC236}">
-                <a16:creationId xmlns:a16="http://schemas.microsoft.com/office/drawing/2014/main" id="{7DF7BF90-34CF-2A8A-BF0A-DA7332C8F32C}"/>
-              </a:ext>
-            </a:extLst>
-          </p:cNvPr>
-          <p:cNvCxnSpPr>
-            <a:stCxn id="2" idx="6"/>
-            <a:endCxn id="3" idx="2"/>
-          </p:cNvCxnSpPr>
-          <p:nvPr/>
-        </p:nvCxnSpPr>
-        <p:spPr bwMode="auto">
-          <a:xfrm>
-            <a:off x="4644008" y="4637970"/>
-            <a:ext cx="216024" cy="0"/>
-          </a:xfrm>
-          <a:prstGeom prst="line">
-            <a:avLst/>
-          </a:prstGeom>
-          <a:solidFill>
-            <a:schemeClr val="accent1"/>
-          </a:solidFill>
-          <a:ln w="19050" cap="flat" cmpd="sng" algn="ctr">
-            <a:solidFill>
-              <a:schemeClr val="tx1"/>
-            </a:solidFill>
-            <a:prstDash val="solid"/>
-            <a:round/>
-            <a:headEnd type="none" w="sm" len="sm"/>
-            <a:tailEnd type="none" w="sm" len="sm"/>
-          </a:ln>
-          <a:effectLst/>
-        </p:spPr>
-      </p:cxnSp>
-      <p:sp>
-        <p:nvSpPr>
-          <p:cNvPr id="6" name="Ellipse 5">
-            <a:extLst>
-              <a:ext uri="{FF2B5EF4-FFF2-40B4-BE49-F238E27FC236}">
-                <a16:creationId xmlns:a16="http://schemas.microsoft.com/office/drawing/2014/main" id="{7CC7556A-24FC-B989-D16D-06F56F69F690}"/>
-              </a:ext>
-            </a:extLst>
-          </p:cNvPr>
-          <p:cNvSpPr/>
-          <p:nvPr/>
-        </p:nvSpPr>
-        <p:spPr bwMode="auto">
-          <a:xfrm>
-            <a:off x="5364088" y="4493954"/>
-            <a:ext cx="288032" cy="288032"/>
-          </a:xfrm>
-          <a:prstGeom prst="ellipse">
-            <a:avLst/>
-          </a:prstGeom>
-          <a:solidFill>
-            <a:schemeClr val="accent5">
-              <a:lumMod val="75000"/>
-            </a:schemeClr>
-          </a:solidFill>
-          <a:ln w="19050" cap="flat" cmpd="sng" algn="ctr">
-            <a:solidFill>
-              <a:schemeClr val="tx1"/>
-            </a:solidFill>
-            <a:prstDash val="solid"/>
-            <a:round/>
-            <a:headEnd type="none" w="sm" len="sm"/>
-            <a:tailEnd type="none" w="sm" len="sm"/>
-          </a:ln>
-          <a:effectLst/>
-        </p:spPr>
-        <p:txBody>
-          <a:bodyPr vert="horz" wrap="square" lIns="91440" tIns="45720" rIns="91440" bIns="45720" numCol="1" rtlCol="0" anchor="t" anchorCtr="0" compatLnSpc="1">
-            <a:prstTxWarp prst="textNoShape">
-              <a:avLst/>
-            </a:prstTxWarp>
-          </a:bodyPr>
-          <a:lstStyle/>
-          <a:p>
-            <a:pPr marL="0" marR="0" indent="0" algn="l" defTabSz="914400" rtl="0" eaLnBrk="0" fontAlgn="base" latinLnBrk="0" hangingPunct="0">
-              <a:lnSpc>
-                <a:spcPct val="100000"/>
-              </a:lnSpc>
-              <a:spcBef>
-                <a:spcPct val="0"/>
-              </a:spcBef>
-              <a:spcAft>
-                <a:spcPct val="0"/>
-              </a:spcAft>
-              <a:buClrTx/>
-              <a:buSzTx/>
-              <a:buFontTx/>
-              <a:buNone/>
-              <a:tabLst/>
-            </a:pPr>
-            <a:endParaRPr kumimoji="0" lang="de-DE" sz="2400" b="0" i="0" u="none" strike="noStrike" cap="none" normalizeH="0" baseline="0">
-              <a:ln>
-                <a:noFill/>
-              </a:ln>
-              <a:solidFill>
-                <a:schemeClr val="tx1"/>
-              </a:solidFill>
-              <a:effectLst/>
-              <a:latin typeface="Times New Roman" pitchFamily="18" charset="0"/>
-            </a:endParaRPr>
-          </a:p>
-        </p:txBody>
-      </p:sp>
-      <p:cxnSp>
-        <p:nvCxnSpPr>
-          <p:cNvPr id="7" name="Gerader Verbinder 6">
-            <a:extLst>
-              <a:ext uri="{FF2B5EF4-FFF2-40B4-BE49-F238E27FC236}">
-                <a16:creationId xmlns:a16="http://schemas.microsoft.com/office/drawing/2014/main" id="{F1368B5E-699F-B893-DF00-04155B3397F5}"/>
-              </a:ext>
-            </a:extLst>
-          </p:cNvPr>
-          <p:cNvCxnSpPr>
-            <a:endCxn id="6" idx="2"/>
-          </p:cNvCxnSpPr>
-          <p:nvPr/>
-        </p:nvCxnSpPr>
-        <p:spPr bwMode="auto">
-          <a:xfrm>
-            <a:off x="5148064" y="4637970"/>
-            <a:ext cx="216024" cy="0"/>
-          </a:xfrm>
-          <a:prstGeom prst="line">
-            <a:avLst/>
-          </a:prstGeom>
-          <a:solidFill>
-            <a:schemeClr val="accent1"/>
-          </a:solidFill>
-          <a:ln w="19050" cap="flat" cmpd="sng" algn="ctr">
-            <a:solidFill>
-              <a:schemeClr val="tx1"/>
-            </a:solidFill>
-            <a:prstDash val="solid"/>
-            <a:round/>
-            <a:headEnd type="none" w="sm" len="sm"/>
-            <a:tailEnd type="none" w="sm" len="sm"/>
-          </a:ln>
-          <a:effectLst/>
-        </p:spPr>
-      </p:cxnSp>
-      <p:sp>
-        <p:nvSpPr>
-          <p:cNvPr id="8" name="Ellipse 7">
-            <a:extLst>
-              <a:ext uri="{FF2B5EF4-FFF2-40B4-BE49-F238E27FC236}">
-                <a16:creationId xmlns:a16="http://schemas.microsoft.com/office/drawing/2014/main" id="{42774172-05BE-833F-9B7B-72CFA740189B}"/>
-              </a:ext>
-            </a:extLst>
-          </p:cNvPr>
-          <p:cNvSpPr/>
-          <p:nvPr/>
-        </p:nvSpPr>
-        <p:spPr bwMode="auto">
-          <a:xfrm>
-            <a:off x="5868144" y="4493954"/>
-            <a:ext cx="288032" cy="288032"/>
-          </a:xfrm>
-          <a:prstGeom prst="ellipse">
-            <a:avLst/>
-          </a:prstGeom>
-          <a:solidFill>
-            <a:schemeClr val="accent5">
-              <a:lumMod val="75000"/>
-            </a:schemeClr>
-          </a:solidFill>
-          <a:ln w="19050" cap="flat" cmpd="sng" algn="ctr">
-            <a:solidFill>
-              <a:schemeClr val="tx1"/>
-            </a:solidFill>
-            <a:prstDash val="solid"/>
-            <a:round/>
-            <a:headEnd type="none" w="sm" len="sm"/>
-            <a:tailEnd type="none" w="sm" len="sm"/>
-          </a:ln>
-          <a:effectLst/>
-        </p:spPr>
-        <p:txBody>
-          <a:bodyPr vert="horz" wrap="square" lIns="91440" tIns="45720" rIns="91440" bIns="45720" numCol="1" rtlCol="0" anchor="t" anchorCtr="0" compatLnSpc="1">
-            <a:prstTxWarp prst="textNoShape">
-              <a:avLst/>
-            </a:prstTxWarp>
-          </a:bodyPr>
-          <a:lstStyle/>
-          <a:p>
-            <a:pPr marL="0" marR="0" indent="0" algn="l" defTabSz="914400" rtl="0" eaLnBrk="0" fontAlgn="base" latinLnBrk="0" hangingPunct="0">
-              <a:lnSpc>
-                <a:spcPct val="100000"/>
-              </a:lnSpc>
-              <a:spcBef>
-                <a:spcPct val="0"/>
-              </a:spcBef>
-              <a:spcAft>
-                <a:spcPct val="0"/>
-              </a:spcAft>
-              <a:buClrTx/>
-              <a:buSzTx/>
-              <a:buFontTx/>
-              <a:buNone/>
-              <a:tabLst/>
-            </a:pPr>
-            <a:endParaRPr kumimoji="0" lang="de-DE" sz="2400" b="0" i="0" u="none" strike="noStrike" cap="none" normalizeH="0" baseline="0">
-              <a:ln>
-                <a:noFill/>
-              </a:ln>
-              <a:solidFill>
-                <a:schemeClr val="tx1"/>
-              </a:solidFill>
-              <a:effectLst/>
-              <a:latin typeface="Times New Roman" pitchFamily="18" charset="0"/>
-            </a:endParaRPr>
-          </a:p>
-        </p:txBody>
-      </p:sp>
-      <p:cxnSp>
-        <p:nvCxnSpPr>
-          <p:cNvPr id="9" name="Gerader Verbinder 8">
-            <a:extLst>
-              <a:ext uri="{FF2B5EF4-FFF2-40B4-BE49-F238E27FC236}">
-                <a16:creationId xmlns:a16="http://schemas.microsoft.com/office/drawing/2014/main" id="{6D7A49AF-D5F1-FC31-E750-C02CCFE81D1F}"/>
-              </a:ext>
-            </a:extLst>
-          </p:cNvPr>
-          <p:cNvCxnSpPr>
-            <a:endCxn id="8" idx="2"/>
-          </p:cNvCxnSpPr>
-          <p:nvPr/>
-        </p:nvCxnSpPr>
-        <p:spPr bwMode="auto">
-          <a:xfrm>
-            <a:off x="5652120" y="4637970"/>
-            <a:ext cx="216024" cy="0"/>
-          </a:xfrm>
-          <a:prstGeom prst="line">
-            <a:avLst/>
-          </a:prstGeom>
-          <a:solidFill>
-            <a:schemeClr val="accent1"/>
-          </a:solidFill>
-          <a:ln w="19050" cap="flat" cmpd="sng" algn="ctr">
-            <a:solidFill>
-              <a:schemeClr val="tx1"/>
-            </a:solidFill>
-            <a:prstDash val="solid"/>
-            <a:round/>
-            <a:headEnd type="none" w="sm" len="sm"/>
-            <a:tailEnd type="none" w="sm" len="sm"/>
-          </a:ln>
-          <a:effectLst/>
-        </p:spPr>
-      </p:cxnSp>
-      <p:sp>
-        <p:nvSpPr>
-          <p:cNvPr id="12" name="Ellipse 11">
-            <a:extLst>
-              <a:ext uri="{FF2B5EF4-FFF2-40B4-BE49-F238E27FC236}">
-                <a16:creationId xmlns:a16="http://schemas.microsoft.com/office/drawing/2014/main" id="{F5298BD6-540F-23E3-0013-2118BE335BC8}"/>
-              </a:ext>
-            </a:extLst>
-          </p:cNvPr>
-          <p:cNvSpPr/>
-          <p:nvPr/>
-        </p:nvSpPr>
-        <p:spPr bwMode="auto">
-          <a:xfrm rot="18900000">
-            <a:off x="4720612" y="4137533"/>
-            <a:ext cx="288032" cy="288032"/>
-          </a:xfrm>
-          <a:prstGeom prst="ellipse">
-            <a:avLst/>
-          </a:prstGeom>
-          <a:solidFill>
-            <a:srgbClr val="008C5A"/>
-          </a:solidFill>
-          <a:ln w="19050" cap="flat" cmpd="sng" algn="ctr">
-            <a:solidFill>
-              <a:schemeClr val="tx1"/>
-            </a:solidFill>
-            <a:prstDash val="solid"/>
-            <a:round/>
-            <a:headEnd type="none" w="sm" len="sm"/>
-            <a:tailEnd type="none" w="sm" len="sm"/>
-          </a:ln>
-          <a:effectLst/>
-        </p:spPr>
-        <p:txBody>
-          <a:bodyPr vert="horz" wrap="square" lIns="91440" tIns="45720" rIns="91440" bIns="45720" numCol="1" rtlCol="0" anchor="t" anchorCtr="0" compatLnSpc="1">
-            <a:prstTxWarp prst="textNoShape">
-              <a:avLst/>
-            </a:prstTxWarp>
-          </a:bodyPr>
-          <a:lstStyle/>
-          <a:p>
-            <a:pPr marL="0" marR="0" indent="0" algn="l" defTabSz="914400" rtl="0" eaLnBrk="0" fontAlgn="base" latinLnBrk="0" hangingPunct="0">
-              <a:lnSpc>
-                <a:spcPct val="100000"/>
-              </a:lnSpc>
-              <a:spcBef>
-                <a:spcPct val="0"/>
-              </a:spcBef>
-              <a:spcAft>
-                <a:spcPct val="0"/>
-              </a:spcAft>
-              <a:buClrTx/>
-              <a:buSzTx/>
-              <a:buFontTx/>
-              <a:buNone/>
-              <a:tabLst/>
-            </a:pPr>
-            <a:endParaRPr kumimoji="0" lang="de-DE" sz="2400" b="0" i="0" u="none" strike="noStrike" cap="none" normalizeH="0" baseline="0" dirty="0">
-              <a:ln>
-                <a:noFill/>
-              </a:ln>
-              <a:solidFill>
-                <a:schemeClr val="tx1"/>
-              </a:solidFill>
-              <a:effectLst/>
-              <a:latin typeface="Times New Roman" pitchFamily="18" charset="0"/>
-            </a:endParaRPr>
-          </a:p>
-        </p:txBody>
-      </p:sp>
-      <p:cxnSp>
-        <p:nvCxnSpPr>
-          <p:cNvPr id="13" name="Gerader Verbinder 12">
-            <a:extLst>
-              <a:ext uri="{FF2B5EF4-FFF2-40B4-BE49-F238E27FC236}">
-                <a16:creationId xmlns:a16="http://schemas.microsoft.com/office/drawing/2014/main" id="{5B3D8803-F685-3CC3-C206-3E87CAB24B24}"/>
-              </a:ext>
-            </a:extLst>
-          </p:cNvPr>
-          <p:cNvCxnSpPr>
-            <a:cxnSpLocks/>
-            <a:endCxn id="12" idx="2"/>
-          </p:cNvCxnSpPr>
-          <p:nvPr/>
-        </p:nvCxnSpPr>
-        <p:spPr bwMode="auto">
-          <a:xfrm rot="18900000">
-            <a:off x="4578405" y="4459760"/>
-            <a:ext cx="216024" cy="0"/>
-          </a:xfrm>
-          <a:prstGeom prst="line">
-            <a:avLst/>
-          </a:prstGeom>
-          <a:solidFill>
-            <a:schemeClr val="accent1"/>
-          </a:solidFill>
-          <a:ln w="19050" cap="flat" cmpd="sng" algn="ctr">
-            <a:solidFill>
-              <a:schemeClr val="tx1"/>
-            </a:solidFill>
-            <a:prstDash val="solid"/>
-            <a:round/>
-            <a:headEnd type="none" w="sm" len="sm"/>
-            <a:tailEnd type="none" w="sm" len="sm"/>
-          </a:ln>
-          <a:effectLst/>
-        </p:spPr>
-      </p:cxnSp>
-      <p:sp>
-        <p:nvSpPr>
-          <p:cNvPr id="21" name="Ellipse 20">
-            <a:extLst>
-              <a:ext uri="{FF2B5EF4-FFF2-40B4-BE49-F238E27FC236}">
-                <a16:creationId xmlns:a16="http://schemas.microsoft.com/office/drawing/2014/main" id="{24B9CDB4-9181-958F-24AD-C1A9D4725175}"/>
-              </a:ext>
-            </a:extLst>
-          </p:cNvPr>
-          <p:cNvSpPr/>
-          <p:nvPr/>
-        </p:nvSpPr>
-        <p:spPr bwMode="auto">
-          <a:xfrm rot="18900000">
-            <a:off x="5072582" y="3776743"/>
-            <a:ext cx="288032" cy="288032"/>
-          </a:xfrm>
-          <a:prstGeom prst="ellipse">
-            <a:avLst/>
-          </a:prstGeom>
-          <a:solidFill>
-            <a:srgbClr val="008C5A"/>
-          </a:solidFill>
-          <a:ln w="19050" cap="flat" cmpd="sng" algn="ctr">
-            <a:solidFill>
-              <a:schemeClr val="tx1"/>
-            </a:solidFill>
-            <a:prstDash val="solid"/>
-            <a:round/>
-            <a:headEnd type="none" w="sm" len="sm"/>
-            <a:tailEnd type="none" w="sm" len="sm"/>
-          </a:ln>
-          <a:effectLst/>
-        </p:spPr>
-        <p:txBody>
-          <a:bodyPr vert="horz" wrap="square" lIns="91440" tIns="45720" rIns="91440" bIns="45720" numCol="1" rtlCol="0" anchor="t" anchorCtr="0" compatLnSpc="1">
-            <a:prstTxWarp prst="textNoShape">
-              <a:avLst/>
-            </a:prstTxWarp>
-          </a:bodyPr>
-          <a:lstStyle/>
-          <a:p>
-            <a:pPr marL="0" marR="0" indent="0" algn="l" defTabSz="914400" rtl="0" eaLnBrk="0" fontAlgn="base" latinLnBrk="0" hangingPunct="0">
-              <a:lnSpc>
-                <a:spcPct val="100000"/>
-              </a:lnSpc>
-              <a:spcBef>
-                <a:spcPct val="0"/>
-              </a:spcBef>
-              <a:spcAft>
-                <a:spcPct val="0"/>
-              </a:spcAft>
-              <a:buClrTx/>
-              <a:buSzTx/>
-              <a:buFontTx/>
-              <a:buNone/>
-              <a:tabLst/>
-            </a:pPr>
-            <a:endParaRPr kumimoji="0" lang="de-DE" sz="2400" b="0" i="0" u="none" strike="noStrike" cap="none" normalizeH="0" baseline="0">
-              <a:ln>
-                <a:noFill/>
-              </a:ln>
-              <a:solidFill>
-                <a:schemeClr val="tx1"/>
-              </a:solidFill>
-              <a:effectLst/>
-              <a:latin typeface="Times New Roman" pitchFamily="18" charset="0"/>
-            </a:endParaRPr>
-          </a:p>
-        </p:txBody>
-      </p:sp>
-      <p:cxnSp>
-        <p:nvCxnSpPr>
-          <p:cNvPr id="22" name="Gerader Verbinder 21">
-            <a:extLst>
-              <a:ext uri="{FF2B5EF4-FFF2-40B4-BE49-F238E27FC236}">
-                <a16:creationId xmlns:a16="http://schemas.microsoft.com/office/drawing/2014/main" id="{AC6C0621-C790-AE19-DBA4-68AD8760B6B8}"/>
-              </a:ext>
-            </a:extLst>
-          </p:cNvPr>
-          <p:cNvCxnSpPr>
-            <a:cxnSpLocks/>
-            <a:endCxn id="21" idx="2"/>
-          </p:cNvCxnSpPr>
-          <p:nvPr/>
-        </p:nvCxnSpPr>
-        <p:spPr bwMode="auto">
-          <a:xfrm rot="18900000">
-            <a:off x="4930375" y="4098970"/>
-            <a:ext cx="216024" cy="0"/>
-          </a:xfrm>
-          <a:prstGeom prst="line">
-            <a:avLst/>
-          </a:prstGeom>
-          <a:solidFill>
-            <a:schemeClr val="accent1"/>
-          </a:solidFill>
-          <a:ln w="19050" cap="flat" cmpd="sng" algn="ctr">
-            <a:solidFill>
-              <a:schemeClr val="tx1"/>
-            </a:solidFill>
-            <a:prstDash val="solid"/>
-            <a:round/>
-            <a:headEnd type="none" w="sm" len="sm"/>
-            <a:tailEnd type="none" w="sm" len="sm"/>
-          </a:ln>
-          <a:effectLst/>
-        </p:spPr>
-      </p:cxnSp>
-      <p:sp>
-        <p:nvSpPr>
-          <p:cNvPr id="24" name="Ellipse 23">
-            <a:extLst>
-              <a:ext uri="{FF2B5EF4-FFF2-40B4-BE49-F238E27FC236}">
-                <a16:creationId xmlns:a16="http://schemas.microsoft.com/office/drawing/2014/main" id="{C1CB366A-80E2-B34A-8CAA-01D231680BB3}"/>
-              </a:ext>
-            </a:extLst>
-          </p:cNvPr>
-          <p:cNvSpPr/>
-          <p:nvPr/>
-        </p:nvSpPr>
-        <p:spPr bwMode="auto">
-          <a:xfrm rot="18900000">
-            <a:off x="5440464" y="3419664"/>
-            <a:ext cx="288032" cy="288032"/>
-          </a:xfrm>
-          <a:prstGeom prst="ellipse">
-            <a:avLst/>
-          </a:prstGeom>
-          <a:solidFill>
-            <a:srgbClr val="008C5A"/>
-          </a:solidFill>
-          <a:ln w="19050" cap="flat" cmpd="sng" algn="ctr">
-            <a:solidFill>
-              <a:schemeClr val="tx1"/>
-            </a:solidFill>
-            <a:prstDash val="solid"/>
-            <a:round/>
-            <a:headEnd type="none" w="sm" len="sm"/>
-            <a:tailEnd type="none" w="sm" len="sm"/>
-          </a:ln>
-          <a:effectLst/>
-        </p:spPr>
-        <p:txBody>
-          <a:bodyPr vert="horz" wrap="square" lIns="91440" tIns="45720" rIns="91440" bIns="45720" numCol="1" rtlCol="0" anchor="t" anchorCtr="0" compatLnSpc="1">
-            <a:prstTxWarp prst="textNoShape">
-              <a:avLst/>
-            </a:prstTxWarp>
-          </a:bodyPr>
-          <a:lstStyle/>
-          <a:p>
-            <a:pPr marL="0" marR="0" indent="0" algn="l" defTabSz="914400" rtl="0" eaLnBrk="0" fontAlgn="base" latinLnBrk="0" hangingPunct="0">
-              <a:lnSpc>
-                <a:spcPct val="100000"/>
-              </a:lnSpc>
-              <a:spcBef>
-                <a:spcPct val="0"/>
-              </a:spcBef>
-              <a:spcAft>
-                <a:spcPct val="0"/>
-              </a:spcAft>
-              <a:buClrTx/>
-              <a:buSzTx/>
-              <a:buFontTx/>
-              <a:buNone/>
-              <a:tabLst/>
-            </a:pPr>
-            <a:endParaRPr kumimoji="0" lang="de-DE" sz="2400" b="0" i="0" u="none" strike="noStrike" cap="none" normalizeH="0" baseline="0">
-              <a:ln>
-                <a:noFill/>
-              </a:ln>
-              <a:solidFill>
-                <a:schemeClr val="tx1"/>
-              </a:solidFill>
-              <a:effectLst/>
-              <a:latin typeface="Times New Roman" pitchFamily="18" charset="0"/>
-            </a:endParaRPr>
-          </a:p>
-        </p:txBody>
-      </p:sp>
-      <p:cxnSp>
-        <p:nvCxnSpPr>
-          <p:cNvPr id="25" name="Gerader Verbinder 24">
-            <a:extLst>
-              <a:ext uri="{FF2B5EF4-FFF2-40B4-BE49-F238E27FC236}">
-                <a16:creationId xmlns:a16="http://schemas.microsoft.com/office/drawing/2014/main" id="{91F4DAAE-20C0-A358-F8E6-159483F59034}"/>
-              </a:ext>
-            </a:extLst>
-          </p:cNvPr>
-          <p:cNvCxnSpPr>
-            <a:cxnSpLocks/>
-            <a:endCxn id="24" idx="2"/>
-          </p:cNvCxnSpPr>
-          <p:nvPr/>
-        </p:nvCxnSpPr>
-        <p:spPr bwMode="auto">
-          <a:xfrm rot="18900000">
-            <a:off x="5298257" y="3741891"/>
-            <a:ext cx="216024" cy="0"/>
-          </a:xfrm>
-          <a:prstGeom prst="line">
-            <a:avLst/>
-          </a:prstGeom>
-          <a:solidFill>
-            <a:schemeClr val="accent1"/>
-          </a:solidFill>
-          <a:ln w="19050" cap="flat" cmpd="sng" algn="ctr">
-            <a:solidFill>
-              <a:schemeClr val="tx1"/>
-            </a:solidFill>
-            <a:prstDash val="solid"/>
-            <a:round/>
-            <a:headEnd type="none" w="sm" len="sm"/>
-            <a:tailEnd type="none" w="sm" len="sm"/>
-          </a:ln>
-          <a:effectLst/>
-        </p:spPr>
-      </p:cxnSp>
-      <p:sp>
-        <p:nvSpPr>
-          <p:cNvPr id="27" name="Ellipse 26">
-            <a:extLst>
-              <a:ext uri="{FF2B5EF4-FFF2-40B4-BE49-F238E27FC236}">
-                <a16:creationId xmlns:a16="http://schemas.microsoft.com/office/drawing/2014/main" id="{0DAA663F-74F9-824B-7814-D68B26ECEC5D}"/>
-              </a:ext>
-            </a:extLst>
-          </p:cNvPr>
-          <p:cNvSpPr/>
-          <p:nvPr/>
-        </p:nvSpPr>
-        <p:spPr bwMode="auto">
-          <a:xfrm rot="2700000">
-            <a:off x="4737334" y="4837147"/>
-            <a:ext cx="288032" cy="288032"/>
-          </a:xfrm>
-          <a:prstGeom prst="ellipse">
-            <a:avLst/>
-          </a:prstGeom>
-          <a:solidFill>
-            <a:srgbClr val="7030A0"/>
-          </a:solidFill>
-          <a:ln w="19050" cap="flat" cmpd="sng" algn="ctr">
-            <a:solidFill>
-              <a:schemeClr val="tx1"/>
-            </a:solidFill>
-            <a:prstDash val="solid"/>
-            <a:round/>
-            <a:headEnd type="none" w="sm" len="sm"/>
-            <a:tailEnd type="none" w="sm" len="sm"/>
-          </a:ln>
-          <a:effectLst/>
-        </p:spPr>
-        <p:txBody>
-          <a:bodyPr vert="horz" wrap="square" lIns="91440" tIns="45720" rIns="91440" bIns="45720" numCol="1" rtlCol="0" anchor="t" anchorCtr="0" compatLnSpc="1">
-            <a:prstTxWarp prst="textNoShape">
-              <a:avLst/>
-            </a:prstTxWarp>
-          </a:bodyPr>
-          <a:lstStyle/>
-          <a:p>
-            <a:pPr marL="0" marR="0" indent="0" algn="l" defTabSz="914400" rtl="0" eaLnBrk="0" fontAlgn="base" latinLnBrk="0" hangingPunct="0">
-              <a:lnSpc>
-                <a:spcPct val="100000"/>
-              </a:lnSpc>
-              <a:spcBef>
-                <a:spcPct val="0"/>
-              </a:spcBef>
-              <a:spcAft>
-                <a:spcPct val="0"/>
-              </a:spcAft>
-              <a:buClrTx/>
-              <a:buSzTx/>
-              <a:buFontTx/>
-              <a:buNone/>
-              <a:tabLst/>
-            </a:pPr>
-            <a:endParaRPr kumimoji="0" lang="de-DE" sz="2400" b="0" i="0" u="none" strike="noStrike" cap="none" normalizeH="0" baseline="0">
-              <a:ln>
-                <a:noFill/>
-              </a:ln>
-              <a:solidFill>
-                <a:schemeClr val="tx1"/>
-              </a:solidFill>
-              <a:effectLst/>
-              <a:latin typeface="Times New Roman" pitchFamily="18" charset="0"/>
-            </a:endParaRPr>
-          </a:p>
-        </p:txBody>
-      </p:sp>
-      <p:cxnSp>
-        <p:nvCxnSpPr>
-          <p:cNvPr id="28" name="Gerader Verbinder 27">
-            <a:extLst>
-              <a:ext uri="{FF2B5EF4-FFF2-40B4-BE49-F238E27FC236}">
-                <a16:creationId xmlns:a16="http://schemas.microsoft.com/office/drawing/2014/main" id="{D8B1459F-326E-9A00-8D75-7BE99926DE8D}"/>
-              </a:ext>
-            </a:extLst>
-          </p:cNvPr>
-          <p:cNvCxnSpPr>
-            <a:cxnSpLocks/>
-            <a:endCxn id="27" idx="2"/>
-          </p:cNvCxnSpPr>
-          <p:nvPr/>
-        </p:nvCxnSpPr>
-        <p:spPr bwMode="auto">
-          <a:xfrm rot="2700000">
-            <a:off x="4595127" y="4802952"/>
-            <a:ext cx="216024" cy="0"/>
-          </a:xfrm>
-          <a:prstGeom prst="line">
-            <a:avLst/>
-          </a:prstGeom>
-          <a:solidFill>
-            <a:schemeClr val="accent1"/>
-          </a:solidFill>
-          <a:ln w="19050" cap="flat" cmpd="sng" algn="ctr">
-            <a:solidFill>
-              <a:schemeClr val="tx1"/>
-            </a:solidFill>
-            <a:prstDash val="solid"/>
-            <a:round/>
-            <a:headEnd type="none" w="sm" len="sm"/>
-            <a:tailEnd type="none" w="sm" len="sm"/>
-          </a:ln>
-          <a:effectLst/>
-        </p:spPr>
-      </p:cxnSp>
-      <p:sp>
-        <p:nvSpPr>
-          <p:cNvPr id="30" name="Ellipse 29">
-            <a:extLst>
-              <a:ext uri="{FF2B5EF4-FFF2-40B4-BE49-F238E27FC236}">
-                <a16:creationId xmlns:a16="http://schemas.microsoft.com/office/drawing/2014/main" id="{10D2FCAE-82E3-17F9-B73C-ACA5C9BDCDFB}"/>
-              </a:ext>
-            </a:extLst>
-          </p:cNvPr>
-          <p:cNvSpPr/>
-          <p:nvPr/>
-        </p:nvSpPr>
-        <p:spPr bwMode="auto">
-          <a:xfrm rot="2700000">
-            <a:off x="5098124" y="5189117"/>
-            <a:ext cx="288032" cy="288032"/>
-          </a:xfrm>
-          <a:prstGeom prst="ellipse">
-            <a:avLst/>
-          </a:prstGeom>
-          <a:solidFill>
-            <a:srgbClr val="7030A0"/>
-          </a:solidFill>
-          <a:ln w="19050" cap="flat" cmpd="sng" algn="ctr">
-            <a:solidFill>
-              <a:schemeClr val="tx1"/>
-            </a:solidFill>
-            <a:prstDash val="solid"/>
-            <a:round/>
-            <a:headEnd type="none" w="sm" len="sm"/>
-            <a:tailEnd type="none" w="sm" len="sm"/>
-          </a:ln>
-          <a:effectLst/>
-        </p:spPr>
-        <p:txBody>
-          <a:bodyPr vert="horz" wrap="square" lIns="91440" tIns="45720" rIns="91440" bIns="45720" numCol="1" rtlCol="0" anchor="t" anchorCtr="0" compatLnSpc="1">
-            <a:prstTxWarp prst="textNoShape">
-              <a:avLst/>
-            </a:prstTxWarp>
-          </a:bodyPr>
-          <a:lstStyle/>
-          <a:p>
-            <a:pPr marL="0" marR="0" indent="0" algn="l" defTabSz="914400" rtl="0" eaLnBrk="0" fontAlgn="base" latinLnBrk="0" hangingPunct="0">
-              <a:lnSpc>
-                <a:spcPct val="100000"/>
-              </a:lnSpc>
-              <a:spcBef>
-                <a:spcPct val="0"/>
-              </a:spcBef>
-              <a:spcAft>
-                <a:spcPct val="0"/>
-              </a:spcAft>
-              <a:buClrTx/>
-              <a:buSzTx/>
-              <a:buFontTx/>
-              <a:buNone/>
-              <a:tabLst/>
-            </a:pPr>
-            <a:endParaRPr kumimoji="0" lang="de-DE" sz="2400" b="0" i="0" u="none" strike="noStrike" cap="none" normalizeH="0" baseline="0">
-              <a:ln>
-                <a:noFill/>
-              </a:ln>
-              <a:solidFill>
-                <a:schemeClr val="tx1"/>
-              </a:solidFill>
-              <a:effectLst/>
-              <a:latin typeface="Times New Roman" pitchFamily="18" charset="0"/>
-            </a:endParaRPr>
-          </a:p>
-        </p:txBody>
-      </p:sp>
-      <p:cxnSp>
-        <p:nvCxnSpPr>
-          <p:cNvPr id="31" name="Gerader Verbinder 30">
-            <a:extLst>
-              <a:ext uri="{FF2B5EF4-FFF2-40B4-BE49-F238E27FC236}">
-                <a16:creationId xmlns:a16="http://schemas.microsoft.com/office/drawing/2014/main" id="{5F2B3448-8BD7-07D5-2A70-D1ED30AC0397}"/>
-              </a:ext>
-            </a:extLst>
-          </p:cNvPr>
-          <p:cNvCxnSpPr>
-            <a:cxnSpLocks/>
-            <a:endCxn id="30" idx="2"/>
-          </p:cNvCxnSpPr>
-          <p:nvPr/>
-        </p:nvCxnSpPr>
-        <p:spPr bwMode="auto">
-          <a:xfrm rot="2700000">
-            <a:off x="4955917" y="5154922"/>
-            <a:ext cx="216024" cy="0"/>
-          </a:xfrm>
-          <a:prstGeom prst="line">
-            <a:avLst/>
-          </a:prstGeom>
-          <a:solidFill>
-            <a:schemeClr val="accent1"/>
-          </a:solidFill>
-          <a:ln w="19050" cap="flat" cmpd="sng" algn="ctr">
-            <a:solidFill>
-              <a:schemeClr val="tx1"/>
-            </a:solidFill>
-            <a:prstDash val="solid"/>
-            <a:round/>
-            <a:headEnd type="none" w="sm" len="sm"/>
-            <a:tailEnd type="none" w="sm" len="sm"/>
-          </a:ln>
-          <a:effectLst/>
-        </p:spPr>
-      </p:cxnSp>
-      <p:sp>
-        <p:nvSpPr>
-          <p:cNvPr id="33" name="Ellipse 32">
-            <a:extLst>
-              <a:ext uri="{FF2B5EF4-FFF2-40B4-BE49-F238E27FC236}">
-                <a16:creationId xmlns:a16="http://schemas.microsoft.com/office/drawing/2014/main" id="{36A18F51-D837-EC37-3076-1998B06ADC81}"/>
-              </a:ext>
-            </a:extLst>
-          </p:cNvPr>
-          <p:cNvSpPr/>
-          <p:nvPr/>
-        </p:nvSpPr>
-        <p:spPr bwMode="auto">
-          <a:xfrm rot="2700000">
-            <a:off x="5455203" y="5556999"/>
-            <a:ext cx="288032" cy="288032"/>
-          </a:xfrm>
-          <a:prstGeom prst="ellipse">
-            <a:avLst/>
-          </a:prstGeom>
-          <a:solidFill>
-            <a:srgbClr val="7030A0"/>
-          </a:solidFill>
-          <a:ln w="19050" cap="flat" cmpd="sng" algn="ctr">
-            <a:solidFill>
-              <a:schemeClr val="tx1"/>
-            </a:solidFill>
-            <a:prstDash val="solid"/>
-            <a:round/>
-            <a:headEnd type="none" w="sm" len="sm"/>
-            <a:tailEnd type="none" w="sm" len="sm"/>
-          </a:ln>
-          <a:effectLst/>
-        </p:spPr>
-        <p:txBody>
-          <a:bodyPr vert="horz" wrap="square" lIns="91440" tIns="45720" rIns="91440" bIns="45720" numCol="1" rtlCol="0" anchor="t" anchorCtr="0" compatLnSpc="1">
-            <a:prstTxWarp prst="textNoShape">
-              <a:avLst/>
-            </a:prstTxWarp>
-          </a:bodyPr>
-          <a:lstStyle/>
-          <a:p>
-            <a:pPr marL="0" marR="0" indent="0" algn="l" defTabSz="914400" rtl="0" eaLnBrk="0" fontAlgn="base" latinLnBrk="0" hangingPunct="0">
-              <a:lnSpc>
-                <a:spcPct val="100000"/>
-              </a:lnSpc>
-              <a:spcBef>
-                <a:spcPct val="0"/>
-              </a:spcBef>
-              <a:spcAft>
-                <a:spcPct val="0"/>
-              </a:spcAft>
-              <a:buClrTx/>
-              <a:buSzTx/>
-              <a:buFontTx/>
-              <a:buNone/>
-              <a:tabLst/>
-            </a:pPr>
-            <a:endParaRPr kumimoji="0" lang="de-DE" sz="2400" b="0" i="0" u="none" strike="noStrike" cap="none" normalizeH="0" baseline="0">
-              <a:ln>
-                <a:noFill/>
-              </a:ln>
-              <a:solidFill>
-                <a:schemeClr val="tx1"/>
-              </a:solidFill>
-              <a:effectLst/>
-              <a:latin typeface="Times New Roman" pitchFamily="18" charset="0"/>
-            </a:endParaRPr>
-          </a:p>
-        </p:txBody>
-      </p:sp>
-      <p:cxnSp>
-        <p:nvCxnSpPr>
-          <p:cNvPr id="34" name="Gerader Verbinder 33">
-            <a:extLst>
-              <a:ext uri="{FF2B5EF4-FFF2-40B4-BE49-F238E27FC236}">
-                <a16:creationId xmlns:a16="http://schemas.microsoft.com/office/drawing/2014/main" id="{6E95AD40-1AE6-E6BB-E783-C40580ED10EA}"/>
-              </a:ext>
-            </a:extLst>
-          </p:cNvPr>
-          <p:cNvCxnSpPr>
-            <a:cxnSpLocks/>
-            <a:endCxn id="33" idx="2"/>
-          </p:cNvCxnSpPr>
-          <p:nvPr/>
-        </p:nvCxnSpPr>
-        <p:spPr bwMode="auto">
-          <a:xfrm rot="2700000">
-            <a:off x="5312996" y="5522804"/>
-            <a:ext cx="216024" cy="0"/>
-          </a:xfrm>
-          <a:prstGeom prst="line">
-            <a:avLst/>
-          </a:prstGeom>
-          <a:solidFill>
-            <a:schemeClr val="accent1"/>
-          </a:solidFill>
-          <a:ln w="19050" cap="flat" cmpd="sng" algn="ctr">
-            <a:solidFill>
-              <a:schemeClr val="tx1"/>
-            </a:solidFill>
-            <a:prstDash val="solid"/>
-            <a:round/>
-            <a:headEnd type="none" w="sm" len="sm"/>
-            <a:tailEnd type="none" w="sm" len="sm"/>
-          </a:ln>
-          <a:effectLst/>
-        </p:spPr>
-      </p:cxnSp>
-      <p:sp>
-        <p:nvSpPr>
-          <p:cNvPr id="36" name="Textfeld 35">
-            <a:extLst>
-              <a:ext uri="{FF2B5EF4-FFF2-40B4-BE49-F238E27FC236}">
-                <a16:creationId xmlns:a16="http://schemas.microsoft.com/office/drawing/2014/main" id="{B3735663-1826-5083-BC04-81EFD72F822C}"/>
-              </a:ext>
-            </a:extLst>
-          </p:cNvPr>
-          <p:cNvSpPr txBox="1"/>
-          <p:nvPr/>
-        </p:nvSpPr>
-        <p:spPr bwMode="auto">
-          <a:xfrm>
-            <a:off x="6120172" y="4482847"/>
-            <a:ext cx="720080" cy="276999"/>
-          </a:xfrm>
-          <a:prstGeom prst="rect">
-            <a:avLst/>
-          </a:prstGeom>
-          <a:noFill/>
-          <a:ln w="9525">
-            <a:noFill/>
-            <a:miter lim="800000"/>
-            <a:headEnd/>
-            <a:tailEnd/>
-          </a:ln>
-        </p:spPr>
-        <p:txBody>
-          <a:bodyPr wrap="square" rtlCol="0" anchor="ctr">
-            <a:spAutoFit/>
-          </a:bodyPr>
-          <a:lstStyle/>
-          <a:p>
-            <a:pPr eaLnBrk="1" hangingPunct="1"/>
-            <a:r>
-              <a:rPr lang="de-DE" sz="1200" dirty="0" err="1">
-                <a:solidFill>
-                  <a:srgbClr val="0249FC"/>
-                </a:solidFill>
-                <a:latin typeface="Arial" charset="0"/>
-              </a:rPr>
-              <a:t>main</a:t>
-            </a:r>
-            <a:endParaRPr lang="de-DE" sz="1200" dirty="0">
-              <a:solidFill>
-                <a:srgbClr val="0249FC"/>
-              </a:solidFill>
-              <a:latin typeface="Arial" charset="0"/>
-            </a:endParaRPr>
-          </a:p>
-        </p:txBody>
-      </p:sp>
-      <p:sp>
-        <p:nvSpPr>
-          <p:cNvPr id="37" name="Textfeld 36">
-            <a:extLst>
-              <a:ext uri="{FF2B5EF4-FFF2-40B4-BE49-F238E27FC236}">
-                <a16:creationId xmlns:a16="http://schemas.microsoft.com/office/drawing/2014/main" id="{AFE0D8DA-85CA-0648-FE1A-68A82C57267E}"/>
-              </a:ext>
-            </a:extLst>
-          </p:cNvPr>
-          <p:cNvSpPr txBox="1"/>
-          <p:nvPr/>
-        </p:nvSpPr>
-        <p:spPr bwMode="auto">
-          <a:xfrm>
-            <a:off x="5724128" y="3404413"/>
-            <a:ext cx="792088" cy="276999"/>
-          </a:xfrm>
-          <a:prstGeom prst="rect">
-            <a:avLst/>
-          </a:prstGeom>
-          <a:noFill/>
-          <a:ln w="9525">
-            <a:noFill/>
-            <a:miter lim="800000"/>
-            <a:headEnd/>
-            <a:tailEnd/>
-          </a:ln>
-        </p:spPr>
-        <p:txBody>
-          <a:bodyPr wrap="square" rtlCol="0" anchor="ctr">
-            <a:spAutoFit/>
-          </a:bodyPr>
-          <a:lstStyle/>
-          <a:p>
-            <a:pPr eaLnBrk="1" hangingPunct="1"/>
-            <a:r>
-              <a:rPr lang="de-DE" sz="1200" dirty="0">
-                <a:solidFill>
-                  <a:srgbClr val="008C5A"/>
-                </a:solidFill>
-                <a:latin typeface="Arial" charset="0"/>
-              </a:rPr>
-              <a:t>feature1</a:t>
-            </a:r>
-          </a:p>
-        </p:txBody>
-      </p:sp>
-      <p:sp>
-        <p:nvSpPr>
-          <p:cNvPr id="38" name="Textfeld 37">
-            <a:extLst>
-              <a:ext uri="{FF2B5EF4-FFF2-40B4-BE49-F238E27FC236}">
-                <a16:creationId xmlns:a16="http://schemas.microsoft.com/office/drawing/2014/main" id="{38806947-E25F-4027-3BD1-F2C151C0C79D}"/>
-              </a:ext>
-            </a:extLst>
-          </p:cNvPr>
-          <p:cNvSpPr txBox="1"/>
-          <p:nvPr/>
-        </p:nvSpPr>
-        <p:spPr bwMode="auto">
-          <a:xfrm>
-            <a:off x="5760132" y="5576906"/>
-            <a:ext cx="792088" cy="276999"/>
-          </a:xfrm>
-          <a:prstGeom prst="rect">
-            <a:avLst/>
-          </a:prstGeom>
-          <a:noFill/>
-          <a:ln w="9525">
-            <a:noFill/>
-            <a:miter lim="800000"/>
-            <a:headEnd/>
-            <a:tailEnd/>
-          </a:ln>
-        </p:spPr>
-        <p:txBody>
-          <a:bodyPr wrap="square" rtlCol="0" anchor="ctr">
-            <a:spAutoFit/>
-          </a:bodyPr>
-          <a:lstStyle/>
-          <a:p>
-            <a:pPr eaLnBrk="1" hangingPunct="1"/>
-            <a:r>
-              <a:rPr lang="de-DE" sz="1200" dirty="0">
-                <a:solidFill>
-                  <a:srgbClr val="7030A0"/>
-                </a:solidFill>
-                <a:latin typeface="Arial" charset="0"/>
-              </a:rPr>
-              <a:t>feature2</a:t>
-            </a:r>
-          </a:p>
-        </p:txBody>
-      </p:sp>
-      <p:cxnSp>
-        <p:nvCxnSpPr>
-          <p:cNvPr id="40" name="Gerade Verbindung mit Pfeil 39">
-            <a:extLst>
-              <a:ext uri="{FF2B5EF4-FFF2-40B4-BE49-F238E27FC236}">
-                <a16:creationId xmlns:a16="http://schemas.microsoft.com/office/drawing/2014/main" id="{13FD3CDA-2657-1084-1AE4-2C5874D8322A}"/>
-              </a:ext>
-            </a:extLst>
-          </p:cNvPr>
-          <p:cNvCxnSpPr>
-            <a:cxnSpLocks/>
-          </p:cNvCxnSpPr>
-          <p:nvPr/>
-        </p:nvCxnSpPr>
-        <p:spPr bwMode="auto">
-          <a:xfrm>
-            <a:off x="5586865" y="3753277"/>
-            <a:ext cx="12354" cy="1738731"/>
-          </a:xfrm>
-          <a:prstGeom prst="straightConnector1">
-            <a:avLst/>
-          </a:prstGeom>
-          <a:solidFill>
-            <a:schemeClr val="accent1"/>
-          </a:solidFill>
-          <a:ln w="76200" cap="flat" cmpd="sng" algn="ctr">
-            <a:solidFill>
-              <a:srgbClr val="FFC000"/>
-            </a:solidFill>
-            <a:prstDash val="solid"/>
-            <a:round/>
-            <a:headEnd type="triangle"/>
-            <a:tailEnd type="triangle"/>
-          </a:ln>
-          <a:effectLst>
-            <a:glow rad="63500">
-              <a:schemeClr val="accent4">
-                <a:satMod val="175000"/>
-                <a:alpha val="40000"/>
-              </a:schemeClr>
-            </a:glow>
-          </a:effectLst>
-        </p:spPr>
-      </p:cxnSp>
-      <p:sp>
-        <p:nvSpPr>
-          <p:cNvPr id="42" name="Gewitterblitz 41">
-            <a:extLst>
-              <a:ext uri="{FF2B5EF4-FFF2-40B4-BE49-F238E27FC236}">
-                <a16:creationId xmlns:a16="http://schemas.microsoft.com/office/drawing/2014/main" id="{F3CC5856-E024-39FD-B0AE-569578796254}"/>
-              </a:ext>
-            </a:extLst>
-          </p:cNvPr>
-          <p:cNvSpPr/>
-          <p:nvPr/>
-        </p:nvSpPr>
-        <p:spPr bwMode="auto">
-          <a:xfrm rot="19809464" flipH="1">
-            <a:off x="5401968" y="4470905"/>
-            <a:ext cx="369792" cy="269575"/>
-          </a:xfrm>
-          <a:prstGeom prst="lightningBolt">
-            <a:avLst/>
-          </a:prstGeom>
-          <a:solidFill>
-            <a:srgbClr val="FFC000"/>
-          </a:solidFill>
-          <a:ln w="12700" cap="flat" cmpd="sng" algn="ctr">
-            <a:solidFill>
-              <a:schemeClr val="tx1"/>
-            </a:solidFill>
-            <a:prstDash val="solid"/>
-            <a:round/>
-            <a:headEnd type="none" w="sm" len="sm"/>
-            <a:tailEnd type="none" w="sm" len="sm"/>
-          </a:ln>
-          <a:effectLst>
-            <a:glow rad="63500">
-              <a:schemeClr val="accent4">
-                <a:satMod val="175000"/>
-                <a:alpha val="40000"/>
-              </a:schemeClr>
-            </a:glow>
-          </a:effectLst>
-        </p:spPr>
-        <p:txBody>
-          <a:bodyPr vert="horz" wrap="square" lIns="91440" tIns="45720" rIns="91440" bIns="45720" numCol="1" rtlCol="0" anchor="t" anchorCtr="0" compatLnSpc="1">
-            <a:prstTxWarp prst="textNoShape">
-              <a:avLst/>
-            </a:prstTxWarp>
-          </a:bodyPr>
-          <a:lstStyle/>
-          <a:p>
-            <a:pPr marL="0" marR="0" indent="0" algn="l" defTabSz="914400" rtl="0" eaLnBrk="0" fontAlgn="base" latinLnBrk="0" hangingPunct="0">
-              <a:lnSpc>
-                <a:spcPct val="100000"/>
-              </a:lnSpc>
-              <a:spcBef>
-                <a:spcPct val="0"/>
-              </a:spcBef>
-              <a:spcAft>
-                <a:spcPct val="0"/>
-              </a:spcAft>
-              <a:buClrTx/>
-              <a:buSzTx/>
-              <a:buFontTx/>
-              <a:buNone/>
-              <a:tabLst/>
-            </a:pPr>
-            <a:endParaRPr kumimoji="0" lang="de-DE" sz="2400" b="0" i="0" u="none" strike="noStrike" cap="none" normalizeH="0" baseline="0">
-              <a:ln>
-                <a:noFill/>
-              </a:ln>
-              <a:solidFill>
-                <a:schemeClr val="tx1"/>
-              </a:solidFill>
-              <a:effectLst/>
-              <a:latin typeface="Times New Roman" pitchFamily="18" charset="0"/>
-            </a:endParaRPr>
+              <a:rPr lang="de-DE" altLang="de-DE" dirty="0"/>
+              <a:t>Agenda</a:t>
+            </a:r>
           </a:p>
         </p:txBody>
       </p:sp>
     </p:spTree>
     <p:extLst>
       <p:ext uri="{BB962C8B-B14F-4D97-AF65-F5344CB8AC3E}">
-        <p14:creationId xmlns:p14="http://schemas.microsoft.com/office/powerpoint/2010/main" val="3955948481"/>
+        <p14:creationId xmlns:p14="http://schemas.microsoft.com/office/powerpoint/2010/main" val="4184095898"/>
       </p:ext>
     </p:extLst>
   </p:cSld>
@@ -7191,171 +5752,7 @@
 </p:sld>
 </file>
 
-<file path=ppt/slides/slide11.xml><?xml version="1.0" encoding="utf-8"?>
-<p:sld xmlns:a="http://schemas.openxmlformats.org/drawingml/2006/main" xmlns:r="http://schemas.openxmlformats.org/officeDocument/2006/relationships" xmlns:p="http://schemas.openxmlformats.org/presentationml/2006/main">
-  <p:cSld>
-    <p:spTree>
-      <p:nvGrpSpPr>
-        <p:cNvPr id="1" name=""/>
-        <p:cNvGrpSpPr/>
-        <p:nvPr/>
-      </p:nvGrpSpPr>
-      <p:grpSpPr>
-        <a:xfrm>
-          <a:off x="0" y="0"/>
-          <a:ext cx="0" cy="0"/>
-          <a:chOff x="0" y="0"/>
-          <a:chExt cx="0" cy="0"/>
-        </a:xfrm>
-      </p:grpSpPr>
-      <p:sp>
-        <p:nvSpPr>
-          <p:cNvPr id="6146" name="Inhaltsplatzhalter 18">
-            <a:extLst>
-              <a:ext uri="{FF2B5EF4-FFF2-40B4-BE49-F238E27FC236}">
-                <a16:creationId xmlns:a16="http://schemas.microsoft.com/office/drawing/2014/main" id="{BE3C4C95-FD5D-27F0-ED0C-AB8113CAC9F1}"/>
-              </a:ext>
-            </a:extLst>
-          </p:cNvPr>
-          <p:cNvSpPr>
-            <a:spLocks noGrp="1"/>
-          </p:cNvSpPr>
-          <p:nvPr>
-            <p:ph idx="1"/>
-          </p:nvPr>
-        </p:nvSpPr>
-        <p:spPr>
-          <a:xfrm>
-            <a:off x="303214" y="981075"/>
-            <a:ext cx="8517258" cy="5400675"/>
-          </a:xfrm>
-        </p:spPr>
-        <p:txBody>
-          <a:bodyPr/>
-          <a:lstStyle/>
-          <a:p>
-            <a:pPr marL="0" indent="0">
-              <a:buNone/>
-            </a:pPr>
-            <a:r>
-              <a:rPr lang="de-DE" altLang="de-DE" b="1" dirty="0"/>
-              <a:t>Zentralisierter </a:t>
-            </a:r>
-            <a:r>
-              <a:rPr lang="de-DE" altLang="de-DE" b="1" dirty="0" err="1"/>
-              <a:t>Git</a:t>
-            </a:r>
-            <a:r>
-              <a:rPr lang="de-DE" altLang="de-DE" b="1" dirty="0"/>
-              <a:t>-Workflow</a:t>
-            </a:r>
-          </a:p>
-          <a:p>
-            <a:r>
-              <a:rPr lang="de-DE" altLang="de-DE" dirty="0"/>
-              <a:t>Gemeinsame Arbeit (auf einem Branch) erhöht Konfliktpotenzial</a:t>
-            </a:r>
-          </a:p>
-          <a:p>
-            <a:pPr lvl="1"/>
-            <a:r>
-              <a:rPr lang="de-DE" altLang="de-DE" dirty="0"/>
-              <a:t>Häufige Kommunikation nötig</a:t>
-            </a:r>
-          </a:p>
-          <a:p>
-            <a:pPr lvl="1"/>
-            <a:r>
-              <a:rPr lang="de-DE" altLang="de-DE" dirty="0"/>
-              <a:t>(</a:t>
-            </a:r>
-            <a:r>
-              <a:rPr lang="de-DE" altLang="de-DE" dirty="0" err="1"/>
-              <a:t>Merge</a:t>
-            </a:r>
-            <a:r>
-              <a:rPr lang="de-DE" altLang="de-DE" dirty="0"/>
-              <a:t>-)Konflikte sauber auflösen!</a:t>
-            </a:r>
-          </a:p>
-          <a:p>
-            <a:r>
-              <a:rPr lang="de-DE" altLang="de-DE" dirty="0"/>
-              <a:t>Weniger Flexibilität (als andere Workflows)</a:t>
-            </a:r>
-          </a:p>
-          <a:p>
-            <a:pPr lvl="1"/>
-            <a:r>
-              <a:rPr lang="de-DE" altLang="de-DE" dirty="0"/>
-              <a:t>Komplexere Projekte, andere Workflows?</a:t>
-            </a:r>
-          </a:p>
-          <a:p>
-            <a:r>
-              <a:rPr lang="de-DE" altLang="de-DE" dirty="0"/>
-              <a:t>Vorteilhaft in kleineren Teams und Projekten</a:t>
-            </a:r>
-          </a:p>
-          <a:p>
-            <a:pPr marL="0" indent="0">
-              <a:buNone/>
-            </a:pPr>
-            <a:endParaRPr lang="de-DE" altLang="de-DE" dirty="0"/>
-          </a:p>
-        </p:txBody>
-      </p:sp>
-      <p:sp>
-        <p:nvSpPr>
-          <p:cNvPr id="6147" name="Rectangle 1062">
-            <a:extLst>
-              <a:ext uri="{FF2B5EF4-FFF2-40B4-BE49-F238E27FC236}">
-                <a16:creationId xmlns:a16="http://schemas.microsoft.com/office/drawing/2014/main" id="{C46E9340-3256-8D55-A265-94F2F41E288E}"/>
-              </a:ext>
-            </a:extLst>
-          </p:cNvPr>
-          <p:cNvSpPr>
-            <a:spLocks noGrp="1" noChangeArrowheads="1"/>
-          </p:cNvSpPr>
-          <p:nvPr>
-            <p:ph type="title"/>
-          </p:nvPr>
-        </p:nvSpPr>
-        <p:spPr>
-          <a:xfrm>
-            <a:off x="285750" y="142875"/>
-            <a:ext cx="5654675" cy="706438"/>
-          </a:xfrm>
-        </p:spPr>
-        <p:txBody>
-          <a:bodyPr/>
-          <a:lstStyle/>
-          <a:p>
-            <a:r>
-              <a:rPr lang="de-DE" altLang="de-DE" sz="3200" dirty="0" err="1"/>
-              <a:t>Git</a:t>
-            </a:r>
-            <a:r>
-              <a:rPr lang="de-DE" altLang="de-DE" sz="3200" dirty="0"/>
-              <a:t>-Workflow</a:t>
-            </a:r>
-          </a:p>
-        </p:txBody>
-      </p:sp>
-    </p:spTree>
-    <p:extLst>
-      <p:ext uri="{BB962C8B-B14F-4D97-AF65-F5344CB8AC3E}">
-        <p14:creationId xmlns:p14="http://schemas.microsoft.com/office/powerpoint/2010/main" val="1341278311"/>
-      </p:ext>
-    </p:extLst>
-  </p:cSld>
-  <p:clrMapOvr>
-    <a:masterClrMapping/>
-  </p:clrMapOvr>
-</p:sld>
-</file>
-
-<file path=ppt/slides/slide12.xml><?xml version="1.0" encoding="utf-8"?>
+<file path=ppt/slides/slide10.xml><?xml version="1.0" encoding="utf-8"?>
 <p:sld xmlns:a="http://schemas.openxmlformats.org/drawingml/2006/main" xmlns:r="http://schemas.openxmlformats.org/officeDocument/2006/relationships" xmlns:p="http://schemas.openxmlformats.org/presentationml/2006/main">
   <p:cSld>
     <p:spTree>
@@ -7435,7 +5832,7 @@
 </p:sld>
 </file>
 
-<file path=ppt/slides/slide13.xml><?xml version="1.0" encoding="utf-8"?>
+<file path=ppt/slides/slide11.xml><?xml version="1.0" encoding="utf-8"?>
 <p:sld xmlns:a="http://schemas.openxmlformats.org/drawingml/2006/main" xmlns:r="http://schemas.openxmlformats.org/officeDocument/2006/relationships" xmlns:p="http://schemas.openxmlformats.org/presentationml/2006/main">
   <p:cSld>
     <p:spTree>
@@ -8634,7 +7031,7 @@
 </p:sld>
 </file>
 
-<file path=ppt/slides/slide14.xml><?xml version="1.0" encoding="utf-8"?>
+<file path=ppt/slides/slide12.xml><?xml version="1.0" encoding="utf-8"?>
 <p:sld xmlns:a="http://schemas.openxmlformats.org/drawingml/2006/main" xmlns:r="http://schemas.openxmlformats.org/officeDocument/2006/relationships" xmlns:p="http://schemas.openxmlformats.org/presentationml/2006/main">
   <p:cSld>
     <p:spTree>
@@ -10702,7 +9099,7 @@
 </p:sld>
 </file>
 
-<file path=ppt/slides/slide15.xml><?xml version="1.0" encoding="utf-8"?>
+<file path=ppt/slides/slide13.xml><?xml version="1.0" encoding="utf-8"?>
 <p:sld xmlns:a="http://schemas.openxmlformats.org/drawingml/2006/main" xmlns:r="http://schemas.openxmlformats.org/officeDocument/2006/relationships" xmlns:p="http://schemas.openxmlformats.org/presentationml/2006/main">
   <p:cSld>
     <p:spTree>
@@ -12974,7 +11371,7 @@
 </p:sld>
 </file>
 
-<file path=ppt/slides/slide16.xml><?xml version="1.0" encoding="utf-8"?>
+<file path=ppt/slides/slide14.xml><?xml version="1.0" encoding="utf-8"?>
 <p:sld xmlns:a="http://schemas.openxmlformats.org/drawingml/2006/main" xmlns:r="http://schemas.openxmlformats.org/officeDocument/2006/relationships" xmlns:p="http://schemas.openxmlformats.org/presentationml/2006/main">
   <p:cSld>
     <p:spTree>
@@ -15462,7 +13859,7 @@
 </p:sld>
 </file>
 
-<file path=ppt/slides/slide17.xml><?xml version="1.0" encoding="utf-8"?>
+<file path=ppt/slides/slide15.xml><?xml version="1.0" encoding="utf-8"?>
 <p:sld xmlns:a="http://schemas.openxmlformats.org/drawingml/2006/main" xmlns:r="http://schemas.openxmlformats.org/officeDocument/2006/relationships" xmlns:p="http://schemas.openxmlformats.org/presentationml/2006/main">
   <p:cSld>
     <p:spTree>
@@ -18249,7 +16646,7 @@
 </p:sld>
 </file>
 
-<file path=ppt/slides/slide18.xml><?xml version="1.0" encoding="utf-8"?>
+<file path=ppt/slides/slide16.xml><?xml version="1.0" encoding="utf-8"?>
 <p:sld xmlns:a="http://schemas.openxmlformats.org/drawingml/2006/main" xmlns:r="http://schemas.openxmlformats.org/officeDocument/2006/relationships" xmlns:p="http://schemas.openxmlformats.org/presentationml/2006/main">
   <p:cSld>
     <p:spTree>
@@ -21033,7 +19430,7 @@
 </p:sld>
 </file>
 
-<file path=ppt/slides/slide19.xml><?xml version="1.0" encoding="utf-8"?>
+<file path=ppt/slides/slide17.xml><?xml version="1.0" encoding="utf-8"?>
 <p:sld xmlns:a="http://schemas.openxmlformats.org/drawingml/2006/main" xmlns:r="http://schemas.openxmlformats.org/officeDocument/2006/relationships" xmlns:p="http://schemas.openxmlformats.org/presentationml/2006/main">
   <p:cSld>
     <p:spTree>
@@ -24093,413 +22490,7 @@
 </p:sld>
 </file>
 
-<file path=ppt/slides/slide2.xml><?xml version="1.0" encoding="utf-8"?>
-<p:sld xmlns:a="http://schemas.openxmlformats.org/drawingml/2006/main" xmlns:r="http://schemas.openxmlformats.org/officeDocument/2006/relationships" xmlns:p="http://schemas.openxmlformats.org/presentationml/2006/main">
-  <p:cSld>
-    <p:spTree>
-      <p:nvGrpSpPr>
-        <p:cNvPr id="1" name=""/>
-        <p:cNvGrpSpPr/>
-        <p:nvPr/>
-      </p:nvGrpSpPr>
-      <p:grpSpPr>
-        <a:xfrm>
-          <a:off x="0" y="0"/>
-          <a:ext cx="0" cy="0"/>
-          <a:chOff x="0" y="0"/>
-          <a:chExt cx="0" cy="0"/>
-        </a:xfrm>
-      </p:grpSpPr>
-      <p:sp>
-        <p:nvSpPr>
-          <p:cNvPr id="6146" name="Inhaltsplatzhalter 18">
-            <a:extLst>
-              <a:ext uri="{FF2B5EF4-FFF2-40B4-BE49-F238E27FC236}">
-                <a16:creationId xmlns:a16="http://schemas.microsoft.com/office/drawing/2014/main" id="{BE3C4C95-FD5D-27F0-ED0C-AB8113CAC9F1}"/>
-              </a:ext>
-            </a:extLst>
-          </p:cNvPr>
-          <p:cNvSpPr>
-            <a:spLocks noGrp="1"/>
-          </p:cNvSpPr>
-          <p:nvPr>
-            <p:ph idx="1"/>
-          </p:nvPr>
-        </p:nvSpPr>
-        <p:spPr/>
-        <p:txBody>
-          <a:bodyPr/>
-          <a:lstStyle/>
-          <a:p>
-            <a:pPr>
-              <a:buFont typeface="Arial" panose="020B0604020202020204" pitchFamily="34" charset="0"/>
-              <a:buChar char="•"/>
-            </a:pPr>
-            <a:r>
-              <a:rPr lang="de-DE" altLang="de-DE" sz="1800" b="1" dirty="0"/>
-              <a:t>Tag 1 – Einführung in </a:t>
-            </a:r>
-            <a:r>
-              <a:rPr lang="de-DE" altLang="de-DE" sz="1800" b="1" dirty="0" err="1"/>
-              <a:t>Git</a:t>
-            </a:r>
-            <a:r>
-              <a:rPr lang="de-DE" altLang="de-DE" sz="1800" b="1" dirty="0"/>
-              <a:t> und </a:t>
-            </a:r>
-            <a:r>
-              <a:rPr lang="de-DE" altLang="de-DE" sz="1800" b="1" dirty="0" err="1"/>
-              <a:t>GitLab</a:t>
-            </a:r>
-            <a:endParaRPr lang="de-DE" altLang="de-DE" sz="1800" b="1" dirty="0"/>
-          </a:p>
-          <a:p>
-            <a:pPr lvl="1">
-              <a:buFont typeface="Arial" panose="020B0604020202020204" pitchFamily="34" charset="0"/>
-              <a:buChar char="•"/>
-            </a:pPr>
-            <a:r>
-              <a:rPr lang="de-DE" altLang="de-DE" sz="1400" dirty="0"/>
-              <a:t>Einführung &amp; Kursüberblick</a:t>
-            </a:r>
-          </a:p>
-          <a:p>
-            <a:pPr lvl="1">
-              <a:buFont typeface="Arial" panose="020B0604020202020204" pitchFamily="34" charset="0"/>
-              <a:buChar char="•"/>
-            </a:pPr>
-            <a:r>
-              <a:rPr lang="de-DE" altLang="de-DE" sz="1400" dirty="0"/>
-              <a:t>Grundlagen von </a:t>
-            </a:r>
-            <a:r>
-              <a:rPr lang="de-DE" altLang="de-DE" sz="1400" dirty="0" err="1"/>
-              <a:t>Git</a:t>
-            </a:r>
-            <a:endParaRPr lang="de-DE" altLang="de-DE" sz="1400" dirty="0"/>
-          </a:p>
-          <a:p>
-            <a:pPr lvl="1">
-              <a:buFont typeface="Arial" panose="020B0604020202020204" pitchFamily="34" charset="0"/>
-              <a:buChar char="•"/>
-            </a:pPr>
-            <a:r>
-              <a:rPr lang="de-DE" altLang="de-DE" sz="1400" dirty="0" err="1"/>
-              <a:t>Git</a:t>
-            </a:r>
-            <a:r>
-              <a:rPr lang="de-DE" altLang="de-DE" sz="1400" dirty="0"/>
-              <a:t> </a:t>
-            </a:r>
-            <a:r>
-              <a:rPr lang="de-DE" altLang="de-DE" sz="1400" dirty="0" err="1"/>
-              <a:t>Rebase</a:t>
-            </a:r>
-            <a:r>
-              <a:rPr lang="de-DE" altLang="de-DE" sz="1400" dirty="0"/>
-              <a:t> und </a:t>
-            </a:r>
-            <a:r>
-              <a:rPr lang="de-DE" altLang="de-DE" sz="1400" dirty="0" err="1"/>
-              <a:t>Merge</a:t>
-            </a:r>
-            <a:r>
-              <a:rPr lang="de-DE" altLang="de-DE" sz="1400" dirty="0"/>
-              <a:t>-Strategien</a:t>
-            </a:r>
-          </a:p>
-          <a:p>
-            <a:pPr lvl="1">
-              <a:buFont typeface="Arial" panose="020B0604020202020204" pitchFamily="34" charset="0"/>
-              <a:buChar char="•"/>
-            </a:pPr>
-            <a:r>
-              <a:rPr lang="de-DE" altLang="de-DE" sz="1400" dirty="0" err="1"/>
-              <a:t>Git</a:t>
-            </a:r>
-            <a:r>
-              <a:rPr lang="de-DE" altLang="de-DE" sz="1400" dirty="0"/>
-              <a:t> Remote</a:t>
-            </a:r>
-          </a:p>
-          <a:p>
-            <a:pPr lvl="1">
-              <a:buFont typeface="Arial" panose="020B0604020202020204" pitchFamily="34" charset="0"/>
-              <a:buChar char="•"/>
-            </a:pPr>
-            <a:r>
-              <a:rPr lang="de-DE" altLang="de-DE" sz="1400" dirty="0"/>
-              <a:t>Grundlagen von </a:t>
-            </a:r>
-            <a:r>
-              <a:rPr lang="de-DE" altLang="de-DE" sz="1400" dirty="0" err="1"/>
-              <a:t>GitLab</a:t>
-            </a:r>
-            <a:endParaRPr lang="de-DE" altLang="de-DE" sz="1400" dirty="0"/>
-          </a:p>
-          <a:p>
-            <a:pPr>
-              <a:buFont typeface="Arial" panose="020B0604020202020204" pitchFamily="34" charset="0"/>
-              <a:buChar char="•"/>
-            </a:pPr>
-            <a:r>
-              <a:rPr lang="de-DE" altLang="de-DE" sz="1800" b="1" dirty="0"/>
-              <a:t>Tag 2 – </a:t>
-            </a:r>
-            <a:r>
-              <a:rPr lang="de-DE" altLang="de-DE" sz="1800" b="1" dirty="0" err="1"/>
-              <a:t>Git</a:t>
-            </a:r>
-            <a:r>
-              <a:rPr lang="de-DE" altLang="de-DE" sz="1800" b="1" dirty="0"/>
-              <a:t>-Workflows, CI/CD, </a:t>
-            </a:r>
-            <a:r>
-              <a:rPr lang="de-DE" altLang="de-DE" sz="1800" b="1" dirty="0" err="1"/>
-              <a:t>GitLab</a:t>
-            </a:r>
-            <a:r>
-              <a:rPr lang="de-DE" altLang="de-DE" sz="1800" b="1" dirty="0"/>
-              <a:t> CI </a:t>
-            </a:r>
-          </a:p>
-          <a:p>
-            <a:pPr lvl="1">
-              <a:buFont typeface="Arial" panose="020B0604020202020204" pitchFamily="34" charset="0"/>
-              <a:buChar char="•"/>
-            </a:pPr>
-            <a:r>
-              <a:rPr lang="de-DE" altLang="de-DE" sz="1400" dirty="0" err="1"/>
-              <a:t>Git</a:t>
-            </a:r>
-            <a:r>
-              <a:rPr lang="de-DE" altLang="de-DE" sz="1400" dirty="0"/>
-              <a:t>-Workflow im Team</a:t>
-            </a:r>
-          </a:p>
-          <a:p>
-            <a:pPr lvl="1">
-              <a:buFont typeface="Arial" panose="020B0604020202020204" pitchFamily="34" charset="0"/>
-              <a:buChar char="•"/>
-            </a:pPr>
-            <a:r>
-              <a:rPr lang="de-DE" altLang="de-DE" sz="1400" dirty="0" err="1"/>
-              <a:t>Gitflow</a:t>
-            </a:r>
-            <a:r>
-              <a:rPr lang="de-DE" altLang="de-DE" sz="1400" dirty="0"/>
-              <a:t>-Workflow</a:t>
-            </a:r>
-          </a:p>
-          <a:p>
-            <a:pPr lvl="1">
-              <a:buFont typeface="Arial" panose="020B0604020202020204" pitchFamily="34" charset="0"/>
-              <a:buChar char="•"/>
-            </a:pPr>
-            <a:r>
-              <a:rPr lang="de-DE" altLang="de-DE" sz="1400" dirty="0"/>
-              <a:t>Tags, Releases &amp; deren Verwaltung</a:t>
-            </a:r>
-          </a:p>
-          <a:p>
-            <a:pPr lvl="1">
-              <a:buFont typeface="Arial" panose="020B0604020202020204" pitchFamily="34" charset="0"/>
-              <a:buChar char="•"/>
-            </a:pPr>
-            <a:r>
-              <a:rPr lang="de-DE" altLang="de-DE" sz="1400" dirty="0"/>
-              <a:t>Einführung in </a:t>
-            </a:r>
-            <a:r>
-              <a:rPr lang="de-DE" altLang="de-DE" sz="1400" dirty="0" err="1"/>
-              <a:t>GitLab</a:t>
-            </a:r>
-            <a:r>
-              <a:rPr lang="de-DE" altLang="de-DE" sz="1400" dirty="0"/>
-              <a:t> CI/CD &amp; </a:t>
-            </a:r>
-            <a:r>
-              <a:rPr lang="de-DE" altLang="de-DE" sz="1400" dirty="0" err="1"/>
-              <a:t>gitlab-ci.yml</a:t>
-            </a:r>
-            <a:endParaRPr lang="de-DE" altLang="de-DE" sz="1400" dirty="0"/>
-          </a:p>
-          <a:p>
-            <a:pPr lvl="1">
-              <a:buFont typeface="Arial" panose="020B0604020202020204" pitchFamily="34" charset="0"/>
-              <a:buChar char="•"/>
-            </a:pPr>
-            <a:r>
-              <a:rPr lang="de-DE" altLang="de-DE" sz="1400" dirty="0" err="1"/>
-              <a:t>GitLab</a:t>
-            </a:r>
-            <a:r>
-              <a:rPr lang="de-DE" altLang="de-DE" sz="1400" dirty="0"/>
-              <a:t> Runner</a:t>
-            </a:r>
-          </a:p>
-          <a:p>
-            <a:pPr>
-              <a:buFont typeface="Arial" panose="020B0604020202020204" pitchFamily="34" charset="0"/>
-              <a:buChar char="•"/>
-            </a:pPr>
-            <a:r>
-              <a:rPr lang="de-DE" altLang="de-DE" sz="1800" b="1" dirty="0"/>
-              <a:t>Tag 3 – Docker, </a:t>
-            </a:r>
-            <a:r>
-              <a:rPr lang="de-DE" altLang="de-DE" sz="1800" b="1" dirty="0" err="1"/>
-              <a:t>GitOps</a:t>
-            </a:r>
-            <a:r>
-              <a:rPr lang="de-DE" altLang="de-DE" sz="1800" b="1" dirty="0"/>
-              <a:t>, </a:t>
-            </a:r>
-            <a:r>
-              <a:rPr lang="de-DE" altLang="de-DE" sz="1800" b="1" dirty="0" err="1"/>
-              <a:t>Deployment</a:t>
-            </a:r>
-            <a:r>
-              <a:rPr lang="de-DE" altLang="de-DE" sz="1800" b="1" dirty="0"/>
-              <a:t>-Strategien</a:t>
-            </a:r>
-          </a:p>
-          <a:p>
-            <a:pPr lvl="1">
-              <a:buFont typeface="Arial" panose="020B0604020202020204" pitchFamily="34" charset="0"/>
-              <a:buChar char="•"/>
-            </a:pPr>
-            <a:r>
-              <a:rPr lang="de-DE" altLang="de-DE" sz="1400" dirty="0"/>
-              <a:t>Entwicklung mit Docker</a:t>
-            </a:r>
-          </a:p>
-          <a:p>
-            <a:pPr lvl="1">
-              <a:buFont typeface="Arial" panose="020B0604020202020204" pitchFamily="34" charset="0"/>
-              <a:buChar char="•"/>
-            </a:pPr>
-            <a:r>
-              <a:rPr lang="de-DE" altLang="de-DE" sz="1400" dirty="0"/>
-              <a:t>Container/Docker-Registry</a:t>
-            </a:r>
-          </a:p>
-          <a:p>
-            <a:pPr lvl="1">
-              <a:buFont typeface="Arial" panose="020B0604020202020204" pitchFamily="34" charset="0"/>
-              <a:buChar char="•"/>
-            </a:pPr>
-            <a:r>
-              <a:rPr lang="de-DE" altLang="de-DE" sz="1400" dirty="0"/>
-              <a:t>Erstellen von Release- und </a:t>
-            </a:r>
-            <a:r>
-              <a:rPr lang="de-DE" altLang="de-DE" sz="1400" dirty="0" err="1"/>
-              <a:t>Tagged</a:t>
-            </a:r>
-            <a:r>
-              <a:rPr lang="de-DE" altLang="de-DE" sz="1400" dirty="0"/>
-              <a:t>-Images</a:t>
-            </a:r>
-          </a:p>
-          <a:p>
-            <a:pPr lvl="1">
-              <a:buFont typeface="Arial" panose="020B0604020202020204" pitchFamily="34" charset="0"/>
-              <a:buChar char="•"/>
-            </a:pPr>
-            <a:r>
-              <a:rPr lang="de-DE" altLang="de-DE" sz="1400" dirty="0" err="1"/>
-              <a:t>GitOps</a:t>
-            </a:r>
-            <a:r>
-              <a:rPr lang="de-DE" altLang="de-DE" sz="1400" dirty="0"/>
-              <a:t> Grundlagen</a:t>
-            </a:r>
-          </a:p>
-          <a:p>
-            <a:pPr lvl="1">
-              <a:buFont typeface="Arial" panose="020B0604020202020204" pitchFamily="34" charset="0"/>
-              <a:buChar char="•"/>
-            </a:pPr>
-            <a:r>
-              <a:rPr lang="de-DE" altLang="de-DE" sz="1400" dirty="0"/>
-              <a:t>Möglichkeiten des </a:t>
-            </a:r>
-            <a:r>
-              <a:rPr lang="de-DE" altLang="de-DE" sz="1400" dirty="0" err="1"/>
-              <a:t>Deployments</a:t>
-            </a:r>
-            <a:r>
-              <a:rPr lang="de-DE" altLang="de-DE" sz="1400" dirty="0"/>
-              <a:t> &amp; Verwaltung von Konfiguration</a:t>
-            </a:r>
-          </a:p>
-          <a:p>
-            <a:pPr lvl="1">
-              <a:buFont typeface="Arial" panose="020B0604020202020204" pitchFamily="34" charset="0"/>
-              <a:buChar char="•"/>
-            </a:pPr>
-            <a:r>
-              <a:rPr lang="de-DE" altLang="de-DE" sz="1400" dirty="0"/>
-              <a:t>Abschlussübung &amp; Diskussion</a:t>
-            </a:r>
-          </a:p>
-          <a:p>
-            <a:pPr lvl="1">
-              <a:buFont typeface="Arial" panose="020B0604020202020204" pitchFamily="34" charset="0"/>
-              <a:buChar char="•"/>
-            </a:pPr>
-            <a:endParaRPr lang="de-DE" altLang="de-DE" sz="1400" dirty="0"/>
-          </a:p>
-        </p:txBody>
-      </p:sp>
-      <p:sp>
-        <p:nvSpPr>
-          <p:cNvPr id="6147" name="Rectangle 1062">
-            <a:extLst>
-              <a:ext uri="{FF2B5EF4-FFF2-40B4-BE49-F238E27FC236}">
-                <a16:creationId xmlns:a16="http://schemas.microsoft.com/office/drawing/2014/main" id="{C46E9340-3256-8D55-A265-94F2F41E288E}"/>
-              </a:ext>
-            </a:extLst>
-          </p:cNvPr>
-          <p:cNvSpPr>
-            <a:spLocks noGrp="1" noChangeArrowheads="1"/>
-          </p:cNvSpPr>
-          <p:nvPr>
-            <p:ph type="title"/>
-          </p:nvPr>
-        </p:nvSpPr>
-        <p:spPr>
-          <a:xfrm>
-            <a:off x="285750" y="142875"/>
-            <a:ext cx="5654675" cy="706438"/>
-          </a:xfrm>
-        </p:spPr>
-        <p:txBody>
-          <a:bodyPr/>
-          <a:lstStyle/>
-          <a:p>
-            <a:r>
-              <a:rPr lang="de-DE" altLang="de-DE" dirty="0"/>
-              <a:t>Agenda</a:t>
-            </a:r>
-          </a:p>
-        </p:txBody>
-      </p:sp>
-    </p:spTree>
-    <p:extLst>
-      <p:ext uri="{BB962C8B-B14F-4D97-AF65-F5344CB8AC3E}">
-        <p14:creationId xmlns:p14="http://schemas.microsoft.com/office/powerpoint/2010/main" val="3781715788"/>
-      </p:ext>
-    </p:extLst>
-  </p:cSld>
-  <p:clrMapOvr>
-    <a:masterClrMapping/>
-  </p:clrMapOvr>
-</p:sld>
-</file>
-
-<file path=ppt/slides/slide20.xml><?xml version="1.0" encoding="utf-8"?>
+<file path=ppt/slides/slide18.xml><?xml version="1.0" encoding="utf-8"?>
 <p:sld xmlns:a="http://schemas.openxmlformats.org/drawingml/2006/main" xmlns:r="http://schemas.openxmlformats.org/officeDocument/2006/relationships" xmlns:p="http://schemas.openxmlformats.org/presentationml/2006/main">
   <p:cSld>
     <p:spTree>
@@ -27500,7 +25491,7 @@
 </p:sld>
 </file>
 
-<file path=ppt/slides/slide21.xml><?xml version="1.0" encoding="utf-8"?>
+<file path=ppt/slides/slide19.xml><?xml version="1.0" encoding="utf-8"?>
 <p:sld xmlns:a="http://schemas.openxmlformats.org/drawingml/2006/main" xmlns:r="http://schemas.openxmlformats.org/officeDocument/2006/relationships" xmlns:p="http://schemas.openxmlformats.org/presentationml/2006/main">
   <p:cSld>
     <p:spTree>
@@ -30420,7 +28411,82 @@
 </p:sld>
 </file>
 
-<file path=ppt/slides/slide22.xml><?xml version="1.0" encoding="utf-8"?>
+<file path=ppt/slides/slide2.xml><?xml version="1.0" encoding="utf-8"?>
+<p:sld xmlns:a="http://schemas.openxmlformats.org/drawingml/2006/main" xmlns:r="http://schemas.openxmlformats.org/officeDocument/2006/relationships" xmlns:p="http://schemas.openxmlformats.org/presentationml/2006/main">
+  <p:cSld>
+    <p:spTree>
+      <p:nvGrpSpPr>
+        <p:cNvPr id="1" name=""/>
+        <p:cNvGrpSpPr/>
+        <p:nvPr/>
+      </p:nvGrpSpPr>
+      <p:grpSpPr>
+        <a:xfrm>
+          <a:off x="0" y="0"/>
+          <a:ext cx="0" cy="0"/>
+          <a:chOff x="0" y="0"/>
+          <a:chExt cx="0" cy="0"/>
+        </a:xfrm>
+      </p:grpSpPr>
+      <p:sp>
+        <p:nvSpPr>
+          <p:cNvPr id="2" name="Titel 1"/>
+          <p:cNvSpPr>
+            <a:spLocks noGrp="1"/>
+          </p:cNvSpPr>
+          <p:nvPr>
+            <p:ph type="title"/>
+          </p:nvPr>
+        </p:nvSpPr>
+        <p:spPr/>
+        <p:txBody>
+          <a:bodyPr/>
+          <a:lstStyle/>
+          <a:p>
+            <a:r>
+              <a:rPr lang="de-DE" cap="none" dirty="0"/>
+              <a:t>Workflows</a:t>
+            </a:r>
+          </a:p>
+        </p:txBody>
+      </p:sp>
+      <p:sp>
+        <p:nvSpPr>
+          <p:cNvPr id="3" name="Untertitel 2"/>
+          <p:cNvSpPr>
+            <a:spLocks noGrp="1"/>
+          </p:cNvSpPr>
+          <p:nvPr>
+            <p:ph type="body" idx="1"/>
+          </p:nvPr>
+        </p:nvSpPr>
+        <p:spPr/>
+        <p:txBody>
+          <a:bodyPr/>
+          <a:lstStyle/>
+          <a:p>
+            <a:r>
+              <a:rPr lang="de-DE" dirty="0" err="1"/>
+              <a:t>Git</a:t>
+            </a:r>
+            <a:endParaRPr lang="de-DE" dirty="0"/>
+          </a:p>
+        </p:txBody>
+      </p:sp>
+    </p:spTree>
+    <p:extLst>
+      <p:ext uri="{BB962C8B-B14F-4D97-AF65-F5344CB8AC3E}">
+        <p14:creationId xmlns:p14="http://schemas.microsoft.com/office/powerpoint/2010/main" val="3092047359"/>
+      </p:ext>
+    </p:extLst>
+  </p:cSld>
+  <p:clrMapOvr>
+    <a:masterClrMapping/>
+  </p:clrMapOvr>
+</p:sld>
+</file>
+
+<file path=ppt/slides/slide20.xml><?xml version="1.0" encoding="utf-8"?>
 <p:sld xmlns:a="http://schemas.openxmlformats.org/drawingml/2006/main" xmlns:r="http://schemas.openxmlformats.org/officeDocument/2006/relationships" xmlns:p="http://schemas.openxmlformats.org/presentationml/2006/main">
   <p:cSld>
     <p:spTree>
@@ -33524,7 +31590,7 @@
 </p:sld>
 </file>
 
-<file path=ppt/slides/slide23.xml><?xml version="1.0" encoding="utf-8"?>
+<file path=ppt/slides/slide21.xml><?xml version="1.0" encoding="utf-8"?>
 <p:sld xmlns:a="http://schemas.openxmlformats.org/drawingml/2006/main" xmlns:r="http://schemas.openxmlformats.org/officeDocument/2006/relationships" xmlns:p="http://schemas.openxmlformats.org/presentationml/2006/main">
   <p:cSld>
     <p:spTree>
@@ -36837,7 +34903,7 @@
 </p:sld>
 </file>
 
-<file path=ppt/slides/slide24.xml><?xml version="1.0" encoding="utf-8"?>
+<file path=ppt/slides/slide22.xml><?xml version="1.0" encoding="utf-8"?>
 <p:sld xmlns:a="http://schemas.openxmlformats.org/drawingml/2006/main" xmlns:r="http://schemas.openxmlformats.org/officeDocument/2006/relationships" xmlns:p="http://schemas.openxmlformats.org/presentationml/2006/main">
   <p:cSld>
     <p:spTree>
@@ -37028,7 +35094,7 @@
 </p:sld>
 </file>
 
-<file path=ppt/slides/slide25.xml><?xml version="1.0" encoding="utf-8"?>
+<file path=ppt/slides/slide23.xml><?xml version="1.0" encoding="utf-8"?>
 <p:sld xmlns:a="http://schemas.openxmlformats.org/drawingml/2006/main" xmlns:r="http://schemas.openxmlformats.org/officeDocument/2006/relationships" xmlns:p="http://schemas.openxmlformats.org/presentationml/2006/main">
   <p:cSld>
     <p:spTree>
@@ -37108,7 +35174,7 @@
 </p:sld>
 </file>
 
-<file path=ppt/slides/slide26.xml><?xml version="1.0" encoding="utf-8"?>
+<file path=ppt/slides/slide24.xml><?xml version="1.0" encoding="utf-8"?>
 <p:sld xmlns:a="http://schemas.openxmlformats.org/drawingml/2006/main" xmlns:r="http://schemas.openxmlformats.org/officeDocument/2006/relationships" xmlns:p="http://schemas.openxmlformats.org/presentationml/2006/main">
   <p:cSld>
     <p:spTree>
@@ -37354,353 +35420,10 @@
       </p:grpSpPr>
       <p:sp>
         <p:nvSpPr>
-          <p:cNvPr id="6146" name="Inhaltsplatzhalter 18">
-            <a:extLst>
-              <a:ext uri="{FF2B5EF4-FFF2-40B4-BE49-F238E27FC236}">
-                <a16:creationId xmlns:a16="http://schemas.microsoft.com/office/drawing/2014/main" id="{BE3C4C95-FD5D-27F0-ED0C-AB8113CAC9F1}"/>
-              </a:ext>
-            </a:extLst>
-          </p:cNvPr>
-          <p:cNvSpPr>
-            <a:spLocks noGrp="1"/>
-          </p:cNvSpPr>
-          <p:nvPr>
-            <p:ph idx="1"/>
-          </p:nvPr>
-        </p:nvSpPr>
-        <p:spPr/>
-        <p:txBody>
-          <a:bodyPr/>
-          <a:lstStyle/>
-          <a:p>
-            <a:pPr>
-              <a:buFont typeface="Arial" panose="020B0604020202020204" pitchFamily="34" charset="0"/>
-              <a:buChar char="•"/>
-            </a:pPr>
-            <a:r>
-              <a:rPr lang="de-DE" altLang="de-DE" sz="1800" b="1" dirty="0"/>
-              <a:t>Tag 1 – Einführung in </a:t>
-            </a:r>
-            <a:r>
-              <a:rPr lang="de-DE" altLang="de-DE" sz="1800" b="1" dirty="0" err="1"/>
-              <a:t>Git</a:t>
-            </a:r>
-            <a:r>
-              <a:rPr lang="de-DE" altLang="de-DE" sz="1800" b="1" dirty="0"/>
-              <a:t> und </a:t>
-            </a:r>
-            <a:r>
-              <a:rPr lang="de-DE" altLang="de-DE" sz="1800" b="1" dirty="0" err="1"/>
-              <a:t>GitLab</a:t>
-            </a:r>
-            <a:endParaRPr lang="de-DE" altLang="de-DE" sz="1800" b="1" dirty="0"/>
-          </a:p>
-          <a:p>
-            <a:pPr lvl="1">
-              <a:buFont typeface="Arial" panose="020B0604020202020204" pitchFamily="34" charset="0"/>
-              <a:buChar char="•"/>
-            </a:pPr>
-            <a:r>
-              <a:rPr lang="de-DE" altLang="de-DE" sz="1400" dirty="0"/>
-              <a:t>Einführung &amp; Kursüberblick</a:t>
-            </a:r>
-          </a:p>
-          <a:p>
-            <a:pPr lvl="1">
-              <a:buFont typeface="Arial" panose="020B0604020202020204" pitchFamily="34" charset="0"/>
-              <a:buChar char="•"/>
-            </a:pPr>
-            <a:r>
-              <a:rPr lang="de-DE" altLang="de-DE" sz="1400" dirty="0"/>
-              <a:t>Grundlagen von </a:t>
-            </a:r>
-            <a:r>
-              <a:rPr lang="de-DE" altLang="de-DE" sz="1400" dirty="0" err="1"/>
-              <a:t>Git</a:t>
-            </a:r>
-            <a:endParaRPr lang="de-DE" altLang="de-DE" sz="1400" dirty="0"/>
-          </a:p>
-          <a:p>
-            <a:pPr lvl="1">
-              <a:buFont typeface="Arial" panose="020B0604020202020204" pitchFamily="34" charset="0"/>
-              <a:buChar char="•"/>
-            </a:pPr>
-            <a:r>
-              <a:rPr lang="de-DE" altLang="de-DE" sz="1400" dirty="0" err="1"/>
-              <a:t>Git</a:t>
-            </a:r>
-            <a:r>
-              <a:rPr lang="de-DE" altLang="de-DE" sz="1400" dirty="0"/>
-              <a:t> </a:t>
-            </a:r>
-            <a:r>
-              <a:rPr lang="de-DE" altLang="de-DE" sz="1400" dirty="0" err="1"/>
-              <a:t>Rebase</a:t>
-            </a:r>
-            <a:r>
-              <a:rPr lang="de-DE" altLang="de-DE" sz="1400" dirty="0"/>
-              <a:t> und </a:t>
-            </a:r>
-            <a:r>
-              <a:rPr lang="de-DE" altLang="de-DE" sz="1400" dirty="0" err="1"/>
-              <a:t>Merge</a:t>
-            </a:r>
-            <a:r>
-              <a:rPr lang="de-DE" altLang="de-DE" sz="1400" dirty="0"/>
-              <a:t>-Strategien</a:t>
-            </a:r>
-          </a:p>
-          <a:p>
-            <a:pPr lvl="1">
-              <a:buFont typeface="Arial" panose="020B0604020202020204" pitchFamily="34" charset="0"/>
-              <a:buChar char="•"/>
-            </a:pPr>
-            <a:r>
-              <a:rPr lang="de-DE" altLang="de-DE" sz="1400" dirty="0" err="1"/>
-              <a:t>Git</a:t>
-            </a:r>
-            <a:r>
-              <a:rPr lang="de-DE" altLang="de-DE" sz="1400" dirty="0"/>
-              <a:t> Remote</a:t>
-            </a:r>
-          </a:p>
-          <a:p>
-            <a:pPr lvl="1">
-              <a:buFont typeface="Arial" panose="020B0604020202020204" pitchFamily="34" charset="0"/>
-              <a:buChar char="•"/>
-            </a:pPr>
-            <a:r>
-              <a:rPr lang="de-DE" altLang="de-DE" sz="1400" dirty="0"/>
-              <a:t>Grundlagen von </a:t>
-            </a:r>
-            <a:r>
-              <a:rPr lang="de-DE" altLang="de-DE" sz="1400" dirty="0" err="1"/>
-              <a:t>GitLab</a:t>
-            </a:r>
-            <a:endParaRPr lang="de-DE" altLang="de-DE" sz="1400" dirty="0"/>
-          </a:p>
-          <a:p>
-            <a:pPr>
-              <a:buFont typeface="Arial" panose="020B0604020202020204" pitchFamily="34" charset="0"/>
-              <a:buChar char="•"/>
-            </a:pPr>
-            <a:r>
-              <a:rPr lang="de-DE" altLang="de-DE" sz="1800" b="1" dirty="0"/>
-              <a:t>Tag 2 – </a:t>
-            </a:r>
-            <a:r>
-              <a:rPr lang="de-DE" altLang="de-DE" sz="1800" b="1" dirty="0" err="1"/>
-              <a:t>Git</a:t>
-            </a:r>
-            <a:r>
-              <a:rPr lang="de-DE" altLang="de-DE" sz="1800" b="1" dirty="0"/>
-              <a:t>-Workflows, CI/CD, </a:t>
-            </a:r>
-            <a:r>
-              <a:rPr lang="de-DE" altLang="de-DE" sz="1800" b="1" dirty="0" err="1"/>
-              <a:t>GitLab</a:t>
-            </a:r>
-            <a:r>
-              <a:rPr lang="de-DE" altLang="de-DE" sz="1800" b="1" dirty="0"/>
-              <a:t> CI </a:t>
-            </a:r>
-          </a:p>
-          <a:p>
-            <a:pPr lvl="1">
-              <a:buFont typeface="Arial" panose="020B0604020202020204" pitchFamily="34" charset="0"/>
-              <a:buChar char="•"/>
-            </a:pPr>
-            <a:r>
-              <a:rPr lang="de-DE" altLang="de-DE" sz="1400" u="sng" dirty="0" err="1"/>
-              <a:t>Git</a:t>
-            </a:r>
-            <a:r>
-              <a:rPr lang="de-DE" altLang="de-DE" sz="1400" u="sng" dirty="0"/>
-              <a:t>-Workflow im Team</a:t>
-            </a:r>
-          </a:p>
-          <a:p>
-            <a:pPr lvl="1">
-              <a:buFont typeface="Arial" panose="020B0604020202020204" pitchFamily="34" charset="0"/>
-              <a:buChar char="•"/>
-            </a:pPr>
-            <a:r>
-              <a:rPr lang="de-DE" altLang="de-DE" sz="1400" dirty="0" err="1"/>
-              <a:t>Gitflow</a:t>
-            </a:r>
-            <a:r>
-              <a:rPr lang="de-DE" altLang="de-DE" sz="1400" dirty="0"/>
-              <a:t>-Workflow</a:t>
-            </a:r>
-          </a:p>
-          <a:p>
-            <a:pPr lvl="1">
-              <a:buFont typeface="Arial" panose="020B0604020202020204" pitchFamily="34" charset="0"/>
-              <a:buChar char="•"/>
-            </a:pPr>
-            <a:r>
-              <a:rPr lang="de-DE" altLang="de-DE" sz="1400" dirty="0"/>
-              <a:t>Tags, Releases &amp; deren Verwaltung</a:t>
-            </a:r>
-          </a:p>
-          <a:p>
-            <a:pPr lvl="1">
-              <a:buFont typeface="Arial" panose="020B0604020202020204" pitchFamily="34" charset="0"/>
-              <a:buChar char="•"/>
-            </a:pPr>
-            <a:r>
-              <a:rPr lang="de-DE" altLang="de-DE" sz="1400" dirty="0"/>
-              <a:t>Einführung in </a:t>
-            </a:r>
-            <a:r>
-              <a:rPr lang="de-DE" altLang="de-DE" sz="1400" dirty="0" err="1"/>
-              <a:t>GitLab</a:t>
-            </a:r>
-            <a:r>
-              <a:rPr lang="de-DE" altLang="de-DE" sz="1400" dirty="0"/>
-              <a:t> CI/CD &amp; </a:t>
-            </a:r>
-            <a:r>
-              <a:rPr lang="de-DE" altLang="de-DE" sz="1400" dirty="0" err="1"/>
-              <a:t>gitlab-ci.yml</a:t>
-            </a:r>
-            <a:endParaRPr lang="de-DE" altLang="de-DE" sz="1400" dirty="0"/>
-          </a:p>
-          <a:p>
-            <a:pPr lvl="1">
-              <a:buFont typeface="Arial" panose="020B0604020202020204" pitchFamily="34" charset="0"/>
-              <a:buChar char="•"/>
-            </a:pPr>
-            <a:r>
-              <a:rPr lang="de-DE" altLang="de-DE" sz="1400" dirty="0" err="1"/>
-              <a:t>GitLab</a:t>
-            </a:r>
-            <a:r>
-              <a:rPr lang="de-DE" altLang="de-DE" sz="1400" dirty="0"/>
-              <a:t> Runner</a:t>
-            </a:r>
-          </a:p>
-          <a:p>
-            <a:pPr>
-              <a:buFont typeface="Arial" panose="020B0604020202020204" pitchFamily="34" charset="0"/>
-              <a:buChar char="•"/>
-            </a:pPr>
-            <a:r>
-              <a:rPr lang="de-DE" altLang="de-DE" sz="1800" b="1" dirty="0"/>
-              <a:t>Tag 3 – Docker, </a:t>
-            </a:r>
-            <a:r>
-              <a:rPr lang="de-DE" altLang="de-DE" sz="1800" b="1" dirty="0" err="1"/>
-              <a:t>GitOps</a:t>
-            </a:r>
-            <a:r>
-              <a:rPr lang="de-DE" altLang="de-DE" sz="1800" b="1" dirty="0"/>
-              <a:t>, </a:t>
-            </a:r>
-            <a:r>
-              <a:rPr lang="de-DE" altLang="de-DE" sz="1800" b="1" dirty="0" err="1"/>
-              <a:t>Deployment</a:t>
-            </a:r>
-            <a:r>
-              <a:rPr lang="de-DE" altLang="de-DE" sz="1800" b="1" dirty="0"/>
-              <a:t>-Strategien</a:t>
-            </a:r>
-          </a:p>
-          <a:p>
-            <a:pPr lvl="1">
-              <a:buFont typeface="Arial" panose="020B0604020202020204" pitchFamily="34" charset="0"/>
-              <a:buChar char="•"/>
-            </a:pPr>
-            <a:r>
-              <a:rPr lang="de-DE" altLang="de-DE" sz="1400" dirty="0"/>
-              <a:t>Entwicklung mit Docker</a:t>
-            </a:r>
-          </a:p>
-          <a:p>
-            <a:pPr lvl="1">
-              <a:buFont typeface="Arial" panose="020B0604020202020204" pitchFamily="34" charset="0"/>
-              <a:buChar char="•"/>
-            </a:pPr>
-            <a:r>
-              <a:rPr lang="de-DE" altLang="de-DE" sz="1400" dirty="0"/>
-              <a:t>Container/Docker-Registry</a:t>
-            </a:r>
-          </a:p>
-          <a:p>
-            <a:pPr lvl="1">
-              <a:buFont typeface="Arial" panose="020B0604020202020204" pitchFamily="34" charset="0"/>
-              <a:buChar char="•"/>
-            </a:pPr>
-            <a:r>
-              <a:rPr lang="de-DE" altLang="de-DE" sz="1400" dirty="0"/>
-              <a:t>Erstellen von Release- und </a:t>
-            </a:r>
-            <a:r>
-              <a:rPr lang="de-DE" altLang="de-DE" sz="1400" dirty="0" err="1"/>
-              <a:t>Tagged</a:t>
-            </a:r>
-            <a:r>
-              <a:rPr lang="de-DE" altLang="de-DE" sz="1400" dirty="0"/>
-              <a:t>-Images</a:t>
-            </a:r>
-          </a:p>
-          <a:p>
-            <a:pPr lvl="1">
-              <a:buFont typeface="Arial" panose="020B0604020202020204" pitchFamily="34" charset="0"/>
-              <a:buChar char="•"/>
-            </a:pPr>
-            <a:r>
-              <a:rPr lang="de-DE" altLang="de-DE" sz="1400" dirty="0" err="1"/>
-              <a:t>GitOps</a:t>
-            </a:r>
-            <a:r>
-              <a:rPr lang="de-DE" altLang="de-DE" sz="1400" dirty="0"/>
-              <a:t> Grundlagen</a:t>
-            </a:r>
-          </a:p>
-          <a:p>
-            <a:pPr lvl="1">
-              <a:buFont typeface="Arial" panose="020B0604020202020204" pitchFamily="34" charset="0"/>
-              <a:buChar char="•"/>
-            </a:pPr>
-            <a:r>
-              <a:rPr lang="de-DE" altLang="de-DE" sz="1400" dirty="0"/>
-              <a:t>Möglichkeiten des </a:t>
-            </a:r>
-            <a:r>
-              <a:rPr lang="de-DE" altLang="de-DE" sz="1400" dirty="0" err="1"/>
-              <a:t>Deployments</a:t>
-            </a:r>
-            <a:r>
-              <a:rPr lang="de-DE" altLang="de-DE" sz="1400" dirty="0"/>
-              <a:t> &amp; Verwaltung von Konfiguration</a:t>
-            </a:r>
-          </a:p>
-          <a:p>
-            <a:pPr lvl="1">
-              <a:buFont typeface="Arial" panose="020B0604020202020204" pitchFamily="34" charset="0"/>
-              <a:buChar char="•"/>
-            </a:pPr>
-            <a:r>
-              <a:rPr lang="de-DE" altLang="de-DE" sz="1400" dirty="0"/>
-              <a:t>Abschlussübung &amp; Diskussion</a:t>
-            </a:r>
-          </a:p>
-          <a:p>
-            <a:pPr lvl="1">
-              <a:buFont typeface="Arial" panose="020B0604020202020204" pitchFamily="34" charset="0"/>
-              <a:buChar char="•"/>
-            </a:pPr>
-            <a:endParaRPr lang="de-DE" altLang="de-DE" sz="1400" dirty="0"/>
-          </a:p>
-        </p:txBody>
-      </p:sp>
-      <p:sp>
-        <p:nvSpPr>
-          <p:cNvPr id="6147" name="Rectangle 1062">
-            <a:extLst>
-              <a:ext uri="{FF2B5EF4-FFF2-40B4-BE49-F238E27FC236}">
-                <a16:creationId xmlns:a16="http://schemas.microsoft.com/office/drawing/2014/main" id="{C46E9340-3256-8D55-A265-94F2F41E288E}"/>
+          <p:cNvPr id="5123" name="Rectangle 6">
+            <a:extLst>
+              <a:ext uri="{FF2B5EF4-FFF2-40B4-BE49-F238E27FC236}">
+                <a16:creationId xmlns:a16="http://schemas.microsoft.com/office/drawing/2014/main" id="{BC4BC2CC-AA18-345B-63ED-7D24CA6BD3B5}"/>
               </a:ext>
             </a:extLst>
           </p:cNvPr>
@@ -37713,8 +35436,8 @@
         </p:nvSpPr>
         <p:spPr>
           <a:xfrm>
-            <a:off x="285750" y="142875"/>
-            <a:ext cx="5654675" cy="706438"/>
+            <a:off x="303214" y="188640"/>
+            <a:ext cx="5194920" cy="706437"/>
           </a:xfrm>
         </p:spPr>
         <p:txBody>
@@ -37722,18 +35445,154 @@
           <a:lstStyle/>
           <a:p>
             <a:r>
+              <a:rPr lang="de-DE" altLang="de-DE" sz="3200" dirty="0" err="1"/>
+              <a:t>Git</a:t>
+            </a:r>
+            <a:r>
+              <a:rPr lang="de-DE" altLang="de-DE" sz="3200" dirty="0"/>
+              <a:t>-Workflow</a:t>
+            </a:r>
+            <a:endParaRPr lang="de-DE" altLang="de-DE" dirty="0"/>
+          </a:p>
+        </p:txBody>
+      </p:sp>
+      <p:sp>
+        <p:nvSpPr>
+          <p:cNvPr id="3" name="Inhaltsplatzhalter 18">
+            <a:extLst>
+              <a:ext uri="{FF2B5EF4-FFF2-40B4-BE49-F238E27FC236}">
+                <a16:creationId xmlns:a16="http://schemas.microsoft.com/office/drawing/2014/main" id="{722A59E8-4DC4-18C6-04BE-E59EF5F3246C}"/>
+              </a:ext>
+            </a:extLst>
+          </p:cNvPr>
+          <p:cNvSpPr>
+            <a:spLocks noGrp="1"/>
+          </p:cNvSpPr>
+          <p:nvPr>
+            <p:ph idx="1"/>
+          </p:nvPr>
+        </p:nvSpPr>
+        <p:spPr>
+          <a:xfrm>
+            <a:off x="303214" y="981075"/>
+            <a:ext cx="8517258" cy="5400675"/>
+          </a:xfrm>
+        </p:spPr>
+        <p:txBody>
+          <a:bodyPr/>
+          <a:lstStyle/>
+          <a:p>
+            <a:pPr marL="0" indent="0">
+              <a:spcBef>
+                <a:spcPts val="300"/>
+              </a:spcBef>
+              <a:buNone/>
+            </a:pPr>
+            <a:r>
+              <a:rPr lang="de-DE" altLang="de-DE" b="1" dirty="0"/>
+              <a:t>Inhalt</a:t>
+            </a:r>
+          </a:p>
+          <a:p>
+            <a:pPr>
+              <a:spcBef>
+                <a:spcPts val="300"/>
+              </a:spcBef>
+            </a:pPr>
+            <a:r>
               <a:rPr lang="de-DE" altLang="de-DE" dirty="0"/>
-              <a:t>Agenda</a:t>
-            </a:r>
+              <a:t>Was sind </a:t>
+            </a:r>
+            <a:r>
+              <a:rPr lang="de-DE" altLang="de-DE" dirty="0" err="1"/>
+              <a:t>Git</a:t>
+            </a:r>
+            <a:r>
+              <a:rPr lang="de-DE" altLang="de-DE" dirty="0"/>
+              <a:t>-Workflows? </a:t>
+            </a:r>
+          </a:p>
+          <a:p>
+            <a:pPr>
+              <a:spcBef>
+                <a:spcPts val="300"/>
+              </a:spcBef>
+            </a:pPr>
+            <a:r>
+              <a:rPr lang="de-DE" altLang="de-DE" dirty="0"/>
+              <a:t>Zentralisierter </a:t>
+            </a:r>
+            <a:r>
+              <a:rPr lang="de-DE" altLang="de-DE" dirty="0" err="1"/>
+              <a:t>Git</a:t>
+            </a:r>
+            <a:r>
+              <a:rPr lang="de-DE" altLang="de-DE" dirty="0"/>
+              <a:t>-Workflow</a:t>
+            </a:r>
+          </a:p>
+          <a:p>
+            <a:pPr lvl="1">
+              <a:spcBef>
+                <a:spcPts val="300"/>
+              </a:spcBef>
+            </a:pPr>
+            <a:r>
+              <a:rPr lang="de-DE" altLang="de-DE" dirty="0"/>
+              <a:t>Konzept</a:t>
+            </a:r>
+          </a:p>
+          <a:p>
+            <a:pPr lvl="1">
+              <a:spcBef>
+                <a:spcPts val="300"/>
+              </a:spcBef>
+            </a:pPr>
+            <a:r>
+              <a:rPr lang="de-DE" altLang="de-DE" dirty="0"/>
+              <a:t>Ablauf</a:t>
+            </a:r>
+          </a:p>
+          <a:p>
+            <a:pPr>
+              <a:spcBef>
+                <a:spcPts val="300"/>
+              </a:spcBef>
+            </a:pPr>
+            <a:r>
+              <a:rPr lang="de-DE" altLang="de-DE" dirty="0"/>
+              <a:t>Andere </a:t>
+            </a:r>
+            <a:r>
+              <a:rPr lang="de-DE" altLang="de-DE" dirty="0" err="1"/>
+              <a:t>Git</a:t>
+            </a:r>
+            <a:r>
+              <a:rPr lang="de-DE" altLang="de-DE" dirty="0"/>
+              <a:t>-Workflows</a:t>
+            </a:r>
+          </a:p>
+          <a:p>
+            <a:pPr>
+              <a:spcBef>
+                <a:spcPts val="300"/>
+              </a:spcBef>
+            </a:pPr>
+            <a:endParaRPr lang="de-DE" altLang="de-DE" dirty="0"/>
+          </a:p>
+          <a:p>
+            <a:pPr lvl="1"/>
+            <a:endParaRPr lang="de-DE" altLang="de-DE" dirty="0"/>
+          </a:p>
+          <a:p>
+            <a:pPr marL="0" indent="0">
+              <a:buNone/>
+            </a:pPr>
+            <a:endParaRPr lang="de-DE" altLang="de-DE" dirty="0"/>
           </a:p>
         </p:txBody>
       </p:sp>
     </p:spTree>
-    <p:extLst>
-      <p:ext uri="{BB962C8B-B14F-4D97-AF65-F5344CB8AC3E}">
-        <p14:creationId xmlns:p14="http://schemas.microsoft.com/office/powerpoint/2010/main" val="4184095898"/>
-      </p:ext>
-    </p:extLst>
   </p:cSld>
   <p:clrMapOvr>
     <a:masterClrMapping/>
@@ -37760,53 +35619,139 @@
       </p:grpSpPr>
       <p:sp>
         <p:nvSpPr>
-          <p:cNvPr id="2" name="Titel 1"/>
+          <p:cNvPr id="6146" name="Inhaltsplatzhalter 18">
+            <a:extLst>
+              <a:ext uri="{FF2B5EF4-FFF2-40B4-BE49-F238E27FC236}">
+                <a16:creationId xmlns:a16="http://schemas.microsoft.com/office/drawing/2014/main" id="{BE3C4C95-FD5D-27F0-ED0C-AB8113CAC9F1}"/>
+              </a:ext>
+            </a:extLst>
+          </p:cNvPr>
           <p:cNvSpPr>
             <a:spLocks noGrp="1"/>
+          </p:cNvSpPr>
+          <p:nvPr>
+            <p:ph idx="1"/>
+          </p:nvPr>
+        </p:nvSpPr>
+        <p:spPr>
+          <a:xfrm>
+            <a:off x="303214" y="981075"/>
+            <a:ext cx="8517258" cy="5400675"/>
+          </a:xfrm>
+        </p:spPr>
+        <p:txBody>
+          <a:bodyPr/>
+          <a:lstStyle/>
+          <a:p>
+            <a:pPr marL="0" indent="0">
+              <a:buNone/>
+            </a:pPr>
+            <a:r>
+              <a:rPr lang="de-DE" altLang="de-DE" b="1" dirty="0"/>
+              <a:t>Was sind </a:t>
+            </a:r>
+            <a:r>
+              <a:rPr lang="de-DE" altLang="de-DE" b="1" dirty="0" err="1"/>
+              <a:t>Git</a:t>
+            </a:r>
+            <a:r>
+              <a:rPr lang="de-DE" altLang="de-DE" b="1" dirty="0"/>
+              <a:t>-Workflows?</a:t>
+            </a:r>
+          </a:p>
+          <a:p>
+            <a:r>
+              <a:rPr lang="de-DE" altLang="de-DE" dirty="0"/>
+              <a:t>Workflows sind Empfehlungen &amp; Strategien im Remote-Kontext</a:t>
+            </a:r>
+          </a:p>
+          <a:p>
+            <a:r>
+              <a:rPr lang="de-DE" altLang="de-DE" dirty="0"/>
+              <a:t>Sorgen im Team für konsistente und effektive Nutzung von </a:t>
+            </a:r>
+            <a:r>
+              <a:rPr lang="de-DE" altLang="de-DE" dirty="0" err="1"/>
+              <a:t>Git</a:t>
+            </a:r>
+            <a:r>
+              <a:rPr lang="de-DE" altLang="de-DE" dirty="0"/>
+              <a:t> &amp; </a:t>
+            </a:r>
+            <a:r>
+              <a:rPr lang="de-DE" altLang="de-DE" dirty="0" err="1"/>
+              <a:t>GitLab</a:t>
+            </a:r>
+            <a:endParaRPr lang="de-DE" altLang="de-DE" dirty="0"/>
+          </a:p>
+          <a:p>
+            <a:r>
+              <a:rPr lang="de-DE" altLang="de-DE" dirty="0"/>
+              <a:t>Workflows = Empfehlungen</a:t>
+            </a:r>
+          </a:p>
+          <a:p>
+            <a:pPr lvl="1"/>
+            <a:r>
+              <a:rPr lang="de-DE" altLang="de-DE" dirty="0"/>
+              <a:t>Keine absoluten Regeln!</a:t>
+            </a:r>
+          </a:p>
+          <a:p>
+            <a:pPr marL="0" indent="0">
+              <a:buNone/>
+            </a:pPr>
+            <a:endParaRPr lang="de-DE" altLang="de-DE" dirty="0"/>
+          </a:p>
+          <a:p>
+            <a:pPr marL="0" indent="0">
+              <a:buNone/>
+            </a:pPr>
+            <a:endParaRPr lang="de-DE" altLang="de-DE" dirty="0"/>
+          </a:p>
+        </p:txBody>
+      </p:sp>
+      <p:sp>
+        <p:nvSpPr>
+          <p:cNvPr id="6147" name="Rectangle 1062">
+            <a:extLst>
+              <a:ext uri="{FF2B5EF4-FFF2-40B4-BE49-F238E27FC236}">
+                <a16:creationId xmlns:a16="http://schemas.microsoft.com/office/drawing/2014/main" id="{C46E9340-3256-8D55-A265-94F2F41E288E}"/>
+              </a:ext>
+            </a:extLst>
+          </p:cNvPr>
+          <p:cNvSpPr>
+            <a:spLocks noGrp="1" noChangeArrowheads="1"/>
           </p:cNvSpPr>
           <p:nvPr>
             <p:ph type="title"/>
           </p:nvPr>
         </p:nvSpPr>
-        <p:spPr/>
+        <p:spPr>
+          <a:xfrm>
+            <a:off x="303214" y="188640"/>
+            <a:ext cx="5654675" cy="706438"/>
+          </a:xfrm>
+        </p:spPr>
         <p:txBody>
           <a:bodyPr/>
           <a:lstStyle/>
           <a:p>
             <a:r>
-              <a:rPr lang="de-DE" cap="none" dirty="0"/>
-              <a:t>Workflows</a:t>
-            </a:r>
-          </a:p>
-        </p:txBody>
-      </p:sp>
-      <p:sp>
-        <p:nvSpPr>
-          <p:cNvPr id="3" name="Untertitel 2"/>
-          <p:cNvSpPr>
-            <a:spLocks noGrp="1"/>
-          </p:cNvSpPr>
-          <p:nvPr>
-            <p:ph type="body" idx="1"/>
-          </p:nvPr>
-        </p:nvSpPr>
-        <p:spPr/>
-        <p:txBody>
-          <a:bodyPr/>
-          <a:lstStyle/>
-          <a:p>
-            <a:r>
-              <a:rPr lang="de-DE" dirty="0" err="1"/>
+              <a:rPr lang="de-DE" altLang="de-DE" sz="3200" dirty="0" err="1"/>
               <a:t>Git</a:t>
             </a:r>
-            <a:endParaRPr lang="de-DE" dirty="0"/>
+            <a:r>
+              <a:rPr lang="de-DE" altLang="de-DE" sz="3200" dirty="0"/>
+              <a:t>-Workflow</a:t>
+            </a:r>
           </a:p>
         </p:txBody>
       </p:sp>
     </p:spTree>
     <p:extLst>
       <p:ext uri="{BB962C8B-B14F-4D97-AF65-F5344CB8AC3E}">
-        <p14:creationId xmlns:p14="http://schemas.microsoft.com/office/powerpoint/2010/main" val="3092047359"/>
+        <p14:creationId xmlns:p14="http://schemas.microsoft.com/office/powerpoint/2010/main" val="1842692015"/>
       </p:ext>
     </p:extLst>
   </p:cSld>
@@ -37835,10 +35780,168 @@
       </p:grpSpPr>
       <p:sp>
         <p:nvSpPr>
-          <p:cNvPr id="5123" name="Rectangle 6">
-            <a:extLst>
-              <a:ext uri="{FF2B5EF4-FFF2-40B4-BE49-F238E27FC236}">
-                <a16:creationId xmlns:a16="http://schemas.microsoft.com/office/drawing/2014/main" id="{BC4BC2CC-AA18-345B-63ED-7D24CA6BD3B5}"/>
+          <p:cNvPr id="6146" name="Inhaltsplatzhalter 18">
+            <a:extLst>
+              <a:ext uri="{FF2B5EF4-FFF2-40B4-BE49-F238E27FC236}">
+                <a16:creationId xmlns:a16="http://schemas.microsoft.com/office/drawing/2014/main" id="{BE3C4C95-FD5D-27F0-ED0C-AB8113CAC9F1}"/>
+              </a:ext>
+            </a:extLst>
+          </p:cNvPr>
+          <p:cNvSpPr>
+            <a:spLocks noGrp="1"/>
+          </p:cNvSpPr>
+          <p:nvPr>
+            <p:ph idx="1"/>
+          </p:nvPr>
+        </p:nvSpPr>
+        <p:spPr>
+          <a:xfrm>
+            <a:off x="303214" y="981075"/>
+            <a:ext cx="8517258" cy="5400675"/>
+          </a:xfrm>
+        </p:spPr>
+        <p:txBody>
+          <a:bodyPr/>
+          <a:lstStyle/>
+          <a:p>
+            <a:pPr marL="0" indent="0">
+              <a:buNone/>
+            </a:pPr>
+            <a:r>
+              <a:rPr lang="de-DE" altLang="de-DE" b="1" dirty="0"/>
+              <a:t>Was sind </a:t>
+            </a:r>
+            <a:r>
+              <a:rPr lang="de-DE" altLang="de-DE" b="1" dirty="0" err="1"/>
+              <a:t>Git</a:t>
+            </a:r>
+            <a:r>
+              <a:rPr lang="de-DE" altLang="de-DE" b="1" dirty="0"/>
+              <a:t>-Workflows?</a:t>
+            </a:r>
+          </a:p>
+          <a:p>
+            <a:r>
+              <a:rPr lang="de-DE" altLang="de-DE" sz="1800" dirty="0"/>
+              <a:t>Es gibt nicht </a:t>
+            </a:r>
+            <a:r>
+              <a:rPr lang="de-DE" altLang="de-DE" sz="1800" i="1" dirty="0"/>
+              <a:t>den einen </a:t>
+            </a:r>
+            <a:r>
+              <a:rPr lang="de-DE" altLang="de-DE" sz="1800" dirty="0" err="1"/>
+              <a:t>Git</a:t>
+            </a:r>
+            <a:r>
+              <a:rPr lang="de-DE" altLang="de-DE" sz="1800" dirty="0"/>
+              <a:t>-Workflow</a:t>
+            </a:r>
+          </a:p>
+          <a:p>
+            <a:r>
+              <a:rPr lang="de-DE" altLang="de-DE" sz="1800" dirty="0" err="1"/>
+              <a:t>Git</a:t>
+            </a:r>
+            <a:r>
+              <a:rPr lang="de-DE" altLang="de-DE" sz="1800" dirty="0"/>
+              <a:t> und </a:t>
+            </a:r>
+            <a:r>
+              <a:rPr lang="de-DE" altLang="de-DE" sz="1800" dirty="0" err="1"/>
+              <a:t>GitLab</a:t>
+            </a:r>
+            <a:r>
+              <a:rPr lang="de-DE" altLang="de-DE" sz="1800" dirty="0"/>
+              <a:t> bieten vielfältige Einsatzmöglichkeiten</a:t>
+            </a:r>
+          </a:p>
+          <a:p>
+            <a:r>
+              <a:rPr lang="de-DE" altLang="de-DE" sz="1800" dirty="0">
+                <a:sym typeface="Wingdings" panose="05000000000000000000" pitchFamily="2" charset="2"/>
+              </a:rPr>
+              <a:t> V</a:t>
+            </a:r>
+            <a:r>
+              <a:rPr lang="de-DE" altLang="de-DE" sz="1800" dirty="0"/>
+              <a:t>iele </a:t>
+            </a:r>
+            <a:r>
+              <a:rPr lang="de-DE" altLang="de-DE" sz="1800" dirty="0" err="1"/>
+              <a:t>Git</a:t>
+            </a:r>
+            <a:r>
+              <a:rPr lang="de-DE" altLang="de-DE" sz="1800" dirty="0"/>
+              <a:t>-Workflows mit unterschiedlichen Konzepten</a:t>
+            </a:r>
+          </a:p>
+          <a:p>
+            <a:r>
+              <a:rPr lang="de-DE" altLang="de-DE" sz="1800" dirty="0"/>
+              <a:t>Auswahl des passenden Workflows nach bestimmten Kriterien</a:t>
+            </a:r>
+          </a:p>
+          <a:p>
+            <a:pPr lvl="1"/>
+            <a:r>
+              <a:rPr lang="de-DE" altLang="de-DE" sz="1400" dirty="0"/>
+              <a:t>Unternehmensprozesse</a:t>
+            </a:r>
+          </a:p>
+          <a:p>
+            <a:pPr lvl="1"/>
+            <a:r>
+              <a:rPr lang="de-DE" altLang="de-DE" sz="1400" dirty="0"/>
+              <a:t>Teamkultur</a:t>
+            </a:r>
+          </a:p>
+          <a:p>
+            <a:pPr lvl="1"/>
+            <a:r>
+              <a:rPr lang="de-DE" altLang="de-DE" sz="1400" dirty="0"/>
+              <a:t>Teamgröße</a:t>
+            </a:r>
+          </a:p>
+          <a:p>
+            <a:pPr lvl="1"/>
+            <a:r>
+              <a:rPr lang="de-DE" altLang="de-DE" sz="1400" dirty="0"/>
+              <a:t>Projektgröße und Umfang</a:t>
+            </a:r>
+          </a:p>
+          <a:p>
+            <a:r>
+              <a:rPr lang="de-DE" altLang="de-DE" sz="1800" dirty="0"/>
+              <a:t>Teammitglieder müssen den Workflow kennen und produktiv integrieren</a:t>
+            </a:r>
+          </a:p>
+          <a:p>
+            <a:r>
+              <a:rPr lang="de-DE" altLang="de-DE" sz="1800" dirty="0"/>
+              <a:t>Workflow sollte keinen unnötigen Overhead erzeugen</a:t>
+            </a:r>
+          </a:p>
+          <a:p>
+            <a:pPr marL="0" indent="0">
+              <a:buNone/>
+            </a:pPr>
+            <a:endParaRPr lang="de-DE" altLang="de-DE" dirty="0"/>
+          </a:p>
+          <a:p>
+            <a:pPr marL="0" indent="0">
+              <a:buNone/>
+            </a:pPr>
+            <a:endParaRPr lang="de-DE" altLang="de-DE" dirty="0"/>
+          </a:p>
+        </p:txBody>
+      </p:sp>
+      <p:sp>
+        <p:nvSpPr>
+          <p:cNvPr id="6147" name="Rectangle 1062">
+            <a:extLst>
+              <a:ext uri="{FF2B5EF4-FFF2-40B4-BE49-F238E27FC236}">
+                <a16:creationId xmlns:a16="http://schemas.microsoft.com/office/drawing/2014/main" id="{C46E9340-3256-8D55-A265-94F2F41E288E}"/>
               </a:ext>
             </a:extLst>
           </p:cNvPr>
@@ -37851,8 +35954,8 @@
         </p:nvSpPr>
         <p:spPr>
           <a:xfrm>
-            <a:off x="303214" y="188640"/>
-            <a:ext cx="5194920" cy="706437"/>
+            <a:off x="285750" y="142875"/>
+            <a:ext cx="5654675" cy="706438"/>
           </a:xfrm>
         </p:spPr>
         <p:txBody>
@@ -37871,143 +35974,12 @@
           </a:p>
         </p:txBody>
       </p:sp>
-      <p:sp>
-        <p:nvSpPr>
-          <p:cNvPr id="3" name="Inhaltsplatzhalter 18">
-            <a:extLst>
-              <a:ext uri="{FF2B5EF4-FFF2-40B4-BE49-F238E27FC236}">
-                <a16:creationId xmlns:a16="http://schemas.microsoft.com/office/drawing/2014/main" id="{722A59E8-4DC4-18C6-04BE-E59EF5F3246C}"/>
-              </a:ext>
-            </a:extLst>
-          </p:cNvPr>
-          <p:cNvSpPr>
-            <a:spLocks noGrp="1"/>
-          </p:cNvSpPr>
-          <p:nvPr>
-            <p:ph idx="1"/>
-          </p:nvPr>
-        </p:nvSpPr>
-        <p:spPr>
-          <a:xfrm>
-            <a:off x="303214" y="981075"/>
-            <a:ext cx="8517258" cy="5400675"/>
-          </a:xfrm>
-        </p:spPr>
-        <p:txBody>
-          <a:bodyPr/>
-          <a:lstStyle/>
-          <a:p>
-            <a:pPr marL="0" indent="0">
-              <a:spcBef>
-                <a:spcPts val="300"/>
-              </a:spcBef>
-              <a:buNone/>
-            </a:pPr>
-            <a:r>
-              <a:rPr lang="de-DE" altLang="de-DE" b="1" dirty="0"/>
-              <a:t>Inhalt</a:t>
-            </a:r>
-          </a:p>
-          <a:p>
-            <a:pPr>
-              <a:spcBef>
-                <a:spcPts val="300"/>
-              </a:spcBef>
-            </a:pPr>
-            <a:r>
-              <a:rPr lang="de-DE" altLang="de-DE" dirty="0"/>
-              <a:t>Was sind </a:t>
-            </a:r>
-            <a:r>
-              <a:rPr lang="de-DE" altLang="de-DE" dirty="0" err="1"/>
-              <a:t>Git</a:t>
-            </a:r>
-            <a:r>
-              <a:rPr lang="de-DE" altLang="de-DE" dirty="0"/>
-              <a:t>-Workflows? </a:t>
-            </a:r>
-          </a:p>
-          <a:p>
-            <a:pPr>
-              <a:spcBef>
-                <a:spcPts val="300"/>
-              </a:spcBef>
-            </a:pPr>
-            <a:r>
-              <a:rPr lang="de-DE" altLang="de-DE" dirty="0"/>
-              <a:t>Zentralisierter </a:t>
-            </a:r>
-            <a:r>
-              <a:rPr lang="de-DE" altLang="de-DE" dirty="0" err="1"/>
-              <a:t>Git</a:t>
-            </a:r>
-            <a:r>
-              <a:rPr lang="de-DE" altLang="de-DE" dirty="0"/>
-              <a:t>-Workflow</a:t>
-            </a:r>
-          </a:p>
-          <a:p>
-            <a:pPr lvl="1">
-              <a:spcBef>
-                <a:spcPts val="300"/>
-              </a:spcBef>
-            </a:pPr>
-            <a:r>
-              <a:rPr lang="de-DE" altLang="de-DE" dirty="0"/>
-              <a:t>Konzept</a:t>
-            </a:r>
-          </a:p>
-          <a:p>
-            <a:pPr lvl="1">
-              <a:spcBef>
-                <a:spcPts val="300"/>
-              </a:spcBef>
-            </a:pPr>
-            <a:r>
-              <a:rPr lang="de-DE" altLang="de-DE" dirty="0"/>
-              <a:t>Ablauf</a:t>
-            </a:r>
-          </a:p>
-          <a:p>
-            <a:pPr>
-              <a:spcBef>
-                <a:spcPts val="300"/>
-              </a:spcBef>
-            </a:pPr>
-            <a:r>
-              <a:rPr lang="de-DE" altLang="de-DE" dirty="0"/>
-              <a:t>Andere </a:t>
-            </a:r>
-            <a:r>
-              <a:rPr lang="de-DE" altLang="de-DE" dirty="0" err="1"/>
-              <a:t>Git</a:t>
-            </a:r>
-            <a:r>
-              <a:rPr lang="de-DE" altLang="de-DE" dirty="0"/>
-              <a:t>-Workflows</a:t>
-            </a:r>
-          </a:p>
-          <a:p>
-            <a:pPr>
-              <a:spcBef>
-                <a:spcPts val="300"/>
-              </a:spcBef>
-            </a:pPr>
-            <a:endParaRPr lang="de-DE" altLang="de-DE" dirty="0"/>
-          </a:p>
-          <a:p>
-            <a:pPr lvl="1"/>
-            <a:endParaRPr lang="de-DE" altLang="de-DE" dirty="0"/>
-          </a:p>
-          <a:p>
-            <a:pPr marL="0" indent="0">
-              <a:buNone/>
-            </a:pPr>
-            <a:endParaRPr lang="de-DE" altLang="de-DE" dirty="0"/>
-          </a:p>
-        </p:txBody>
-      </p:sp>
     </p:spTree>
+    <p:extLst>
+      <p:ext uri="{BB962C8B-B14F-4D97-AF65-F5344CB8AC3E}">
+        <p14:creationId xmlns:p14="http://schemas.microsoft.com/office/powerpoint/2010/main" val="3770332963"/>
+      </p:ext>
+    </p:extLst>
   </p:cSld>
   <p:clrMapOvr>
     <a:masterClrMapping/>
@@ -38063,7 +36035,7 @@
             </a:pPr>
             <a:r>
               <a:rPr lang="de-DE" altLang="de-DE" b="1" dirty="0"/>
-              <a:t>Was sind </a:t>
+              <a:t>Zentralisierter </a:t>
             </a:r>
             <a:r>
               <a:rPr lang="de-DE" altLang="de-DE" b="1" dirty="0" err="1"/>
@@ -38071,52 +36043,110 @@
             </a:r>
             <a:r>
               <a:rPr lang="de-DE" altLang="de-DE" b="1" dirty="0"/>
-              <a:t>-Workflows?</a:t>
+              <a:t>-Workflow</a:t>
             </a:r>
           </a:p>
           <a:p>
             <a:r>
               <a:rPr lang="de-DE" altLang="de-DE" dirty="0"/>
-              <a:t>Workflows sind Empfehlungen &amp; Strategien im Remote-Kontext</a:t>
+              <a:t>Auch bekannt als </a:t>
+            </a:r>
+            <a:r>
+              <a:rPr lang="de-DE" altLang="de-DE" i="1" dirty="0"/>
+              <a:t>trunk-</a:t>
+            </a:r>
+            <a:r>
+              <a:rPr lang="de-DE" altLang="de-DE" i="1" dirty="0" err="1"/>
+              <a:t>based</a:t>
+            </a:r>
+            <a:r>
+              <a:rPr lang="de-DE" altLang="de-DE" i="1" dirty="0"/>
+              <a:t> Development</a:t>
             </a:r>
           </a:p>
           <a:p>
             <a:r>
               <a:rPr lang="de-DE" altLang="de-DE" dirty="0"/>
-              <a:t>Sorgen im Team für konsistente und effektive Nutzung von </a:t>
+              <a:t>Nur ein Branch benötigt</a:t>
+            </a:r>
+          </a:p>
+          <a:p>
+            <a:pPr lvl="1"/>
+            <a:r>
+              <a:rPr lang="de-DE" altLang="de-DE" dirty="0"/>
+              <a:t>Häufig </a:t>
+            </a:r>
+            <a:r>
+              <a:rPr lang="de-DE" altLang="de-DE" b="1" dirty="0" err="1"/>
+              <a:t>main</a:t>
+            </a:r>
+            <a:r>
+              <a:rPr lang="de-DE" altLang="de-DE" dirty="0"/>
+              <a:t>, (auch </a:t>
+            </a:r>
+            <a:r>
+              <a:rPr lang="de-DE" altLang="de-DE" b="1" dirty="0" err="1"/>
+              <a:t>trunk</a:t>
+            </a:r>
+            <a:r>
+              <a:rPr lang="de-DE" altLang="de-DE" dirty="0"/>
+              <a:t> oder </a:t>
+            </a:r>
+            <a:r>
+              <a:rPr lang="de-DE" altLang="de-DE" b="1" dirty="0" err="1"/>
+              <a:t>master</a:t>
+            </a:r>
+            <a:r>
+              <a:rPr lang="de-DE" altLang="de-DE" dirty="0"/>
+              <a:t> (veraltet))</a:t>
+            </a:r>
+          </a:p>
+          <a:p>
+            <a:pPr lvl="1"/>
+            <a:r>
+              <a:rPr lang="de-DE" altLang="de-DE" dirty="0"/>
+              <a:t>Änderungen als Commit</a:t>
+            </a:r>
+          </a:p>
+          <a:p>
+            <a:pPr lvl="1"/>
+            <a:r>
+              <a:rPr lang="de-DE" altLang="de-DE" dirty="0"/>
+              <a:t>Keine Verwaltung weiterer </a:t>
             </a:r>
             <a:r>
               <a:rPr lang="de-DE" altLang="de-DE" dirty="0" err="1"/>
-              <a:t>Git</a:t>
+              <a:t>Branches</a:t>
             </a:r>
             <a:r>
               <a:rPr lang="de-DE" altLang="de-DE" dirty="0"/>
-              <a:t> &amp; </a:t>
-            </a:r>
-            <a:r>
-              <a:rPr lang="de-DE" altLang="de-DE" dirty="0" err="1"/>
-              <a:t>GitLab</a:t>
+              <a:t> </a:t>
+            </a:r>
+            <a:r>
+              <a:rPr lang="de-DE" altLang="de-DE" dirty="0">
+                <a:sym typeface="Wingdings" panose="05000000000000000000" pitchFamily="2" charset="2"/>
+              </a:rPr>
+              <a:t> weniger Overhead</a:t>
             </a:r>
             <a:endParaRPr lang="de-DE" altLang="de-DE" dirty="0"/>
           </a:p>
           <a:p>
             <a:r>
+              <a:rPr lang="de-DE" altLang="de-DE" dirty="0">
+                <a:sym typeface="Wingdings" panose="05000000000000000000" pitchFamily="2" charset="2"/>
+              </a:rPr>
+              <a:t></a:t>
+            </a:r>
+            <a:r>
               <a:rPr lang="de-DE" altLang="de-DE" dirty="0"/>
-              <a:t>Workflows = Empfehlungen</a:t>
-            </a:r>
-          </a:p>
-          <a:p>
-            <a:pPr lvl="1"/>
+              <a:t> Einfach und schnell zu verstehen</a:t>
+            </a:r>
+          </a:p>
+          <a:p>
             <a:r>
               <a:rPr lang="de-DE" altLang="de-DE" dirty="0"/>
-              <a:t>Keine absoluten Regeln!</a:t>
-            </a:r>
-          </a:p>
-          <a:p>
-            <a:pPr marL="0" indent="0">
-              <a:buNone/>
-            </a:pPr>
-            <a:endParaRPr lang="de-DE" altLang="de-DE" dirty="0"/>
+              <a:t>Erleichtert Umstieg von CVCS (z.B. SVN)</a:t>
+            </a:r>
           </a:p>
           <a:p>
             <a:pPr marL="0" indent="0">
@@ -38144,7 +36174,7 @@
         </p:nvSpPr>
         <p:spPr>
           <a:xfrm>
-            <a:off x="303214" y="188640"/>
+            <a:off x="285750" y="142875"/>
             <a:ext cx="5654675" cy="706438"/>
           </a:xfrm>
         </p:spPr>
@@ -38166,7 +36196,7 @@
     </p:spTree>
     <p:extLst>
       <p:ext uri="{BB962C8B-B14F-4D97-AF65-F5344CB8AC3E}">
-        <p14:creationId xmlns:p14="http://schemas.microsoft.com/office/powerpoint/2010/main" val="1842692015"/>
+        <p14:creationId xmlns:p14="http://schemas.microsoft.com/office/powerpoint/2010/main" val="1242079246"/>
       </p:ext>
     </p:extLst>
   </p:cSld>
@@ -38224,7 +36254,7 @@
             </a:pPr>
             <a:r>
               <a:rPr lang="de-DE" altLang="de-DE" b="1" dirty="0"/>
-              <a:t>Was sind </a:t>
+              <a:t>Zentralisierter </a:t>
             </a:r>
             <a:r>
               <a:rPr lang="de-DE" altLang="de-DE" b="1" dirty="0" err="1"/>
@@ -38232,116 +36262,111 @@
             </a:r>
             <a:r>
               <a:rPr lang="de-DE" altLang="de-DE" b="1" dirty="0"/>
-              <a:t>-Workflows?</a:t>
-            </a:r>
-          </a:p>
-          <a:p>
-            <a:r>
-              <a:rPr lang="de-DE" altLang="de-DE" sz="1800" dirty="0"/>
-              <a:t>Es gibt nicht </a:t>
-            </a:r>
-            <a:r>
-              <a:rPr lang="de-DE" altLang="de-DE" sz="1800" i="1" dirty="0"/>
-              <a:t>den einen </a:t>
-            </a:r>
-            <a:r>
-              <a:rPr lang="de-DE" altLang="de-DE" sz="1800" dirty="0" err="1"/>
-              <a:t>Git</a:t>
-            </a:r>
-            <a:r>
-              <a:rPr lang="de-DE" altLang="de-DE" sz="1800" dirty="0"/>
               <a:t>-Workflow</a:t>
             </a:r>
           </a:p>
           <a:p>
             <a:r>
-              <a:rPr lang="de-DE" altLang="de-DE" sz="1800" dirty="0" err="1"/>
-              <a:t>Git</a:t>
-            </a:r>
-            <a:r>
-              <a:rPr lang="de-DE" altLang="de-DE" sz="1800" dirty="0"/>
-              <a:t> und </a:t>
-            </a:r>
-            <a:r>
-              <a:rPr lang="de-DE" altLang="de-DE" sz="1800" dirty="0" err="1"/>
-              <a:t>GitLab</a:t>
-            </a:r>
-            <a:r>
-              <a:rPr lang="de-DE" altLang="de-DE" sz="1800" dirty="0"/>
-              <a:t> bieten vielfältige Einsatzmöglichkeiten</a:t>
-            </a:r>
-          </a:p>
-          <a:p>
-            <a:r>
-              <a:rPr lang="de-DE" altLang="de-DE" sz="1800" dirty="0">
+              <a:rPr lang="de-DE" altLang="de-DE" dirty="0"/>
+              <a:t>Entwickler committen direkt auf </a:t>
+            </a:r>
+            <a:r>
+              <a:rPr lang="de-DE" altLang="de-DE" dirty="0" err="1"/>
+              <a:t>main</a:t>
+            </a:r>
+            <a:endParaRPr lang="de-DE" altLang="de-DE" dirty="0"/>
+          </a:p>
+          <a:p>
+            <a:pPr lvl="1"/>
+            <a:r>
+              <a:rPr lang="de-DE" altLang="de-DE" dirty="0">
                 <a:sym typeface="Wingdings" panose="05000000000000000000" pitchFamily="2" charset="2"/>
               </a:rPr>
-              <a:t> V</a:t>
-            </a:r>
-            <a:r>
-              <a:rPr lang="de-DE" altLang="de-DE" sz="1800" dirty="0"/>
-              <a:t>iele </a:t>
-            </a:r>
-            <a:r>
-              <a:rPr lang="de-DE" altLang="de-DE" sz="1800" dirty="0" err="1"/>
-              <a:t>Git</a:t>
-            </a:r>
-            <a:r>
-              <a:rPr lang="de-DE" altLang="de-DE" sz="1800" dirty="0"/>
-              <a:t>-Workflows mit unterschiedlichen Konzepten</a:t>
-            </a:r>
-          </a:p>
-          <a:p>
-            <a:r>
-              <a:rPr lang="de-DE" altLang="de-DE" sz="1800" dirty="0"/>
-              <a:t>Auswahl des passenden Workflows nach bestimmten Kriterien</a:t>
+              <a:t> Oft neue Änderungen (</a:t>
+            </a:r>
+            <a:r>
+              <a:rPr lang="de-DE" altLang="de-DE" dirty="0" err="1">
+                <a:sym typeface="Wingdings" panose="05000000000000000000" pitchFamily="2" charset="2"/>
+              </a:rPr>
+              <a:t>main</a:t>
+            </a:r>
+            <a:r>
+              <a:rPr lang="de-DE" altLang="de-DE" dirty="0">
+                <a:sym typeface="Wingdings" panose="05000000000000000000" pitchFamily="2" charset="2"/>
+              </a:rPr>
+              <a:t>)</a:t>
             </a:r>
           </a:p>
           <a:p>
             <a:pPr lvl="1"/>
             <a:r>
-              <a:rPr lang="de-DE" altLang="de-DE" sz="1400" dirty="0"/>
-              <a:t>Unternehmensprozesse</a:t>
+              <a:rPr lang="de-DE" altLang="de-DE" dirty="0">
+                <a:sym typeface="Wingdings" panose="05000000000000000000" pitchFamily="2" charset="2"/>
+              </a:rPr>
+              <a:t>Keine längerlebigen </a:t>
+            </a:r>
+            <a:r>
+              <a:rPr lang="de-DE" altLang="de-DE" dirty="0" err="1">
+                <a:sym typeface="Wingdings" panose="05000000000000000000" pitchFamily="2" charset="2"/>
+              </a:rPr>
+              <a:t>Branches</a:t>
+            </a:r>
+            <a:endParaRPr lang="de-DE" altLang="de-DE" dirty="0"/>
+          </a:p>
+          <a:p>
+            <a:r>
+              <a:rPr lang="de-DE" altLang="de-DE" dirty="0"/>
+              <a:t>Häufige </a:t>
+            </a:r>
+            <a:r>
+              <a:rPr lang="de-DE" altLang="de-DE" dirty="0" err="1"/>
+              <a:t>Commits</a:t>
+            </a:r>
+            <a:r>
+              <a:rPr lang="de-DE" altLang="de-DE" dirty="0"/>
+              <a:t> unterstützen CI/CD </a:t>
             </a:r>
           </a:p>
           <a:p>
             <a:pPr lvl="1"/>
             <a:r>
-              <a:rPr lang="de-DE" altLang="de-DE" sz="1400" dirty="0"/>
-              <a:t>Teamkultur</a:t>
+              <a:rPr lang="de-DE" altLang="de-DE" dirty="0"/>
+              <a:t>CI-Pipeline kann häufig durchlaufen</a:t>
             </a:r>
           </a:p>
           <a:p>
             <a:pPr lvl="1"/>
             <a:r>
-              <a:rPr lang="de-DE" altLang="de-DE" sz="1400" dirty="0"/>
-              <a:t>Teamgröße</a:t>
+              <a:rPr lang="de-DE" altLang="de-DE" dirty="0"/>
+              <a:t>Automatisierte Tests (= schnelles Feedback)</a:t>
             </a:r>
           </a:p>
           <a:p>
             <a:pPr lvl="1"/>
             <a:r>
-              <a:rPr lang="de-DE" altLang="de-DE" sz="1400" dirty="0"/>
-              <a:t>Projektgröße und Umfang</a:t>
-            </a:r>
-          </a:p>
-          <a:p>
-            <a:r>
-              <a:rPr lang="de-DE" altLang="de-DE" sz="1800" dirty="0"/>
-              <a:t>Teammitglieder müssen den Workflow kennen und produktiv integrieren</a:t>
-            </a:r>
-          </a:p>
-          <a:p>
-            <a:r>
-              <a:rPr lang="de-DE" altLang="de-DE" sz="1800" dirty="0"/>
-              <a:t>Workflow sollte keinen unnötigen Overhead erzeugen</a:t>
-            </a:r>
-          </a:p>
-          <a:p>
-            <a:pPr marL="0" indent="0">
-              <a:buNone/>
-            </a:pPr>
-            <a:endParaRPr lang="de-DE" altLang="de-DE" dirty="0"/>
+              <a:rPr lang="de-DE" altLang="de-DE" dirty="0"/>
+              <a:t>Hochfrequente Releases möglich</a:t>
+            </a:r>
+          </a:p>
+          <a:p>
+            <a:r>
+              <a:rPr lang="de-DE" altLang="de-DE" dirty="0"/>
+              <a:t>Fokus auf Commit-Qualität </a:t>
+            </a:r>
+          </a:p>
+          <a:p>
+            <a:pPr lvl="1"/>
+            <a:r>
+              <a:rPr lang="de-DE" altLang="de-DE" dirty="0"/>
+              <a:t>= lauffähig und getestet</a:t>
+            </a:r>
+          </a:p>
+          <a:p>
+            <a:pPr lvl="1"/>
+            <a:r>
+              <a:rPr lang="de-DE" altLang="de-DE" dirty="0"/>
+              <a:t>Schlechte Code-Qualität = großer Schaden</a:t>
+            </a:r>
           </a:p>
           <a:p>
             <a:pPr marL="0" indent="0">
@@ -38385,14 +36410,13 @@
               <a:rPr lang="de-DE" altLang="de-DE" sz="3200" dirty="0"/>
               <a:t>-Workflow</a:t>
             </a:r>
-            <a:endParaRPr lang="de-DE" altLang="de-DE" dirty="0"/>
           </a:p>
         </p:txBody>
       </p:sp>
     </p:spTree>
     <p:extLst>
       <p:ext uri="{BB962C8B-B14F-4D97-AF65-F5344CB8AC3E}">
-        <p14:creationId xmlns:p14="http://schemas.microsoft.com/office/powerpoint/2010/main" val="3770332963"/>
+        <p14:creationId xmlns:p14="http://schemas.microsoft.com/office/powerpoint/2010/main" val="1574715531"/>
       </p:ext>
     </p:extLst>
   </p:cSld>
@@ -38464,104 +36488,43 @@
           <a:p>
             <a:r>
               <a:rPr lang="de-DE" altLang="de-DE" dirty="0"/>
-              <a:t>Auch bekannt als </a:t>
-            </a:r>
-            <a:r>
-              <a:rPr lang="de-DE" altLang="de-DE" i="1" dirty="0"/>
-              <a:t>trunk-</a:t>
-            </a:r>
-            <a:r>
-              <a:rPr lang="de-DE" altLang="de-DE" i="1" dirty="0" err="1"/>
-              <a:t>based</a:t>
-            </a:r>
-            <a:r>
-              <a:rPr lang="de-DE" altLang="de-DE" i="1" dirty="0"/>
-              <a:t> Development</a:t>
-            </a:r>
-          </a:p>
-          <a:p>
+              <a:t>Erfordert regelmäßige Updates im lokalen Repository</a:t>
+            </a:r>
+          </a:p>
+          <a:p>
+            <a:pPr lvl="1"/>
             <a:r>
               <a:rPr lang="de-DE" altLang="de-DE" dirty="0"/>
-              <a:t>Nur ein Branch benötigt</a:t>
+              <a:t>Erhöht Konfliktpotenzial, reduziert Integrationskomplexität</a:t>
             </a:r>
           </a:p>
           <a:p>
             <a:pPr lvl="1"/>
             <a:r>
               <a:rPr lang="de-DE" altLang="de-DE" dirty="0"/>
-              <a:t>Häufig </a:t>
-            </a:r>
-            <a:r>
-              <a:rPr lang="de-DE" altLang="de-DE" b="1" dirty="0" err="1"/>
-              <a:t>main</a:t>
-            </a:r>
-            <a:r>
-              <a:rPr lang="de-DE" altLang="de-DE" dirty="0"/>
-              <a:t>, (auch </a:t>
-            </a:r>
-            <a:r>
-              <a:rPr lang="de-DE" altLang="de-DE" b="1" dirty="0" err="1"/>
-              <a:t>trunk</a:t>
-            </a:r>
-            <a:r>
-              <a:rPr lang="de-DE" altLang="de-DE" dirty="0"/>
-              <a:t> oder </a:t>
-            </a:r>
-            <a:r>
-              <a:rPr lang="de-DE" altLang="de-DE" b="1" dirty="0" err="1"/>
-              <a:t>master</a:t>
-            </a:r>
-            <a:r>
-              <a:rPr lang="de-DE" altLang="de-DE" dirty="0"/>
-              <a:t> (veraltet))</a:t>
-            </a:r>
-          </a:p>
-          <a:p>
-            <a:pPr lvl="1"/>
-            <a:r>
-              <a:rPr lang="de-DE" altLang="de-DE" dirty="0"/>
-              <a:t>Änderungen als Commit</a:t>
-            </a:r>
-          </a:p>
-          <a:p>
-            <a:pPr lvl="1"/>
-            <a:r>
-              <a:rPr lang="de-DE" altLang="de-DE" dirty="0"/>
-              <a:t>Keine Verwaltung weiterer </a:t>
+              <a:t>Gegenbeispiel: Feature-</a:t>
             </a:r>
             <a:r>
               <a:rPr lang="de-DE" altLang="de-DE" dirty="0" err="1"/>
               <a:t>Branches</a:t>
             </a:r>
+            <a:endParaRPr lang="de-DE" altLang="de-DE" dirty="0"/>
+          </a:p>
+          <a:p>
+            <a:pPr marL="358775" indent="-176213">
+              <a:buNone/>
+            </a:pPr>
             <a:r>
               <a:rPr lang="de-DE" altLang="de-DE" dirty="0"/>
-              <a:t> </a:t>
+              <a:t>	</a:t>
             </a:r>
             <a:r>
               <a:rPr lang="de-DE" altLang="de-DE" dirty="0">
                 <a:sym typeface="Wingdings" panose="05000000000000000000" pitchFamily="2" charset="2"/>
               </a:rPr>
-              <a:t> weniger Overhead</a:t>
+              <a:t> Verhindert Divergenz</a:t>
             </a:r>
             <a:endParaRPr lang="de-DE" altLang="de-DE" dirty="0"/>
-          </a:p>
-          <a:p>
-            <a:r>
-              <a:rPr lang="de-DE" altLang="de-DE" dirty="0">
-                <a:sym typeface="Wingdings" panose="05000000000000000000" pitchFamily="2" charset="2"/>
-              </a:rPr>
-              <a:t></a:t>
-            </a:r>
-            <a:r>
-              <a:rPr lang="de-DE" altLang="de-DE" dirty="0"/>
-              <a:t> Einfach und schnell zu verstehen</a:t>
-            </a:r>
-          </a:p>
-          <a:p>
-            <a:r>
-              <a:rPr lang="de-DE" altLang="de-DE" dirty="0"/>
-              <a:t>Erleichtert Umstieg von CVCS (z.B. SVN)</a:t>
-            </a:r>
           </a:p>
           <a:p>
             <a:pPr marL="0" indent="0">
@@ -38608,10 +36571,1337 @@
           </a:p>
         </p:txBody>
       </p:sp>
+      <p:sp>
+        <p:nvSpPr>
+          <p:cNvPr id="2" name="Ellipse 1">
+            <a:extLst>
+              <a:ext uri="{FF2B5EF4-FFF2-40B4-BE49-F238E27FC236}">
+                <a16:creationId xmlns:a16="http://schemas.microsoft.com/office/drawing/2014/main" id="{76058A08-9E10-43D2-3E59-C7816D7E71EB}"/>
+              </a:ext>
+            </a:extLst>
+          </p:cNvPr>
+          <p:cNvSpPr/>
+          <p:nvPr/>
+        </p:nvSpPr>
+        <p:spPr bwMode="auto">
+          <a:xfrm>
+            <a:off x="4355976" y="4493954"/>
+            <a:ext cx="288032" cy="288032"/>
+          </a:xfrm>
+          <a:prstGeom prst="ellipse">
+            <a:avLst/>
+          </a:prstGeom>
+          <a:solidFill>
+            <a:schemeClr val="accent5">
+              <a:lumMod val="75000"/>
+            </a:schemeClr>
+          </a:solidFill>
+          <a:ln w="19050" cap="flat" cmpd="sng" algn="ctr">
+            <a:solidFill>
+              <a:schemeClr val="tx1"/>
+            </a:solidFill>
+            <a:prstDash val="solid"/>
+            <a:round/>
+            <a:headEnd type="none" w="sm" len="sm"/>
+            <a:tailEnd type="none" w="sm" len="sm"/>
+          </a:ln>
+          <a:effectLst/>
+        </p:spPr>
+        <p:txBody>
+          <a:bodyPr vert="horz" wrap="square" lIns="91440" tIns="45720" rIns="91440" bIns="45720" numCol="1" rtlCol="0" anchor="t" anchorCtr="0" compatLnSpc="1">
+            <a:prstTxWarp prst="textNoShape">
+              <a:avLst/>
+            </a:prstTxWarp>
+          </a:bodyPr>
+          <a:lstStyle/>
+          <a:p>
+            <a:pPr marL="0" marR="0" indent="0" algn="l" defTabSz="914400" rtl="0" eaLnBrk="0" fontAlgn="base" latinLnBrk="0" hangingPunct="0">
+              <a:lnSpc>
+                <a:spcPct val="100000"/>
+              </a:lnSpc>
+              <a:spcBef>
+                <a:spcPct val="0"/>
+              </a:spcBef>
+              <a:spcAft>
+                <a:spcPct val="0"/>
+              </a:spcAft>
+              <a:buClrTx/>
+              <a:buSzTx/>
+              <a:buFontTx/>
+              <a:buNone/>
+              <a:tabLst/>
+            </a:pPr>
+            <a:endParaRPr kumimoji="0" lang="de-DE" sz="2400" b="0" i="0" u="none" strike="noStrike" cap="none" normalizeH="0" baseline="0">
+              <a:ln>
+                <a:noFill/>
+              </a:ln>
+              <a:solidFill>
+                <a:schemeClr val="tx1"/>
+              </a:solidFill>
+              <a:effectLst/>
+              <a:latin typeface="Times New Roman" pitchFamily="18" charset="0"/>
+            </a:endParaRPr>
+          </a:p>
+        </p:txBody>
+      </p:sp>
+      <p:sp>
+        <p:nvSpPr>
+          <p:cNvPr id="3" name="Ellipse 2">
+            <a:extLst>
+              <a:ext uri="{FF2B5EF4-FFF2-40B4-BE49-F238E27FC236}">
+                <a16:creationId xmlns:a16="http://schemas.microsoft.com/office/drawing/2014/main" id="{E37D6EA4-6BDA-851B-1514-CB8F375614CE}"/>
+              </a:ext>
+            </a:extLst>
+          </p:cNvPr>
+          <p:cNvSpPr/>
+          <p:nvPr/>
+        </p:nvSpPr>
+        <p:spPr bwMode="auto">
+          <a:xfrm>
+            <a:off x="4860032" y="4493954"/>
+            <a:ext cx="288032" cy="288032"/>
+          </a:xfrm>
+          <a:prstGeom prst="ellipse">
+            <a:avLst/>
+          </a:prstGeom>
+          <a:solidFill>
+            <a:schemeClr val="accent5">
+              <a:lumMod val="75000"/>
+            </a:schemeClr>
+          </a:solidFill>
+          <a:ln w="19050" cap="flat" cmpd="sng" algn="ctr">
+            <a:solidFill>
+              <a:schemeClr val="tx1"/>
+            </a:solidFill>
+            <a:prstDash val="solid"/>
+            <a:round/>
+            <a:headEnd type="none" w="sm" len="sm"/>
+            <a:tailEnd type="none" w="sm" len="sm"/>
+          </a:ln>
+          <a:effectLst/>
+        </p:spPr>
+        <p:txBody>
+          <a:bodyPr vert="horz" wrap="square" lIns="91440" tIns="45720" rIns="91440" bIns="45720" numCol="1" rtlCol="0" anchor="t" anchorCtr="0" compatLnSpc="1">
+            <a:prstTxWarp prst="textNoShape">
+              <a:avLst/>
+            </a:prstTxWarp>
+          </a:bodyPr>
+          <a:lstStyle/>
+          <a:p>
+            <a:pPr marL="0" marR="0" indent="0" algn="l" defTabSz="914400" rtl="0" eaLnBrk="0" fontAlgn="base" latinLnBrk="0" hangingPunct="0">
+              <a:lnSpc>
+                <a:spcPct val="100000"/>
+              </a:lnSpc>
+              <a:spcBef>
+                <a:spcPct val="0"/>
+              </a:spcBef>
+              <a:spcAft>
+                <a:spcPct val="0"/>
+              </a:spcAft>
+              <a:buClrTx/>
+              <a:buSzTx/>
+              <a:buFontTx/>
+              <a:buNone/>
+              <a:tabLst/>
+            </a:pPr>
+            <a:endParaRPr kumimoji="0" lang="de-DE" sz="2400" b="0" i="0" u="none" strike="noStrike" cap="none" normalizeH="0" baseline="0">
+              <a:ln>
+                <a:noFill/>
+              </a:ln>
+              <a:solidFill>
+                <a:schemeClr val="tx1"/>
+              </a:solidFill>
+              <a:effectLst/>
+              <a:latin typeface="Times New Roman" pitchFamily="18" charset="0"/>
+            </a:endParaRPr>
+          </a:p>
+        </p:txBody>
+      </p:sp>
+      <p:cxnSp>
+        <p:nvCxnSpPr>
+          <p:cNvPr id="5" name="Gerader Verbinder 4">
+            <a:extLst>
+              <a:ext uri="{FF2B5EF4-FFF2-40B4-BE49-F238E27FC236}">
+                <a16:creationId xmlns:a16="http://schemas.microsoft.com/office/drawing/2014/main" id="{7DF7BF90-34CF-2A8A-BF0A-DA7332C8F32C}"/>
+              </a:ext>
+            </a:extLst>
+          </p:cNvPr>
+          <p:cNvCxnSpPr>
+            <a:stCxn id="2" idx="6"/>
+            <a:endCxn id="3" idx="2"/>
+          </p:cNvCxnSpPr>
+          <p:nvPr/>
+        </p:nvCxnSpPr>
+        <p:spPr bwMode="auto">
+          <a:xfrm>
+            <a:off x="4644008" y="4637970"/>
+            <a:ext cx="216024" cy="0"/>
+          </a:xfrm>
+          <a:prstGeom prst="line">
+            <a:avLst/>
+          </a:prstGeom>
+          <a:solidFill>
+            <a:schemeClr val="accent1"/>
+          </a:solidFill>
+          <a:ln w="19050" cap="flat" cmpd="sng" algn="ctr">
+            <a:solidFill>
+              <a:schemeClr val="tx1"/>
+            </a:solidFill>
+            <a:prstDash val="solid"/>
+            <a:round/>
+            <a:headEnd type="none" w="sm" len="sm"/>
+            <a:tailEnd type="none" w="sm" len="sm"/>
+          </a:ln>
+          <a:effectLst/>
+        </p:spPr>
+      </p:cxnSp>
+      <p:sp>
+        <p:nvSpPr>
+          <p:cNvPr id="6" name="Ellipse 5">
+            <a:extLst>
+              <a:ext uri="{FF2B5EF4-FFF2-40B4-BE49-F238E27FC236}">
+                <a16:creationId xmlns:a16="http://schemas.microsoft.com/office/drawing/2014/main" id="{7CC7556A-24FC-B989-D16D-06F56F69F690}"/>
+              </a:ext>
+            </a:extLst>
+          </p:cNvPr>
+          <p:cNvSpPr/>
+          <p:nvPr/>
+        </p:nvSpPr>
+        <p:spPr bwMode="auto">
+          <a:xfrm>
+            <a:off x="5364088" y="4493954"/>
+            <a:ext cx="288032" cy="288032"/>
+          </a:xfrm>
+          <a:prstGeom prst="ellipse">
+            <a:avLst/>
+          </a:prstGeom>
+          <a:solidFill>
+            <a:schemeClr val="accent5">
+              <a:lumMod val="75000"/>
+            </a:schemeClr>
+          </a:solidFill>
+          <a:ln w="19050" cap="flat" cmpd="sng" algn="ctr">
+            <a:solidFill>
+              <a:schemeClr val="tx1"/>
+            </a:solidFill>
+            <a:prstDash val="solid"/>
+            <a:round/>
+            <a:headEnd type="none" w="sm" len="sm"/>
+            <a:tailEnd type="none" w="sm" len="sm"/>
+          </a:ln>
+          <a:effectLst/>
+        </p:spPr>
+        <p:txBody>
+          <a:bodyPr vert="horz" wrap="square" lIns="91440" tIns="45720" rIns="91440" bIns="45720" numCol="1" rtlCol="0" anchor="t" anchorCtr="0" compatLnSpc="1">
+            <a:prstTxWarp prst="textNoShape">
+              <a:avLst/>
+            </a:prstTxWarp>
+          </a:bodyPr>
+          <a:lstStyle/>
+          <a:p>
+            <a:pPr marL="0" marR="0" indent="0" algn="l" defTabSz="914400" rtl="0" eaLnBrk="0" fontAlgn="base" latinLnBrk="0" hangingPunct="0">
+              <a:lnSpc>
+                <a:spcPct val="100000"/>
+              </a:lnSpc>
+              <a:spcBef>
+                <a:spcPct val="0"/>
+              </a:spcBef>
+              <a:spcAft>
+                <a:spcPct val="0"/>
+              </a:spcAft>
+              <a:buClrTx/>
+              <a:buSzTx/>
+              <a:buFontTx/>
+              <a:buNone/>
+              <a:tabLst/>
+            </a:pPr>
+            <a:endParaRPr kumimoji="0" lang="de-DE" sz="2400" b="0" i="0" u="none" strike="noStrike" cap="none" normalizeH="0" baseline="0">
+              <a:ln>
+                <a:noFill/>
+              </a:ln>
+              <a:solidFill>
+                <a:schemeClr val="tx1"/>
+              </a:solidFill>
+              <a:effectLst/>
+              <a:latin typeface="Times New Roman" pitchFamily="18" charset="0"/>
+            </a:endParaRPr>
+          </a:p>
+        </p:txBody>
+      </p:sp>
+      <p:cxnSp>
+        <p:nvCxnSpPr>
+          <p:cNvPr id="7" name="Gerader Verbinder 6">
+            <a:extLst>
+              <a:ext uri="{FF2B5EF4-FFF2-40B4-BE49-F238E27FC236}">
+                <a16:creationId xmlns:a16="http://schemas.microsoft.com/office/drawing/2014/main" id="{F1368B5E-699F-B893-DF00-04155B3397F5}"/>
+              </a:ext>
+            </a:extLst>
+          </p:cNvPr>
+          <p:cNvCxnSpPr>
+            <a:endCxn id="6" idx="2"/>
+          </p:cNvCxnSpPr>
+          <p:nvPr/>
+        </p:nvCxnSpPr>
+        <p:spPr bwMode="auto">
+          <a:xfrm>
+            <a:off x="5148064" y="4637970"/>
+            <a:ext cx="216024" cy="0"/>
+          </a:xfrm>
+          <a:prstGeom prst="line">
+            <a:avLst/>
+          </a:prstGeom>
+          <a:solidFill>
+            <a:schemeClr val="accent1"/>
+          </a:solidFill>
+          <a:ln w="19050" cap="flat" cmpd="sng" algn="ctr">
+            <a:solidFill>
+              <a:schemeClr val="tx1"/>
+            </a:solidFill>
+            <a:prstDash val="solid"/>
+            <a:round/>
+            <a:headEnd type="none" w="sm" len="sm"/>
+            <a:tailEnd type="none" w="sm" len="sm"/>
+          </a:ln>
+          <a:effectLst/>
+        </p:spPr>
+      </p:cxnSp>
+      <p:sp>
+        <p:nvSpPr>
+          <p:cNvPr id="8" name="Ellipse 7">
+            <a:extLst>
+              <a:ext uri="{FF2B5EF4-FFF2-40B4-BE49-F238E27FC236}">
+                <a16:creationId xmlns:a16="http://schemas.microsoft.com/office/drawing/2014/main" id="{42774172-05BE-833F-9B7B-72CFA740189B}"/>
+              </a:ext>
+            </a:extLst>
+          </p:cNvPr>
+          <p:cNvSpPr/>
+          <p:nvPr/>
+        </p:nvSpPr>
+        <p:spPr bwMode="auto">
+          <a:xfrm>
+            <a:off x="5868144" y="4493954"/>
+            <a:ext cx="288032" cy="288032"/>
+          </a:xfrm>
+          <a:prstGeom prst="ellipse">
+            <a:avLst/>
+          </a:prstGeom>
+          <a:solidFill>
+            <a:schemeClr val="accent5">
+              <a:lumMod val="75000"/>
+            </a:schemeClr>
+          </a:solidFill>
+          <a:ln w="19050" cap="flat" cmpd="sng" algn="ctr">
+            <a:solidFill>
+              <a:schemeClr val="tx1"/>
+            </a:solidFill>
+            <a:prstDash val="solid"/>
+            <a:round/>
+            <a:headEnd type="none" w="sm" len="sm"/>
+            <a:tailEnd type="none" w="sm" len="sm"/>
+          </a:ln>
+          <a:effectLst/>
+        </p:spPr>
+        <p:txBody>
+          <a:bodyPr vert="horz" wrap="square" lIns="91440" tIns="45720" rIns="91440" bIns="45720" numCol="1" rtlCol="0" anchor="t" anchorCtr="0" compatLnSpc="1">
+            <a:prstTxWarp prst="textNoShape">
+              <a:avLst/>
+            </a:prstTxWarp>
+          </a:bodyPr>
+          <a:lstStyle/>
+          <a:p>
+            <a:pPr marL="0" marR="0" indent="0" algn="l" defTabSz="914400" rtl="0" eaLnBrk="0" fontAlgn="base" latinLnBrk="0" hangingPunct="0">
+              <a:lnSpc>
+                <a:spcPct val="100000"/>
+              </a:lnSpc>
+              <a:spcBef>
+                <a:spcPct val="0"/>
+              </a:spcBef>
+              <a:spcAft>
+                <a:spcPct val="0"/>
+              </a:spcAft>
+              <a:buClrTx/>
+              <a:buSzTx/>
+              <a:buFontTx/>
+              <a:buNone/>
+              <a:tabLst/>
+            </a:pPr>
+            <a:endParaRPr kumimoji="0" lang="de-DE" sz="2400" b="0" i="0" u="none" strike="noStrike" cap="none" normalizeH="0" baseline="0">
+              <a:ln>
+                <a:noFill/>
+              </a:ln>
+              <a:solidFill>
+                <a:schemeClr val="tx1"/>
+              </a:solidFill>
+              <a:effectLst/>
+              <a:latin typeface="Times New Roman" pitchFamily="18" charset="0"/>
+            </a:endParaRPr>
+          </a:p>
+        </p:txBody>
+      </p:sp>
+      <p:cxnSp>
+        <p:nvCxnSpPr>
+          <p:cNvPr id="9" name="Gerader Verbinder 8">
+            <a:extLst>
+              <a:ext uri="{FF2B5EF4-FFF2-40B4-BE49-F238E27FC236}">
+                <a16:creationId xmlns:a16="http://schemas.microsoft.com/office/drawing/2014/main" id="{6D7A49AF-D5F1-FC31-E750-C02CCFE81D1F}"/>
+              </a:ext>
+            </a:extLst>
+          </p:cNvPr>
+          <p:cNvCxnSpPr>
+            <a:endCxn id="8" idx="2"/>
+          </p:cNvCxnSpPr>
+          <p:nvPr/>
+        </p:nvCxnSpPr>
+        <p:spPr bwMode="auto">
+          <a:xfrm>
+            <a:off x="5652120" y="4637970"/>
+            <a:ext cx="216024" cy="0"/>
+          </a:xfrm>
+          <a:prstGeom prst="line">
+            <a:avLst/>
+          </a:prstGeom>
+          <a:solidFill>
+            <a:schemeClr val="accent1"/>
+          </a:solidFill>
+          <a:ln w="19050" cap="flat" cmpd="sng" algn="ctr">
+            <a:solidFill>
+              <a:schemeClr val="tx1"/>
+            </a:solidFill>
+            <a:prstDash val="solid"/>
+            <a:round/>
+            <a:headEnd type="none" w="sm" len="sm"/>
+            <a:tailEnd type="none" w="sm" len="sm"/>
+          </a:ln>
+          <a:effectLst/>
+        </p:spPr>
+      </p:cxnSp>
+      <p:sp>
+        <p:nvSpPr>
+          <p:cNvPr id="12" name="Ellipse 11">
+            <a:extLst>
+              <a:ext uri="{FF2B5EF4-FFF2-40B4-BE49-F238E27FC236}">
+                <a16:creationId xmlns:a16="http://schemas.microsoft.com/office/drawing/2014/main" id="{F5298BD6-540F-23E3-0013-2118BE335BC8}"/>
+              </a:ext>
+            </a:extLst>
+          </p:cNvPr>
+          <p:cNvSpPr/>
+          <p:nvPr/>
+        </p:nvSpPr>
+        <p:spPr bwMode="auto">
+          <a:xfrm rot="18900000">
+            <a:off x="4720612" y="4137533"/>
+            <a:ext cx="288032" cy="288032"/>
+          </a:xfrm>
+          <a:prstGeom prst="ellipse">
+            <a:avLst/>
+          </a:prstGeom>
+          <a:solidFill>
+            <a:srgbClr val="008C5A"/>
+          </a:solidFill>
+          <a:ln w="19050" cap="flat" cmpd="sng" algn="ctr">
+            <a:solidFill>
+              <a:schemeClr val="tx1"/>
+            </a:solidFill>
+            <a:prstDash val="solid"/>
+            <a:round/>
+            <a:headEnd type="none" w="sm" len="sm"/>
+            <a:tailEnd type="none" w="sm" len="sm"/>
+          </a:ln>
+          <a:effectLst/>
+        </p:spPr>
+        <p:txBody>
+          <a:bodyPr vert="horz" wrap="square" lIns="91440" tIns="45720" rIns="91440" bIns="45720" numCol="1" rtlCol="0" anchor="t" anchorCtr="0" compatLnSpc="1">
+            <a:prstTxWarp prst="textNoShape">
+              <a:avLst/>
+            </a:prstTxWarp>
+          </a:bodyPr>
+          <a:lstStyle/>
+          <a:p>
+            <a:pPr marL="0" marR="0" indent="0" algn="l" defTabSz="914400" rtl="0" eaLnBrk="0" fontAlgn="base" latinLnBrk="0" hangingPunct="0">
+              <a:lnSpc>
+                <a:spcPct val="100000"/>
+              </a:lnSpc>
+              <a:spcBef>
+                <a:spcPct val="0"/>
+              </a:spcBef>
+              <a:spcAft>
+                <a:spcPct val="0"/>
+              </a:spcAft>
+              <a:buClrTx/>
+              <a:buSzTx/>
+              <a:buFontTx/>
+              <a:buNone/>
+              <a:tabLst/>
+            </a:pPr>
+            <a:endParaRPr kumimoji="0" lang="de-DE" sz="2400" b="0" i="0" u="none" strike="noStrike" cap="none" normalizeH="0" baseline="0" dirty="0">
+              <a:ln>
+                <a:noFill/>
+              </a:ln>
+              <a:solidFill>
+                <a:schemeClr val="tx1"/>
+              </a:solidFill>
+              <a:effectLst/>
+              <a:latin typeface="Times New Roman" pitchFamily="18" charset="0"/>
+            </a:endParaRPr>
+          </a:p>
+        </p:txBody>
+      </p:sp>
+      <p:cxnSp>
+        <p:nvCxnSpPr>
+          <p:cNvPr id="13" name="Gerader Verbinder 12">
+            <a:extLst>
+              <a:ext uri="{FF2B5EF4-FFF2-40B4-BE49-F238E27FC236}">
+                <a16:creationId xmlns:a16="http://schemas.microsoft.com/office/drawing/2014/main" id="{5B3D8803-F685-3CC3-C206-3E87CAB24B24}"/>
+              </a:ext>
+            </a:extLst>
+          </p:cNvPr>
+          <p:cNvCxnSpPr>
+            <a:cxnSpLocks/>
+            <a:endCxn id="12" idx="2"/>
+          </p:cNvCxnSpPr>
+          <p:nvPr/>
+        </p:nvCxnSpPr>
+        <p:spPr bwMode="auto">
+          <a:xfrm rot="18900000">
+            <a:off x="4578405" y="4459760"/>
+            <a:ext cx="216024" cy="0"/>
+          </a:xfrm>
+          <a:prstGeom prst="line">
+            <a:avLst/>
+          </a:prstGeom>
+          <a:solidFill>
+            <a:schemeClr val="accent1"/>
+          </a:solidFill>
+          <a:ln w="19050" cap="flat" cmpd="sng" algn="ctr">
+            <a:solidFill>
+              <a:schemeClr val="tx1"/>
+            </a:solidFill>
+            <a:prstDash val="solid"/>
+            <a:round/>
+            <a:headEnd type="none" w="sm" len="sm"/>
+            <a:tailEnd type="none" w="sm" len="sm"/>
+          </a:ln>
+          <a:effectLst/>
+        </p:spPr>
+      </p:cxnSp>
+      <p:sp>
+        <p:nvSpPr>
+          <p:cNvPr id="21" name="Ellipse 20">
+            <a:extLst>
+              <a:ext uri="{FF2B5EF4-FFF2-40B4-BE49-F238E27FC236}">
+                <a16:creationId xmlns:a16="http://schemas.microsoft.com/office/drawing/2014/main" id="{24B9CDB4-9181-958F-24AD-C1A9D4725175}"/>
+              </a:ext>
+            </a:extLst>
+          </p:cNvPr>
+          <p:cNvSpPr/>
+          <p:nvPr/>
+        </p:nvSpPr>
+        <p:spPr bwMode="auto">
+          <a:xfrm rot="18900000">
+            <a:off x="5072582" y="3776743"/>
+            <a:ext cx="288032" cy="288032"/>
+          </a:xfrm>
+          <a:prstGeom prst="ellipse">
+            <a:avLst/>
+          </a:prstGeom>
+          <a:solidFill>
+            <a:srgbClr val="008C5A"/>
+          </a:solidFill>
+          <a:ln w="19050" cap="flat" cmpd="sng" algn="ctr">
+            <a:solidFill>
+              <a:schemeClr val="tx1"/>
+            </a:solidFill>
+            <a:prstDash val="solid"/>
+            <a:round/>
+            <a:headEnd type="none" w="sm" len="sm"/>
+            <a:tailEnd type="none" w="sm" len="sm"/>
+          </a:ln>
+          <a:effectLst/>
+        </p:spPr>
+        <p:txBody>
+          <a:bodyPr vert="horz" wrap="square" lIns="91440" tIns="45720" rIns="91440" bIns="45720" numCol="1" rtlCol="0" anchor="t" anchorCtr="0" compatLnSpc="1">
+            <a:prstTxWarp prst="textNoShape">
+              <a:avLst/>
+            </a:prstTxWarp>
+          </a:bodyPr>
+          <a:lstStyle/>
+          <a:p>
+            <a:pPr marL="0" marR="0" indent="0" algn="l" defTabSz="914400" rtl="0" eaLnBrk="0" fontAlgn="base" latinLnBrk="0" hangingPunct="0">
+              <a:lnSpc>
+                <a:spcPct val="100000"/>
+              </a:lnSpc>
+              <a:spcBef>
+                <a:spcPct val="0"/>
+              </a:spcBef>
+              <a:spcAft>
+                <a:spcPct val="0"/>
+              </a:spcAft>
+              <a:buClrTx/>
+              <a:buSzTx/>
+              <a:buFontTx/>
+              <a:buNone/>
+              <a:tabLst/>
+            </a:pPr>
+            <a:endParaRPr kumimoji="0" lang="de-DE" sz="2400" b="0" i="0" u="none" strike="noStrike" cap="none" normalizeH="0" baseline="0">
+              <a:ln>
+                <a:noFill/>
+              </a:ln>
+              <a:solidFill>
+                <a:schemeClr val="tx1"/>
+              </a:solidFill>
+              <a:effectLst/>
+              <a:latin typeface="Times New Roman" pitchFamily="18" charset="0"/>
+            </a:endParaRPr>
+          </a:p>
+        </p:txBody>
+      </p:sp>
+      <p:cxnSp>
+        <p:nvCxnSpPr>
+          <p:cNvPr id="22" name="Gerader Verbinder 21">
+            <a:extLst>
+              <a:ext uri="{FF2B5EF4-FFF2-40B4-BE49-F238E27FC236}">
+                <a16:creationId xmlns:a16="http://schemas.microsoft.com/office/drawing/2014/main" id="{AC6C0621-C790-AE19-DBA4-68AD8760B6B8}"/>
+              </a:ext>
+            </a:extLst>
+          </p:cNvPr>
+          <p:cNvCxnSpPr>
+            <a:cxnSpLocks/>
+            <a:endCxn id="21" idx="2"/>
+          </p:cNvCxnSpPr>
+          <p:nvPr/>
+        </p:nvCxnSpPr>
+        <p:spPr bwMode="auto">
+          <a:xfrm rot="18900000">
+            <a:off x="4930375" y="4098970"/>
+            <a:ext cx="216024" cy="0"/>
+          </a:xfrm>
+          <a:prstGeom prst="line">
+            <a:avLst/>
+          </a:prstGeom>
+          <a:solidFill>
+            <a:schemeClr val="accent1"/>
+          </a:solidFill>
+          <a:ln w="19050" cap="flat" cmpd="sng" algn="ctr">
+            <a:solidFill>
+              <a:schemeClr val="tx1"/>
+            </a:solidFill>
+            <a:prstDash val="solid"/>
+            <a:round/>
+            <a:headEnd type="none" w="sm" len="sm"/>
+            <a:tailEnd type="none" w="sm" len="sm"/>
+          </a:ln>
+          <a:effectLst/>
+        </p:spPr>
+      </p:cxnSp>
+      <p:sp>
+        <p:nvSpPr>
+          <p:cNvPr id="24" name="Ellipse 23">
+            <a:extLst>
+              <a:ext uri="{FF2B5EF4-FFF2-40B4-BE49-F238E27FC236}">
+                <a16:creationId xmlns:a16="http://schemas.microsoft.com/office/drawing/2014/main" id="{C1CB366A-80E2-B34A-8CAA-01D231680BB3}"/>
+              </a:ext>
+            </a:extLst>
+          </p:cNvPr>
+          <p:cNvSpPr/>
+          <p:nvPr/>
+        </p:nvSpPr>
+        <p:spPr bwMode="auto">
+          <a:xfrm rot="18900000">
+            <a:off x="5440464" y="3419664"/>
+            <a:ext cx="288032" cy="288032"/>
+          </a:xfrm>
+          <a:prstGeom prst="ellipse">
+            <a:avLst/>
+          </a:prstGeom>
+          <a:solidFill>
+            <a:srgbClr val="008C5A"/>
+          </a:solidFill>
+          <a:ln w="19050" cap="flat" cmpd="sng" algn="ctr">
+            <a:solidFill>
+              <a:schemeClr val="tx1"/>
+            </a:solidFill>
+            <a:prstDash val="solid"/>
+            <a:round/>
+            <a:headEnd type="none" w="sm" len="sm"/>
+            <a:tailEnd type="none" w="sm" len="sm"/>
+          </a:ln>
+          <a:effectLst/>
+        </p:spPr>
+        <p:txBody>
+          <a:bodyPr vert="horz" wrap="square" lIns="91440" tIns="45720" rIns="91440" bIns="45720" numCol="1" rtlCol="0" anchor="t" anchorCtr="0" compatLnSpc="1">
+            <a:prstTxWarp prst="textNoShape">
+              <a:avLst/>
+            </a:prstTxWarp>
+          </a:bodyPr>
+          <a:lstStyle/>
+          <a:p>
+            <a:pPr marL="0" marR="0" indent="0" algn="l" defTabSz="914400" rtl="0" eaLnBrk="0" fontAlgn="base" latinLnBrk="0" hangingPunct="0">
+              <a:lnSpc>
+                <a:spcPct val="100000"/>
+              </a:lnSpc>
+              <a:spcBef>
+                <a:spcPct val="0"/>
+              </a:spcBef>
+              <a:spcAft>
+                <a:spcPct val="0"/>
+              </a:spcAft>
+              <a:buClrTx/>
+              <a:buSzTx/>
+              <a:buFontTx/>
+              <a:buNone/>
+              <a:tabLst/>
+            </a:pPr>
+            <a:endParaRPr kumimoji="0" lang="de-DE" sz="2400" b="0" i="0" u="none" strike="noStrike" cap="none" normalizeH="0" baseline="0">
+              <a:ln>
+                <a:noFill/>
+              </a:ln>
+              <a:solidFill>
+                <a:schemeClr val="tx1"/>
+              </a:solidFill>
+              <a:effectLst/>
+              <a:latin typeface="Times New Roman" pitchFamily="18" charset="0"/>
+            </a:endParaRPr>
+          </a:p>
+        </p:txBody>
+      </p:sp>
+      <p:cxnSp>
+        <p:nvCxnSpPr>
+          <p:cNvPr id="25" name="Gerader Verbinder 24">
+            <a:extLst>
+              <a:ext uri="{FF2B5EF4-FFF2-40B4-BE49-F238E27FC236}">
+                <a16:creationId xmlns:a16="http://schemas.microsoft.com/office/drawing/2014/main" id="{91F4DAAE-20C0-A358-F8E6-159483F59034}"/>
+              </a:ext>
+            </a:extLst>
+          </p:cNvPr>
+          <p:cNvCxnSpPr>
+            <a:cxnSpLocks/>
+            <a:endCxn id="24" idx="2"/>
+          </p:cNvCxnSpPr>
+          <p:nvPr/>
+        </p:nvCxnSpPr>
+        <p:spPr bwMode="auto">
+          <a:xfrm rot="18900000">
+            <a:off x="5298257" y="3741891"/>
+            <a:ext cx="216024" cy="0"/>
+          </a:xfrm>
+          <a:prstGeom prst="line">
+            <a:avLst/>
+          </a:prstGeom>
+          <a:solidFill>
+            <a:schemeClr val="accent1"/>
+          </a:solidFill>
+          <a:ln w="19050" cap="flat" cmpd="sng" algn="ctr">
+            <a:solidFill>
+              <a:schemeClr val="tx1"/>
+            </a:solidFill>
+            <a:prstDash val="solid"/>
+            <a:round/>
+            <a:headEnd type="none" w="sm" len="sm"/>
+            <a:tailEnd type="none" w="sm" len="sm"/>
+          </a:ln>
+          <a:effectLst/>
+        </p:spPr>
+      </p:cxnSp>
+      <p:sp>
+        <p:nvSpPr>
+          <p:cNvPr id="27" name="Ellipse 26">
+            <a:extLst>
+              <a:ext uri="{FF2B5EF4-FFF2-40B4-BE49-F238E27FC236}">
+                <a16:creationId xmlns:a16="http://schemas.microsoft.com/office/drawing/2014/main" id="{0DAA663F-74F9-824B-7814-D68B26ECEC5D}"/>
+              </a:ext>
+            </a:extLst>
+          </p:cNvPr>
+          <p:cNvSpPr/>
+          <p:nvPr/>
+        </p:nvSpPr>
+        <p:spPr bwMode="auto">
+          <a:xfrm rot="2700000">
+            <a:off x="4737334" y="4837147"/>
+            <a:ext cx="288032" cy="288032"/>
+          </a:xfrm>
+          <a:prstGeom prst="ellipse">
+            <a:avLst/>
+          </a:prstGeom>
+          <a:solidFill>
+            <a:srgbClr val="7030A0"/>
+          </a:solidFill>
+          <a:ln w="19050" cap="flat" cmpd="sng" algn="ctr">
+            <a:solidFill>
+              <a:schemeClr val="tx1"/>
+            </a:solidFill>
+            <a:prstDash val="solid"/>
+            <a:round/>
+            <a:headEnd type="none" w="sm" len="sm"/>
+            <a:tailEnd type="none" w="sm" len="sm"/>
+          </a:ln>
+          <a:effectLst/>
+        </p:spPr>
+        <p:txBody>
+          <a:bodyPr vert="horz" wrap="square" lIns="91440" tIns="45720" rIns="91440" bIns="45720" numCol="1" rtlCol="0" anchor="t" anchorCtr="0" compatLnSpc="1">
+            <a:prstTxWarp prst="textNoShape">
+              <a:avLst/>
+            </a:prstTxWarp>
+          </a:bodyPr>
+          <a:lstStyle/>
+          <a:p>
+            <a:pPr marL="0" marR="0" indent="0" algn="l" defTabSz="914400" rtl="0" eaLnBrk="0" fontAlgn="base" latinLnBrk="0" hangingPunct="0">
+              <a:lnSpc>
+                <a:spcPct val="100000"/>
+              </a:lnSpc>
+              <a:spcBef>
+                <a:spcPct val="0"/>
+              </a:spcBef>
+              <a:spcAft>
+                <a:spcPct val="0"/>
+              </a:spcAft>
+              <a:buClrTx/>
+              <a:buSzTx/>
+              <a:buFontTx/>
+              <a:buNone/>
+              <a:tabLst/>
+            </a:pPr>
+            <a:endParaRPr kumimoji="0" lang="de-DE" sz="2400" b="0" i="0" u="none" strike="noStrike" cap="none" normalizeH="0" baseline="0">
+              <a:ln>
+                <a:noFill/>
+              </a:ln>
+              <a:solidFill>
+                <a:schemeClr val="tx1"/>
+              </a:solidFill>
+              <a:effectLst/>
+              <a:latin typeface="Times New Roman" pitchFamily="18" charset="0"/>
+            </a:endParaRPr>
+          </a:p>
+        </p:txBody>
+      </p:sp>
+      <p:cxnSp>
+        <p:nvCxnSpPr>
+          <p:cNvPr id="28" name="Gerader Verbinder 27">
+            <a:extLst>
+              <a:ext uri="{FF2B5EF4-FFF2-40B4-BE49-F238E27FC236}">
+                <a16:creationId xmlns:a16="http://schemas.microsoft.com/office/drawing/2014/main" id="{D8B1459F-326E-9A00-8D75-7BE99926DE8D}"/>
+              </a:ext>
+            </a:extLst>
+          </p:cNvPr>
+          <p:cNvCxnSpPr>
+            <a:cxnSpLocks/>
+            <a:endCxn id="27" idx="2"/>
+          </p:cNvCxnSpPr>
+          <p:nvPr/>
+        </p:nvCxnSpPr>
+        <p:spPr bwMode="auto">
+          <a:xfrm rot="2700000">
+            <a:off x="4595127" y="4802952"/>
+            <a:ext cx="216024" cy="0"/>
+          </a:xfrm>
+          <a:prstGeom prst="line">
+            <a:avLst/>
+          </a:prstGeom>
+          <a:solidFill>
+            <a:schemeClr val="accent1"/>
+          </a:solidFill>
+          <a:ln w="19050" cap="flat" cmpd="sng" algn="ctr">
+            <a:solidFill>
+              <a:schemeClr val="tx1"/>
+            </a:solidFill>
+            <a:prstDash val="solid"/>
+            <a:round/>
+            <a:headEnd type="none" w="sm" len="sm"/>
+            <a:tailEnd type="none" w="sm" len="sm"/>
+          </a:ln>
+          <a:effectLst/>
+        </p:spPr>
+      </p:cxnSp>
+      <p:sp>
+        <p:nvSpPr>
+          <p:cNvPr id="30" name="Ellipse 29">
+            <a:extLst>
+              <a:ext uri="{FF2B5EF4-FFF2-40B4-BE49-F238E27FC236}">
+                <a16:creationId xmlns:a16="http://schemas.microsoft.com/office/drawing/2014/main" id="{10D2FCAE-82E3-17F9-B73C-ACA5C9BDCDFB}"/>
+              </a:ext>
+            </a:extLst>
+          </p:cNvPr>
+          <p:cNvSpPr/>
+          <p:nvPr/>
+        </p:nvSpPr>
+        <p:spPr bwMode="auto">
+          <a:xfrm rot="2700000">
+            <a:off x="5098124" y="5189117"/>
+            <a:ext cx="288032" cy="288032"/>
+          </a:xfrm>
+          <a:prstGeom prst="ellipse">
+            <a:avLst/>
+          </a:prstGeom>
+          <a:solidFill>
+            <a:srgbClr val="7030A0"/>
+          </a:solidFill>
+          <a:ln w="19050" cap="flat" cmpd="sng" algn="ctr">
+            <a:solidFill>
+              <a:schemeClr val="tx1"/>
+            </a:solidFill>
+            <a:prstDash val="solid"/>
+            <a:round/>
+            <a:headEnd type="none" w="sm" len="sm"/>
+            <a:tailEnd type="none" w="sm" len="sm"/>
+          </a:ln>
+          <a:effectLst/>
+        </p:spPr>
+        <p:txBody>
+          <a:bodyPr vert="horz" wrap="square" lIns="91440" tIns="45720" rIns="91440" bIns="45720" numCol="1" rtlCol="0" anchor="t" anchorCtr="0" compatLnSpc="1">
+            <a:prstTxWarp prst="textNoShape">
+              <a:avLst/>
+            </a:prstTxWarp>
+          </a:bodyPr>
+          <a:lstStyle/>
+          <a:p>
+            <a:pPr marL="0" marR="0" indent="0" algn="l" defTabSz="914400" rtl="0" eaLnBrk="0" fontAlgn="base" latinLnBrk="0" hangingPunct="0">
+              <a:lnSpc>
+                <a:spcPct val="100000"/>
+              </a:lnSpc>
+              <a:spcBef>
+                <a:spcPct val="0"/>
+              </a:spcBef>
+              <a:spcAft>
+                <a:spcPct val="0"/>
+              </a:spcAft>
+              <a:buClrTx/>
+              <a:buSzTx/>
+              <a:buFontTx/>
+              <a:buNone/>
+              <a:tabLst/>
+            </a:pPr>
+            <a:endParaRPr kumimoji="0" lang="de-DE" sz="2400" b="0" i="0" u="none" strike="noStrike" cap="none" normalizeH="0" baseline="0">
+              <a:ln>
+                <a:noFill/>
+              </a:ln>
+              <a:solidFill>
+                <a:schemeClr val="tx1"/>
+              </a:solidFill>
+              <a:effectLst/>
+              <a:latin typeface="Times New Roman" pitchFamily="18" charset="0"/>
+            </a:endParaRPr>
+          </a:p>
+        </p:txBody>
+      </p:sp>
+      <p:cxnSp>
+        <p:nvCxnSpPr>
+          <p:cNvPr id="31" name="Gerader Verbinder 30">
+            <a:extLst>
+              <a:ext uri="{FF2B5EF4-FFF2-40B4-BE49-F238E27FC236}">
+                <a16:creationId xmlns:a16="http://schemas.microsoft.com/office/drawing/2014/main" id="{5F2B3448-8BD7-07D5-2A70-D1ED30AC0397}"/>
+              </a:ext>
+            </a:extLst>
+          </p:cNvPr>
+          <p:cNvCxnSpPr>
+            <a:cxnSpLocks/>
+            <a:endCxn id="30" idx="2"/>
+          </p:cNvCxnSpPr>
+          <p:nvPr/>
+        </p:nvCxnSpPr>
+        <p:spPr bwMode="auto">
+          <a:xfrm rot="2700000">
+            <a:off x="4955917" y="5154922"/>
+            <a:ext cx="216024" cy="0"/>
+          </a:xfrm>
+          <a:prstGeom prst="line">
+            <a:avLst/>
+          </a:prstGeom>
+          <a:solidFill>
+            <a:schemeClr val="accent1"/>
+          </a:solidFill>
+          <a:ln w="19050" cap="flat" cmpd="sng" algn="ctr">
+            <a:solidFill>
+              <a:schemeClr val="tx1"/>
+            </a:solidFill>
+            <a:prstDash val="solid"/>
+            <a:round/>
+            <a:headEnd type="none" w="sm" len="sm"/>
+            <a:tailEnd type="none" w="sm" len="sm"/>
+          </a:ln>
+          <a:effectLst/>
+        </p:spPr>
+      </p:cxnSp>
+      <p:sp>
+        <p:nvSpPr>
+          <p:cNvPr id="33" name="Ellipse 32">
+            <a:extLst>
+              <a:ext uri="{FF2B5EF4-FFF2-40B4-BE49-F238E27FC236}">
+                <a16:creationId xmlns:a16="http://schemas.microsoft.com/office/drawing/2014/main" id="{36A18F51-D837-EC37-3076-1998B06ADC81}"/>
+              </a:ext>
+            </a:extLst>
+          </p:cNvPr>
+          <p:cNvSpPr/>
+          <p:nvPr/>
+        </p:nvSpPr>
+        <p:spPr bwMode="auto">
+          <a:xfrm rot="2700000">
+            <a:off x="5455203" y="5556999"/>
+            <a:ext cx="288032" cy="288032"/>
+          </a:xfrm>
+          <a:prstGeom prst="ellipse">
+            <a:avLst/>
+          </a:prstGeom>
+          <a:solidFill>
+            <a:srgbClr val="7030A0"/>
+          </a:solidFill>
+          <a:ln w="19050" cap="flat" cmpd="sng" algn="ctr">
+            <a:solidFill>
+              <a:schemeClr val="tx1"/>
+            </a:solidFill>
+            <a:prstDash val="solid"/>
+            <a:round/>
+            <a:headEnd type="none" w="sm" len="sm"/>
+            <a:tailEnd type="none" w="sm" len="sm"/>
+          </a:ln>
+          <a:effectLst/>
+        </p:spPr>
+        <p:txBody>
+          <a:bodyPr vert="horz" wrap="square" lIns="91440" tIns="45720" rIns="91440" bIns="45720" numCol="1" rtlCol="0" anchor="t" anchorCtr="0" compatLnSpc="1">
+            <a:prstTxWarp prst="textNoShape">
+              <a:avLst/>
+            </a:prstTxWarp>
+          </a:bodyPr>
+          <a:lstStyle/>
+          <a:p>
+            <a:pPr marL="0" marR="0" indent="0" algn="l" defTabSz="914400" rtl="0" eaLnBrk="0" fontAlgn="base" latinLnBrk="0" hangingPunct="0">
+              <a:lnSpc>
+                <a:spcPct val="100000"/>
+              </a:lnSpc>
+              <a:spcBef>
+                <a:spcPct val="0"/>
+              </a:spcBef>
+              <a:spcAft>
+                <a:spcPct val="0"/>
+              </a:spcAft>
+              <a:buClrTx/>
+              <a:buSzTx/>
+              <a:buFontTx/>
+              <a:buNone/>
+              <a:tabLst/>
+            </a:pPr>
+            <a:endParaRPr kumimoji="0" lang="de-DE" sz="2400" b="0" i="0" u="none" strike="noStrike" cap="none" normalizeH="0" baseline="0">
+              <a:ln>
+                <a:noFill/>
+              </a:ln>
+              <a:solidFill>
+                <a:schemeClr val="tx1"/>
+              </a:solidFill>
+              <a:effectLst/>
+              <a:latin typeface="Times New Roman" pitchFamily="18" charset="0"/>
+            </a:endParaRPr>
+          </a:p>
+        </p:txBody>
+      </p:sp>
+      <p:cxnSp>
+        <p:nvCxnSpPr>
+          <p:cNvPr id="34" name="Gerader Verbinder 33">
+            <a:extLst>
+              <a:ext uri="{FF2B5EF4-FFF2-40B4-BE49-F238E27FC236}">
+                <a16:creationId xmlns:a16="http://schemas.microsoft.com/office/drawing/2014/main" id="{6E95AD40-1AE6-E6BB-E783-C40580ED10EA}"/>
+              </a:ext>
+            </a:extLst>
+          </p:cNvPr>
+          <p:cNvCxnSpPr>
+            <a:cxnSpLocks/>
+            <a:endCxn id="33" idx="2"/>
+          </p:cNvCxnSpPr>
+          <p:nvPr/>
+        </p:nvCxnSpPr>
+        <p:spPr bwMode="auto">
+          <a:xfrm rot="2700000">
+            <a:off x="5312996" y="5522804"/>
+            <a:ext cx="216024" cy="0"/>
+          </a:xfrm>
+          <a:prstGeom prst="line">
+            <a:avLst/>
+          </a:prstGeom>
+          <a:solidFill>
+            <a:schemeClr val="accent1"/>
+          </a:solidFill>
+          <a:ln w="19050" cap="flat" cmpd="sng" algn="ctr">
+            <a:solidFill>
+              <a:schemeClr val="tx1"/>
+            </a:solidFill>
+            <a:prstDash val="solid"/>
+            <a:round/>
+            <a:headEnd type="none" w="sm" len="sm"/>
+            <a:tailEnd type="none" w="sm" len="sm"/>
+          </a:ln>
+          <a:effectLst/>
+        </p:spPr>
+      </p:cxnSp>
+      <p:sp>
+        <p:nvSpPr>
+          <p:cNvPr id="36" name="Textfeld 35">
+            <a:extLst>
+              <a:ext uri="{FF2B5EF4-FFF2-40B4-BE49-F238E27FC236}">
+                <a16:creationId xmlns:a16="http://schemas.microsoft.com/office/drawing/2014/main" id="{B3735663-1826-5083-BC04-81EFD72F822C}"/>
+              </a:ext>
+            </a:extLst>
+          </p:cNvPr>
+          <p:cNvSpPr txBox="1"/>
+          <p:nvPr/>
+        </p:nvSpPr>
+        <p:spPr bwMode="auto">
+          <a:xfrm>
+            <a:off x="6120172" y="4482847"/>
+            <a:ext cx="720080" cy="276999"/>
+          </a:xfrm>
+          <a:prstGeom prst="rect">
+            <a:avLst/>
+          </a:prstGeom>
+          <a:noFill/>
+          <a:ln w="9525">
+            <a:noFill/>
+            <a:miter lim="800000"/>
+            <a:headEnd/>
+            <a:tailEnd/>
+          </a:ln>
+        </p:spPr>
+        <p:txBody>
+          <a:bodyPr wrap="square" rtlCol="0" anchor="ctr">
+            <a:spAutoFit/>
+          </a:bodyPr>
+          <a:lstStyle/>
+          <a:p>
+            <a:pPr eaLnBrk="1" hangingPunct="1"/>
+            <a:r>
+              <a:rPr lang="de-DE" sz="1200" dirty="0" err="1">
+                <a:solidFill>
+                  <a:srgbClr val="0249FC"/>
+                </a:solidFill>
+                <a:latin typeface="Arial" charset="0"/>
+              </a:rPr>
+              <a:t>main</a:t>
+            </a:r>
+            <a:endParaRPr lang="de-DE" sz="1200" dirty="0">
+              <a:solidFill>
+                <a:srgbClr val="0249FC"/>
+              </a:solidFill>
+              <a:latin typeface="Arial" charset="0"/>
+            </a:endParaRPr>
+          </a:p>
+        </p:txBody>
+      </p:sp>
+      <p:sp>
+        <p:nvSpPr>
+          <p:cNvPr id="37" name="Textfeld 36">
+            <a:extLst>
+              <a:ext uri="{FF2B5EF4-FFF2-40B4-BE49-F238E27FC236}">
+                <a16:creationId xmlns:a16="http://schemas.microsoft.com/office/drawing/2014/main" id="{AFE0D8DA-85CA-0648-FE1A-68A82C57267E}"/>
+              </a:ext>
+            </a:extLst>
+          </p:cNvPr>
+          <p:cNvSpPr txBox="1"/>
+          <p:nvPr/>
+        </p:nvSpPr>
+        <p:spPr bwMode="auto">
+          <a:xfrm>
+            <a:off x="5724128" y="3404413"/>
+            <a:ext cx="792088" cy="276999"/>
+          </a:xfrm>
+          <a:prstGeom prst="rect">
+            <a:avLst/>
+          </a:prstGeom>
+          <a:noFill/>
+          <a:ln w="9525">
+            <a:noFill/>
+            <a:miter lim="800000"/>
+            <a:headEnd/>
+            <a:tailEnd/>
+          </a:ln>
+        </p:spPr>
+        <p:txBody>
+          <a:bodyPr wrap="square" rtlCol="0" anchor="ctr">
+            <a:spAutoFit/>
+          </a:bodyPr>
+          <a:lstStyle/>
+          <a:p>
+            <a:pPr eaLnBrk="1" hangingPunct="1"/>
+            <a:r>
+              <a:rPr lang="de-DE" sz="1200" dirty="0">
+                <a:solidFill>
+                  <a:srgbClr val="008C5A"/>
+                </a:solidFill>
+                <a:latin typeface="Arial" charset="0"/>
+              </a:rPr>
+              <a:t>feature1</a:t>
+            </a:r>
+          </a:p>
+        </p:txBody>
+      </p:sp>
+      <p:sp>
+        <p:nvSpPr>
+          <p:cNvPr id="38" name="Textfeld 37">
+            <a:extLst>
+              <a:ext uri="{FF2B5EF4-FFF2-40B4-BE49-F238E27FC236}">
+                <a16:creationId xmlns:a16="http://schemas.microsoft.com/office/drawing/2014/main" id="{38806947-E25F-4027-3BD1-F2C151C0C79D}"/>
+              </a:ext>
+            </a:extLst>
+          </p:cNvPr>
+          <p:cNvSpPr txBox="1"/>
+          <p:nvPr/>
+        </p:nvSpPr>
+        <p:spPr bwMode="auto">
+          <a:xfrm>
+            <a:off x="5760132" y="5576906"/>
+            <a:ext cx="792088" cy="276999"/>
+          </a:xfrm>
+          <a:prstGeom prst="rect">
+            <a:avLst/>
+          </a:prstGeom>
+          <a:noFill/>
+          <a:ln w="9525">
+            <a:noFill/>
+            <a:miter lim="800000"/>
+            <a:headEnd/>
+            <a:tailEnd/>
+          </a:ln>
+        </p:spPr>
+        <p:txBody>
+          <a:bodyPr wrap="square" rtlCol="0" anchor="ctr">
+            <a:spAutoFit/>
+          </a:bodyPr>
+          <a:lstStyle/>
+          <a:p>
+            <a:pPr eaLnBrk="1" hangingPunct="1"/>
+            <a:r>
+              <a:rPr lang="de-DE" sz="1200" dirty="0">
+                <a:solidFill>
+                  <a:srgbClr val="7030A0"/>
+                </a:solidFill>
+                <a:latin typeface="Arial" charset="0"/>
+              </a:rPr>
+              <a:t>feature2</a:t>
+            </a:r>
+          </a:p>
+        </p:txBody>
+      </p:sp>
+      <p:cxnSp>
+        <p:nvCxnSpPr>
+          <p:cNvPr id="40" name="Gerade Verbindung mit Pfeil 39">
+            <a:extLst>
+              <a:ext uri="{FF2B5EF4-FFF2-40B4-BE49-F238E27FC236}">
+                <a16:creationId xmlns:a16="http://schemas.microsoft.com/office/drawing/2014/main" id="{13FD3CDA-2657-1084-1AE4-2C5874D8322A}"/>
+              </a:ext>
+            </a:extLst>
+          </p:cNvPr>
+          <p:cNvCxnSpPr>
+            <a:cxnSpLocks/>
+          </p:cNvCxnSpPr>
+          <p:nvPr/>
+        </p:nvCxnSpPr>
+        <p:spPr bwMode="auto">
+          <a:xfrm>
+            <a:off x="5586865" y="3753277"/>
+            <a:ext cx="12354" cy="1738731"/>
+          </a:xfrm>
+          <a:prstGeom prst="straightConnector1">
+            <a:avLst/>
+          </a:prstGeom>
+          <a:solidFill>
+            <a:schemeClr val="accent1"/>
+          </a:solidFill>
+          <a:ln w="76200" cap="flat" cmpd="sng" algn="ctr">
+            <a:solidFill>
+              <a:srgbClr val="FFC000"/>
+            </a:solidFill>
+            <a:prstDash val="solid"/>
+            <a:round/>
+            <a:headEnd type="triangle"/>
+            <a:tailEnd type="triangle"/>
+          </a:ln>
+          <a:effectLst>
+            <a:glow rad="63500">
+              <a:schemeClr val="accent4">
+                <a:satMod val="175000"/>
+                <a:alpha val="40000"/>
+              </a:schemeClr>
+            </a:glow>
+          </a:effectLst>
+        </p:spPr>
+      </p:cxnSp>
+      <p:sp>
+        <p:nvSpPr>
+          <p:cNvPr id="42" name="Gewitterblitz 41">
+            <a:extLst>
+              <a:ext uri="{FF2B5EF4-FFF2-40B4-BE49-F238E27FC236}">
+                <a16:creationId xmlns:a16="http://schemas.microsoft.com/office/drawing/2014/main" id="{F3CC5856-E024-39FD-B0AE-569578796254}"/>
+              </a:ext>
+            </a:extLst>
+          </p:cNvPr>
+          <p:cNvSpPr/>
+          <p:nvPr/>
+        </p:nvSpPr>
+        <p:spPr bwMode="auto">
+          <a:xfrm rot="19809464" flipH="1">
+            <a:off x="5401968" y="4470905"/>
+            <a:ext cx="369792" cy="269575"/>
+          </a:xfrm>
+          <a:prstGeom prst="lightningBolt">
+            <a:avLst/>
+          </a:prstGeom>
+          <a:solidFill>
+            <a:srgbClr val="FFC000"/>
+          </a:solidFill>
+          <a:ln w="12700" cap="flat" cmpd="sng" algn="ctr">
+            <a:solidFill>
+              <a:schemeClr val="tx1"/>
+            </a:solidFill>
+            <a:prstDash val="solid"/>
+            <a:round/>
+            <a:headEnd type="none" w="sm" len="sm"/>
+            <a:tailEnd type="none" w="sm" len="sm"/>
+          </a:ln>
+          <a:effectLst>
+            <a:glow rad="63500">
+              <a:schemeClr val="accent4">
+                <a:satMod val="175000"/>
+                <a:alpha val="40000"/>
+              </a:schemeClr>
+            </a:glow>
+          </a:effectLst>
+        </p:spPr>
+        <p:txBody>
+          <a:bodyPr vert="horz" wrap="square" lIns="91440" tIns="45720" rIns="91440" bIns="45720" numCol="1" rtlCol="0" anchor="t" anchorCtr="0" compatLnSpc="1">
+            <a:prstTxWarp prst="textNoShape">
+              <a:avLst/>
+            </a:prstTxWarp>
+          </a:bodyPr>
+          <a:lstStyle/>
+          <a:p>
+            <a:pPr marL="0" marR="0" indent="0" algn="l" defTabSz="914400" rtl="0" eaLnBrk="0" fontAlgn="base" latinLnBrk="0" hangingPunct="0">
+              <a:lnSpc>
+                <a:spcPct val="100000"/>
+              </a:lnSpc>
+              <a:spcBef>
+                <a:spcPct val="0"/>
+              </a:spcBef>
+              <a:spcAft>
+                <a:spcPct val="0"/>
+              </a:spcAft>
+              <a:buClrTx/>
+              <a:buSzTx/>
+              <a:buFontTx/>
+              <a:buNone/>
+              <a:tabLst/>
+            </a:pPr>
+            <a:endParaRPr kumimoji="0" lang="de-DE" sz="2400" b="0" i="0" u="none" strike="noStrike" cap="none" normalizeH="0" baseline="0">
+              <a:ln>
+                <a:noFill/>
+              </a:ln>
+              <a:solidFill>
+                <a:schemeClr val="tx1"/>
+              </a:solidFill>
+              <a:effectLst/>
+              <a:latin typeface="Times New Roman" pitchFamily="18" charset="0"/>
+            </a:endParaRPr>
+          </a:p>
+        </p:txBody>
+      </p:sp>
     </p:spTree>
     <p:extLst>
       <p:ext uri="{BB962C8B-B14F-4D97-AF65-F5344CB8AC3E}">
-        <p14:creationId xmlns:p14="http://schemas.microsoft.com/office/powerpoint/2010/main" val="1242079246"/>
+        <p14:creationId xmlns:p14="http://schemas.microsoft.com/office/powerpoint/2010/main" val="3955948481"/>
       </p:ext>
     </p:extLst>
   </p:cSld>
@@ -38683,104 +37973,48 @@
           <a:p>
             <a:r>
               <a:rPr lang="de-DE" altLang="de-DE" dirty="0"/>
-              <a:t>Entwickler committen direkt auf </a:t>
+              <a:t>Gemeinsame Arbeit (auf einem Branch) erhöht Konfliktpotenzial</a:t>
+            </a:r>
+          </a:p>
+          <a:p>
+            <a:pPr lvl="1"/>
+            <a:r>
+              <a:rPr lang="de-DE" altLang="de-DE" dirty="0"/>
+              <a:t>Häufige Kommunikation nötig</a:t>
+            </a:r>
+          </a:p>
+          <a:p>
+            <a:pPr lvl="1"/>
+            <a:r>
+              <a:rPr lang="de-DE" altLang="de-DE" dirty="0"/>
+              <a:t>(</a:t>
             </a:r>
             <a:r>
               <a:rPr lang="de-DE" altLang="de-DE" dirty="0" err="1"/>
-              <a:t>main</a:t>
-            </a:r>
-            <a:endParaRPr lang="de-DE" altLang="de-DE" dirty="0"/>
+              <a:t>Merge</a:t>
+            </a:r>
+            <a:r>
+              <a:rPr lang="de-DE" altLang="de-DE" dirty="0"/>
+              <a:t>-)Konflikte sauber auflösen!</a:t>
+            </a:r>
+          </a:p>
+          <a:p>
+            <a:r>
+              <a:rPr lang="de-DE" altLang="de-DE" dirty="0"/>
+              <a:t>Weniger Flexibilität (als andere Workflows)</a:t>
+            </a:r>
           </a:p>
           <a:p>
             <a:pPr lvl="1"/>
             <a:r>
-              <a:rPr lang="de-DE" altLang="de-DE" dirty="0">
-                <a:sym typeface="Wingdings" panose="05000000000000000000" pitchFamily="2" charset="2"/>
-              </a:rPr>
-              <a:t> Oft neue Änderungen (</a:t>
-            </a:r>
-            <a:r>
-              <a:rPr lang="de-DE" altLang="de-DE" dirty="0" err="1">
-                <a:sym typeface="Wingdings" panose="05000000000000000000" pitchFamily="2" charset="2"/>
-              </a:rPr>
-              <a:t>main</a:t>
-            </a:r>
-            <a:r>
-              <a:rPr lang="de-DE" altLang="de-DE" dirty="0">
-                <a:sym typeface="Wingdings" panose="05000000000000000000" pitchFamily="2" charset="2"/>
-              </a:rPr>
-              <a:t>)</a:t>
-            </a:r>
-          </a:p>
-          <a:p>
-            <a:pPr lvl="1"/>
-            <a:r>
-              <a:rPr lang="de-DE" altLang="de-DE" dirty="0">
-                <a:sym typeface="Wingdings" panose="05000000000000000000" pitchFamily="2" charset="2"/>
-              </a:rPr>
-              <a:t>Keine längerlebigen </a:t>
-            </a:r>
-            <a:r>
-              <a:rPr lang="de-DE" altLang="de-DE" dirty="0" err="1">
-                <a:sym typeface="Wingdings" panose="05000000000000000000" pitchFamily="2" charset="2"/>
-              </a:rPr>
-              <a:t>Branches</a:t>
-            </a:r>
-            <a:endParaRPr lang="de-DE" altLang="de-DE" dirty="0"/>
-          </a:p>
-          <a:p>
-            <a:r>
               <a:rPr lang="de-DE" altLang="de-DE" dirty="0"/>
-              <a:t>Häufige </a:t>
-            </a:r>
-            <a:r>
-              <a:rPr lang="de-DE" altLang="de-DE" dirty="0" err="1"/>
-              <a:t>Commits</a:t>
-            </a:r>
+              <a:t>Komplexere Projekte, andere Workflows?</a:t>
+            </a:r>
+          </a:p>
+          <a:p>
             <a:r>
               <a:rPr lang="de-DE" altLang="de-DE" dirty="0"/>
-              <a:t> unterstützen CI/CD </a:t>
-            </a:r>
-          </a:p>
-          <a:p>
-            <a:pPr lvl="1"/>
-            <a:r>
-              <a:rPr lang="de-DE" altLang="de-DE" dirty="0"/>
-              <a:t>CI-Pipeline kann häufig durchlaufen</a:t>
-            </a:r>
-          </a:p>
-          <a:p>
-            <a:pPr lvl="1"/>
-            <a:r>
-              <a:rPr lang="de-DE" altLang="de-DE" dirty="0"/>
-              <a:t>Automatisierte Tests (= schnelles Feedback)</a:t>
-            </a:r>
-          </a:p>
-          <a:p>
-            <a:pPr lvl="1"/>
-            <a:r>
-              <a:rPr lang="de-DE" altLang="de-DE" dirty="0"/>
-              <a:t>Hochfrequente Releases möglich</a:t>
-            </a:r>
-          </a:p>
-          <a:p>
-            <a:r>
-              <a:rPr lang="de-DE" altLang="de-DE" dirty="0"/>
-              <a:t>Fokus auf Commit-Qualität </a:t>
-            </a:r>
-          </a:p>
-          <a:p>
-            <a:pPr lvl="1"/>
-            <a:r>
-              <a:rPr lang="de-DE" altLang="de-DE" dirty="0"/>
-              <a:t>= lauffähig und getestet</a:t>
-            </a:r>
-          </a:p>
-          <a:p>
-            <a:pPr lvl="1"/>
-            <a:r>
-              <a:rPr lang="de-DE" altLang="de-DE" dirty="0"/>
-              <a:t>Schlechte Code-Qualität = großer Schaden</a:t>
+              <a:t>Vorteilhaft in kleineren Teams und Projekten</a:t>
             </a:r>
           </a:p>
           <a:p>
@@ -38831,7 +38065,7 @@
     </p:spTree>
     <p:extLst>
       <p:ext uri="{BB962C8B-B14F-4D97-AF65-F5344CB8AC3E}">
-        <p14:creationId xmlns:p14="http://schemas.microsoft.com/office/powerpoint/2010/main" val="1574715531"/>
+        <p14:creationId xmlns:p14="http://schemas.microsoft.com/office/powerpoint/2010/main" val="1341278311"/>
       </p:ext>
     </p:extLst>
   </p:cSld>
